--- a/PLPTH813Bioinformatis/2019/labs/lab07_variants.pptx
+++ b/PLPTH813Bioinformatis/2019/labs/lab07_variants.pptx
@@ -209,7 +209,7 @@
           <a:p>
             <a:fld id="{08E6E0A8-E17C-C949-B17E-7A1A6494483A}" type="datetimeFigureOut">
               <a:rPr lang="en-US" smtClean="0"/>
-              <a:t>3/19/19</a:t>
+              <a:t>3/25/19</a:t>
             </a:fld>
             <a:endParaRPr lang="en-US"/>
           </a:p>
@@ -1325,7 +1325,7 @@
           <a:p>
             <a:fld id="{42B8B0BE-C8D7-EB48-AD68-71DB5002F24B}" type="datetimeFigureOut">
               <a:rPr lang="en-US" smtClean="0"/>
-              <a:t>3/19/19</a:t>
+              <a:t>3/25/19</a:t>
             </a:fld>
             <a:endParaRPr lang="en-US"/>
           </a:p>
@@ -1495,7 +1495,7 @@
           <a:p>
             <a:fld id="{42B8B0BE-C8D7-EB48-AD68-71DB5002F24B}" type="datetimeFigureOut">
               <a:rPr lang="en-US" smtClean="0"/>
-              <a:t>3/19/19</a:t>
+              <a:t>3/25/19</a:t>
             </a:fld>
             <a:endParaRPr lang="en-US"/>
           </a:p>
@@ -1675,7 +1675,7 @@
           <a:p>
             <a:fld id="{42B8B0BE-C8D7-EB48-AD68-71DB5002F24B}" type="datetimeFigureOut">
               <a:rPr lang="en-US" smtClean="0"/>
-              <a:t>3/19/19</a:t>
+              <a:t>3/25/19</a:t>
             </a:fld>
             <a:endParaRPr lang="en-US"/>
           </a:p>
@@ -1845,7 +1845,7 @@
           <a:p>
             <a:fld id="{42B8B0BE-C8D7-EB48-AD68-71DB5002F24B}" type="datetimeFigureOut">
               <a:rPr lang="en-US" smtClean="0"/>
-              <a:t>3/19/19</a:t>
+              <a:t>3/25/19</a:t>
             </a:fld>
             <a:endParaRPr lang="en-US"/>
           </a:p>
@@ -2091,7 +2091,7 @@
           <a:p>
             <a:fld id="{42B8B0BE-C8D7-EB48-AD68-71DB5002F24B}" type="datetimeFigureOut">
               <a:rPr lang="en-US" smtClean="0"/>
-              <a:t>3/19/19</a:t>
+              <a:t>3/25/19</a:t>
             </a:fld>
             <a:endParaRPr lang="en-US"/>
           </a:p>
@@ -2379,7 +2379,7 @@
           <a:p>
             <a:fld id="{42B8B0BE-C8D7-EB48-AD68-71DB5002F24B}" type="datetimeFigureOut">
               <a:rPr lang="en-US" smtClean="0"/>
-              <a:t>3/19/19</a:t>
+              <a:t>3/25/19</a:t>
             </a:fld>
             <a:endParaRPr lang="en-US"/>
           </a:p>
@@ -2801,7 +2801,7 @@
           <a:p>
             <a:fld id="{42B8B0BE-C8D7-EB48-AD68-71DB5002F24B}" type="datetimeFigureOut">
               <a:rPr lang="en-US" smtClean="0"/>
-              <a:t>3/19/19</a:t>
+              <a:t>3/25/19</a:t>
             </a:fld>
             <a:endParaRPr lang="en-US"/>
           </a:p>
@@ -2919,7 +2919,7 @@
           <a:p>
             <a:fld id="{42B8B0BE-C8D7-EB48-AD68-71DB5002F24B}" type="datetimeFigureOut">
               <a:rPr lang="en-US" smtClean="0"/>
-              <a:t>3/19/19</a:t>
+              <a:t>3/25/19</a:t>
             </a:fld>
             <a:endParaRPr lang="en-US"/>
           </a:p>
@@ -3014,7 +3014,7 @@
           <a:p>
             <a:fld id="{42B8B0BE-C8D7-EB48-AD68-71DB5002F24B}" type="datetimeFigureOut">
               <a:rPr lang="en-US" smtClean="0"/>
-              <a:t>3/19/19</a:t>
+              <a:t>3/25/19</a:t>
             </a:fld>
             <a:endParaRPr lang="en-US"/>
           </a:p>
@@ -3291,7 +3291,7 @@
           <a:p>
             <a:fld id="{42B8B0BE-C8D7-EB48-AD68-71DB5002F24B}" type="datetimeFigureOut">
               <a:rPr lang="en-US" smtClean="0"/>
-              <a:t>3/19/19</a:t>
+              <a:t>3/25/19</a:t>
             </a:fld>
             <a:endParaRPr lang="en-US"/>
           </a:p>
@@ -3544,7 +3544,7 @@
           <a:p>
             <a:fld id="{42B8B0BE-C8D7-EB48-AD68-71DB5002F24B}" type="datetimeFigureOut">
               <a:rPr lang="en-US" smtClean="0"/>
-              <a:t>3/19/19</a:t>
+              <a:t>3/25/19</a:t>
             </a:fld>
             <a:endParaRPr lang="en-US"/>
           </a:p>
@@ -3757,7 +3757,7 @@
           <a:p>
             <a:fld id="{42B8B0BE-C8D7-EB48-AD68-71DB5002F24B}" type="datetimeFigureOut">
               <a:rPr lang="en-US" smtClean="0"/>
-              <a:t>3/19/19</a:t>
+              <a:t>3/25/19</a:t>
             </a:fld>
             <a:endParaRPr lang="en-US"/>
           </a:p>
@@ -4516,6 +4516,13 @@
   <p:clrMapOvr>
     <a:masterClrMapping/>
   </p:clrMapOvr>
+  <p:timing>
+    <p:tnLst>
+      <p:par>
+        <p:cTn xmlns:p14="http://schemas.microsoft.com/office/powerpoint/2010/main" id="1" dur="indefinite" restart="never" nodeType="tmRoot"/>
+      </p:par>
+    </p:tnLst>
+  </p:timing>
 </p:sld>
 </file>
 
@@ -4604,14 +4611,7 @@
                 <a:latin typeface="Courier"/>
                 <a:cs typeface="Courier"/>
               </a:rPr>
-              <a:t>from </a:t>
-            </a:r>
-            <a:r>
-              <a:rPr lang="en-US" sz="1600" dirty="0" smtClean="0">
-                <a:latin typeface="Courier"/>
-                <a:cs typeface="Courier"/>
-              </a:rPr>
-              <a:t>GATK to call </a:t>
+              <a:t>from GATK to call </a:t>
             </a:r>
             <a:r>
               <a:rPr lang="en-US" sz="1600" dirty="0" err="1" smtClean="0">
@@ -4775,82 +4775,61 @@
                 <a:latin typeface="Courier"/>
                 <a:cs typeface="Courier"/>
               </a:rPr>
-              <a:t> -</a:t>
+              <a:t> -R </a:t>
+            </a:r>
+            <a:r>
+              <a:rPr lang="en-US" sz="1600" dirty="0">
+                <a:latin typeface="Courier"/>
+                <a:cs typeface="Courier"/>
+              </a:rPr>
+              <a:t>../</a:t>
             </a:r>
             <a:r>
               <a:rPr lang="en-US" sz="1600" dirty="0" smtClean="0">
                 <a:latin typeface="Courier"/>
                 <a:cs typeface="Courier"/>
               </a:rPr>
-              <a:t>R </a:t>
+              <a:t>references/</a:t>
             </a:r>
             <a:r>
               <a:rPr lang="en-US" sz="1600" dirty="0">
                 <a:latin typeface="Courier"/>
                 <a:cs typeface="Courier"/>
               </a:rPr>
-              <a:t>../</a:t>
+              <a:t>Ecoli_k12_MG1655.</a:t>
             </a:r>
             <a:r>
               <a:rPr lang="en-US" sz="1600" dirty="0" smtClean="0">
                 <a:latin typeface="Courier"/>
                 <a:cs typeface="Courier"/>
               </a:rPr>
-              <a:t>references/</a:t>
+              <a:t>fasta </a:t>
             </a:r>
             <a:r>
               <a:rPr lang="en-US" sz="1600" dirty="0">
                 <a:latin typeface="Courier"/>
                 <a:cs typeface="Courier"/>
               </a:rPr>
-              <a:t>Ecoli_k12_MG1655.</a:t>
+              <a:t>\</a:t>
+            </a:r>
+          </a:p>
+          <a:p>
+            <a:pPr marL="0" indent="0">
+              <a:buNone/>
+            </a:pPr>
+            <a:r>
+              <a:rPr lang="en-US" sz="1600" dirty="0">
+                <a:latin typeface="Courier"/>
+                <a:cs typeface="Courier"/>
+              </a:rPr>
+              <a:t> </a:t>
             </a:r>
             <a:r>
               <a:rPr lang="en-US" sz="1600" dirty="0" smtClean="0">
                 <a:latin typeface="Courier"/>
                 <a:cs typeface="Courier"/>
               </a:rPr>
-              <a:t>fasta </a:t>
-            </a:r>
-            <a:r>
-              <a:rPr lang="en-US" sz="1600" dirty="0">
-                <a:latin typeface="Courier"/>
-                <a:cs typeface="Courier"/>
-              </a:rPr>
-              <a:t>\</a:t>
-            </a:r>
-          </a:p>
-          <a:p>
-            <a:pPr marL="0" indent="0">
-              <a:buNone/>
-            </a:pPr>
-            <a:r>
-              <a:rPr lang="en-US" sz="1600" dirty="0">
-                <a:latin typeface="Courier"/>
-                <a:cs typeface="Courier"/>
-              </a:rPr>
-              <a:t> </a:t>
-            </a:r>
-            <a:r>
-              <a:rPr lang="en-US" sz="1600" dirty="0" smtClean="0">
-                <a:latin typeface="Courier"/>
-                <a:cs typeface="Courier"/>
-              </a:rPr>
-              <a:t> </a:t>
-            </a:r>
-            <a:r>
-              <a:rPr lang="en-US" sz="1600" dirty="0" smtClean="0">
-                <a:latin typeface="Courier"/>
-                <a:cs typeface="Courier"/>
-              </a:rPr>
-              <a:t>-I </a:t>
-            </a:r>
-            <a:r>
-              <a:rPr lang="en-US" sz="1600" dirty="0" smtClean="0">
-                <a:latin typeface="Courier"/>
-                <a:cs typeface="Courier"/>
-              </a:rPr>
-              <a:t>../data/DH10B.parse.bam \</a:t>
+              <a:t> -I ../data/DH10B.parse.bam \</a:t>
             </a:r>
             <a:endParaRPr lang="en-US" sz="1600" dirty="0">
               <a:latin typeface="Courier"/>
@@ -4873,28 +4852,7 @@
                 <a:latin typeface="Courier"/>
                 <a:cs typeface="Courier"/>
               </a:rPr>
-              <a:t> </a:t>
-            </a:r>
-            <a:r>
-              <a:rPr lang="en-US" sz="1600" dirty="0" smtClean="0">
-                <a:latin typeface="Courier"/>
-                <a:cs typeface="Courier"/>
-              </a:rPr>
-              <a:t>-</a:t>
-            </a:r>
-            <a:r>
-              <a:rPr lang="en-US" sz="1600" dirty="0" smtClean="0">
-                <a:latin typeface="Courier"/>
-                <a:cs typeface="Courier"/>
-              </a:rPr>
-              <a:t>I ../data/MG1655.parse.bam </a:t>
-            </a:r>
-            <a:r>
-              <a:rPr lang="en-US" sz="1600" dirty="0" smtClean="0">
-                <a:latin typeface="Courier"/>
-                <a:cs typeface="Courier"/>
-              </a:rPr>
-              <a:t>\</a:t>
+              <a:t> -I ../data/MG1655.parse.bam \</a:t>
             </a:r>
           </a:p>
           <a:p>
@@ -4978,14 +4936,7 @@
                 <a:latin typeface="Courier"/>
                 <a:cs typeface="Courier"/>
               </a:rPr>
-              <a:t> &amp;</a:t>
-            </a:r>
-            <a:r>
-              <a:rPr lang="en-US" sz="1600" dirty="0" smtClean="0">
-                <a:latin typeface="Courier"/>
-                <a:cs typeface="Courier"/>
-              </a:rPr>
-              <a:t>&gt;</a:t>
+              <a:t> &amp;&gt;</a:t>
             </a:r>
             <a:r>
               <a:rPr lang="en-US" sz="1600" dirty="0" err="1" smtClean="0">
@@ -5029,15 +4980,7 @@
                   <a:srgbClr val="FF0000"/>
                 </a:solidFill>
               </a:rPr>
-              <a:t>In the directory of "GATK</a:t>
-            </a:r>
-            <a:r>
-              <a:rPr lang="en-US" sz="2800" dirty="0" smtClean="0">
-                <a:solidFill>
-                  <a:srgbClr val="FF0000"/>
-                </a:solidFill>
-              </a:rPr>
-              <a:t>"</a:t>
+              <a:t>In the directory of "GATK"</a:t>
             </a:r>
           </a:p>
         </p:txBody>
@@ -5586,7 +5529,6 @@
               <a:rPr lang="en-US" sz="1200" dirty="0"/>
               <a:t>="Symmetric Odds Ratio of 2x2 contingency table to detect strand bias"&gt; </a:t>
             </a:r>
-            <a:endParaRPr lang="en-US" sz="1200" dirty="0"/>
           </a:p>
         </p:txBody>
       </p:sp>
@@ -5600,6 +5542,13 @@
   <p:clrMapOvr>
     <a:masterClrMapping/>
   </p:clrMapOvr>
+  <p:timing>
+    <p:tnLst>
+      <p:par>
+        <p:cTn xmlns:p14="http://schemas.microsoft.com/office/powerpoint/2010/main" id="1" dur="indefinite" restart="never" nodeType="tmRoot"/>
+      </p:par>
+    </p:tnLst>
+  </p:timing>
 </p:sld>
 </file>
 
@@ -5761,42 +5710,28 @@
                 <a:latin typeface="Courier"/>
                 <a:cs typeface="Courier"/>
               </a:rPr>
-              <a:t>  </a:t>
+              <a:t>  -</a:t>
+            </a:r>
+            <a:r>
+              <a:rPr lang="en-US" sz="2000" dirty="0">
+                <a:latin typeface="Courier"/>
+                <a:cs typeface="Courier"/>
+              </a:rPr>
+              <a:t>V </a:t>
+            </a:r>
+            <a:r>
+              <a:rPr lang="en-US" sz="2000" dirty="0" err="1" smtClean="0">
+                <a:latin typeface="Courier"/>
+                <a:cs typeface="Courier"/>
+              </a:rPr>
+              <a:t>variants.raw.vcf</a:t>
             </a:r>
             <a:r>
               <a:rPr lang="en-US" sz="2000" dirty="0" smtClean="0">
                 <a:latin typeface="Courier"/>
                 <a:cs typeface="Courier"/>
               </a:rPr>
-              <a:t>-</a:t>
-            </a:r>
-            <a:r>
-              <a:rPr lang="en-US" sz="2000" dirty="0">
-                <a:latin typeface="Courier"/>
-                <a:cs typeface="Courier"/>
-              </a:rPr>
-              <a:t>V </a:t>
-            </a:r>
-            <a:r>
-              <a:rPr lang="en-US" sz="2000" dirty="0" err="1" smtClean="0">
-                <a:latin typeface="Courier"/>
-                <a:cs typeface="Courier"/>
-              </a:rPr>
-              <a:t>variants.raw.vcf</a:t>
-            </a:r>
-            <a:r>
-              <a:rPr lang="en-US" sz="2000" dirty="0" smtClean="0">
-                <a:latin typeface="Courier"/>
-                <a:cs typeface="Courier"/>
-              </a:rPr>
-              <a:t> </a:t>
-            </a:r>
-            <a:r>
-              <a:rPr lang="en-US" sz="2000" dirty="0" smtClean="0">
-                <a:latin typeface="Courier"/>
-                <a:cs typeface="Courier"/>
-              </a:rPr>
-              <a:t>\</a:t>
+              <a:t> \</a:t>
             </a:r>
             <a:endParaRPr lang="en-US" sz="2000" dirty="0">
               <a:latin typeface="Courier"/>
@@ -5812,14 +5747,7 @@
                 <a:latin typeface="Courier"/>
                 <a:cs typeface="Courier"/>
               </a:rPr>
-              <a:t>  </a:t>
-            </a:r>
-            <a:r>
-              <a:rPr lang="en-US" sz="2000" dirty="0" smtClean="0">
-                <a:latin typeface="Courier"/>
-                <a:cs typeface="Courier"/>
-              </a:rPr>
-              <a:t>-</a:t>
+              <a:t>  -</a:t>
             </a:r>
             <a:r>
               <a:rPr lang="en-US" sz="2000" dirty="0">
@@ -5836,7 +5764,40 @@
                 <a:latin typeface="Courier"/>
                 <a:cs typeface="Courier"/>
               </a:rPr>
-              <a:t>10</a:t>
+              <a:t>10.0</a:t>
+            </a:r>
+            <a:r>
+              <a:rPr lang="en-US" sz="2000" dirty="0" smtClean="0">
+                <a:latin typeface="Courier"/>
+                <a:cs typeface="Courier"/>
+              </a:rPr>
+              <a:t>' </a:t>
+            </a:r>
+            <a:r>
+              <a:rPr lang="en-US" sz="2000" dirty="0">
+                <a:latin typeface="Courier"/>
+                <a:cs typeface="Courier"/>
+              </a:rPr>
+              <a:t>\</a:t>
+            </a:r>
+          </a:p>
+          <a:p>
+            <a:pPr marL="0" indent="0">
+              <a:buNone/>
+            </a:pPr>
+            <a:r>
+              <a:rPr lang="en-US" sz="2000" dirty="0" smtClean="0">
+                <a:latin typeface="Courier"/>
+                <a:cs typeface="Courier"/>
+              </a:rPr>
+              <a:t>  -</a:t>
+            </a:r>
+            <a:r>
+              <a:rPr lang="en-US" sz="2000" dirty="0">
+                <a:latin typeface="Courier"/>
+                <a:cs typeface="Courier"/>
+              </a:rPr>
+              <a:t>select 'DP &gt;= </a:t>
             </a:r>
             <a:r>
               <a:rPr lang="en-US" sz="2000" dirty="0" smtClean="0">
@@ -5846,7 +5807,7 @@
                 <a:latin typeface="Courier"/>
                 <a:cs typeface="Courier"/>
               </a:rPr>
-              <a:t>.0</a:t>
+              <a:t>10.0</a:t>
             </a:r>
             <a:r>
               <a:rPr lang="en-US" sz="2000" dirty="0" smtClean="0">
@@ -5872,137 +5833,59 @@
                 <a:latin typeface="Courier"/>
                 <a:cs typeface="Courier"/>
               </a:rPr>
-              <a:t>  </a:t>
+              <a:t>  -</a:t>
+            </a:r>
+            <a:r>
+              <a:rPr lang="en-US" sz="2000" dirty="0">
+                <a:latin typeface="Courier"/>
+                <a:cs typeface="Courier"/>
+              </a:rPr>
+              <a:t>-</a:t>
             </a:r>
             <a:r>
               <a:rPr lang="en-US" sz="2000" dirty="0" smtClean="0">
                 <a:latin typeface="Courier"/>
                 <a:cs typeface="Courier"/>
               </a:rPr>
-              <a:t>-</a:t>
+              <a:t>restrict-alleles-to </a:t>
             </a:r>
             <a:r>
               <a:rPr lang="en-US" sz="2000" dirty="0">
                 <a:latin typeface="Courier"/>
                 <a:cs typeface="Courier"/>
               </a:rPr>
-              <a:t>select 'DP &gt;= </a:t>
-            </a:r>
+              <a:t>BIALLELIC \</a:t>
+            </a:r>
+          </a:p>
+          <a:p>
+            <a:pPr marL="0" indent="0">
+              <a:buNone/>
+            </a:pPr>
             <a:r>
               <a:rPr lang="en-US" sz="2000" dirty="0" smtClean="0">
-                <a:solidFill>
-                  <a:srgbClr val="FF0000"/>
-                </a:solidFill>
-                <a:latin typeface="Courier"/>
-                <a:cs typeface="Courier"/>
-              </a:rPr>
-              <a:t>10.0</a:t>
-            </a:r>
+                <a:latin typeface="Courier"/>
+                <a:cs typeface="Courier"/>
+              </a:rPr>
+              <a:t>  -select-type SNP </a:t>
+            </a:r>
+            <a:r>
+              <a:rPr lang="en-US" sz="2000" dirty="0">
+                <a:latin typeface="Courier"/>
+                <a:cs typeface="Courier"/>
+              </a:rPr>
+              <a:t>\</a:t>
+            </a:r>
+          </a:p>
+          <a:p>
+            <a:pPr marL="0" indent="0">
+              <a:buNone/>
+            </a:pPr>
             <a:r>
               <a:rPr lang="en-US" sz="2000" dirty="0" smtClean="0">
                 <a:latin typeface="Courier"/>
                 <a:cs typeface="Courier"/>
               </a:rPr>
-              <a:t>' </a:t>
-            </a:r>
-            <a:r>
-              <a:rPr lang="en-US" sz="2000" dirty="0">
-                <a:latin typeface="Courier"/>
-                <a:cs typeface="Courier"/>
-              </a:rPr>
-              <a:t>\</a:t>
-            </a:r>
-          </a:p>
-          <a:p>
-            <a:pPr marL="0" indent="0">
-              <a:buNone/>
-            </a:pPr>
-            <a:r>
-              <a:rPr lang="en-US" sz="2000" dirty="0" smtClean="0">
-                <a:latin typeface="Courier"/>
-                <a:cs typeface="Courier"/>
-              </a:rPr>
-              <a:t>  </a:t>
-            </a:r>
-            <a:r>
-              <a:rPr lang="en-US" sz="2000" dirty="0" smtClean="0">
-                <a:latin typeface="Courier"/>
-                <a:cs typeface="Courier"/>
-              </a:rPr>
-              <a:t>-</a:t>
-            </a:r>
-            <a:r>
-              <a:rPr lang="en-US" sz="2000" dirty="0">
-                <a:latin typeface="Courier"/>
-                <a:cs typeface="Courier"/>
-              </a:rPr>
-              <a:t>-</a:t>
-            </a:r>
-            <a:r>
-              <a:rPr lang="en-US" sz="2000" dirty="0" smtClean="0">
-                <a:latin typeface="Courier"/>
-                <a:cs typeface="Courier"/>
-              </a:rPr>
-              <a:t>restrict-alleles-to </a:t>
-            </a:r>
-            <a:r>
-              <a:rPr lang="en-US" sz="2000" dirty="0">
-                <a:latin typeface="Courier"/>
-                <a:cs typeface="Courier"/>
-              </a:rPr>
-              <a:t>BIALLELIC \</a:t>
-            </a:r>
-          </a:p>
-          <a:p>
-            <a:pPr marL="0" indent="0">
-              <a:buNone/>
-            </a:pPr>
-            <a:r>
-              <a:rPr lang="en-US" sz="2000" dirty="0" smtClean="0">
-                <a:latin typeface="Courier"/>
-                <a:cs typeface="Courier"/>
-              </a:rPr>
-              <a:t>  </a:t>
-            </a:r>
-            <a:r>
-              <a:rPr lang="en-US" sz="2000" dirty="0" smtClean="0">
-                <a:latin typeface="Courier"/>
-                <a:cs typeface="Courier"/>
-              </a:rPr>
-              <a:t>-select-type </a:t>
-            </a:r>
-            <a:r>
-              <a:rPr lang="en-US" sz="2000" dirty="0" smtClean="0">
-                <a:latin typeface="Courier"/>
-                <a:cs typeface="Courier"/>
-              </a:rPr>
-              <a:t>SNP </a:t>
-            </a:r>
-            <a:r>
-              <a:rPr lang="en-US" sz="2000" dirty="0">
-                <a:latin typeface="Courier"/>
-                <a:cs typeface="Courier"/>
-              </a:rPr>
-              <a:t>\</a:t>
-            </a:r>
-          </a:p>
-          <a:p>
-            <a:pPr marL="0" indent="0">
-              <a:buNone/>
-            </a:pPr>
-            <a:r>
-              <a:rPr lang="en-US" sz="2000" dirty="0" smtClean="0">
-                <a:latin typeface="Courier"/>
-                <a:cs typeface="Courier"/>
-              </a:rPr>
-              <a:t>  </a:t>
-            </a:r>
-            <a:r>
-              <a:rPr lang="en-US" sz="2000" dirty="0" smtClean="0">
-                <a:latin typeface="Courier"/>
-                <a:cs typeface="Courier"/>
-              </a:rPr>
-              <a:t>-O </a:t>
+              <a:t>  -O </a:t>
             </a:r>
             <a:r>
               <a:rPr lang="en-US" sz="2000" dirty="0" err="1" smtClean="0">
@@ -6072,7 +5955,6 @@
               <a:rPr lang="en-US" dirty="0"/>
               <a:t>AC=1;AF=0.500;AN=2;BaseQRankSum=1.125;DP=39;FS=16.048;MLEAC=1;MLEAF=0.500;MQ=60.00;MQRankSum=0.000;QD=29.53;ReadPosRankSum=-0.506;SOR=1.023</a:t>
             </a:r>
-            <a:endParaRPr lang="en-US" dirty="0"/>
           </a:p>
         </p:txBody>
       </p:sp>
@@ -6227,52 +6109,41 @@
                 <a:latin typeface="Courier"/>
                 <a:cs typeface="Courier"/>
               </a:rPr>
-              <a:t> </a:t>
+              <a:t> \</a:t>
+            </a:r>
+          </a:p>
+          <a:p>
+            <a:pPr marL="0" indent="0">
+              <a:buNone/>
+            </a:pPr>
+            <a:r>
+              <a:rPr lang="en-US" dirty="0" smtClean="0">
+                <a:latin typeface="Courier"/>
+                <a:cs typeface="Courier"/>
+              </a:rPr>
+              <a:t>  </a:t>
             </a:r>
             <a:r>
               <a:rPr lang="en-US" dirty="0">
                 <a:latin typeface="Courier"/>
                 <a:cs typeface="Courier"/>
               </a:rPr>
-              <a:t>\</a:t>
-            </a:r>
-          </a:p>
-          <a:p>
-            <a:pPr marL="0" indent="0">
-              <a:buNone/>
-            </a:pPr>
+              <a:t>-V </a:t>
+            </a:r>
+            <a:r>
+              <a:rPr lang="en-US" dirty="0" err="1" smtClean="0">
+                <a:latin typeface="Courier"/>
+                <a:cs typeface="Courier"/>
+              </a:rPr>
+              <a:t>selected.snp.vcf</a:t>
+            </a:r>
             <a:r>
               <a:rPr lang="en-US" dirty="0" smtClean="0">
                 <a:latin typeface="Courier"/>
                 <a:cs typeface="Courier"/>
               </a:rPr>
-              <a:t>  </a:t>
-            </a:r>
-            <a:r>
-              <a:rPr lang="en-US" dirty="0">
-                <a:latin typeface="Courier"/>
-                <a:cs typeface="Courier"/>
-              </a:rPr>
-              <a:t>-V </a:t>
-            </a:r>
-            <a:r>
-              <a:rPr lang="en-US" dirty="0" err="1" smtClean="0">
-                <a:latin typeface="Courier"/>
-                <a:cs typeface="Courier"/>
-              </a:rPr>
-              <a:t>selected.snp.vcf</a:t>
-            </a:r>
-            <a:r>
-              <a:rPr lang="en-US" dirty="0" smtClean="0">
-                <a:latin typeface="Courier"/>
-                <a:cs typeface="Courier"/>
-              </a:rPr>
               <a:t> \</a:t>
             </a:r>
-            <a:endParaRPr lang="en-US" dirty="0" smtClean="0">
-              <a:latin typeface="Courier"/>
-              <a:cs typeface="Courier"/>
-            </a:endParaRPr>
           </a:p>
           <a:p>
             <a:pPr marL="0" indent="0">
@@ -6485,11 +6356,7 @@
           <a:p>
             <a:r>
               <a:rPr lang="en-US" dirty="0" smtClean="0"/>
-              <a:t># Fields: </a:t>
-            </a:r>
-            <a:r>
-              <a:rPr lang="en-US" dirty="0" smtClean="0"/>
-              <a:t>CHROM</a:t>
+              <a:t># Fields: CHROM</a:t>
             </a:r>
             <a:r>
               <a:rPr lang="en-US" dirty="0"/>
@@ -6526,14 +6393,7 @@
                 <a:latin typeface="Courier"/>
                 <a:cs typeface="Courier"/>
               </a:rPr>
-              <a:t>)</a:t>
-            </a:r>
-            <a:r>
-              <a:rPr lang="en-US" dirty="0" smtClean="0">
-                <a:latin typeface="Courier"/>
-                <a:cs typeface="Courier"/>
-              </a:rPr>
-              <a:t> </a:t>
+              <a:t>) </a:t>
             </a:r>
             <a:endParaRPr lang="en-US" dirty="0"/>
           </a:p>
@@ -7258,6 +7118,13 @@
   <p:clrMapOvr>
     <a:masterClrMapping/>
   </p:clrMapOvr>
+  <p:timing>
+    <p:tnLst>
+      <p:par>
+        <p:cTn xmlns:p14="http://schemas.microsoft.com/office/powerpoint/2010/main" id="1" dur="indefinite" restart="never" nodeType="tmRoot"/>
+      </p:par>
+    </p:tnLst>
+  </p:timing>
 </p:sld>
 </file>
 
@@ -7473,6 +7340,13 @@
   <p:clrMapOvr>
     <a:masterClrMapping/>
   </p:clrMapOvr>
+  <p:timing>
+    <p:tnLst>
+      <p:par>
+        <p:cTn xmlns:p14="http://schemas.microsoft.com/office/powerpoint/2010/main" id="1" dur="indefinite" restart="never" nodeType="tmRoot"/>
+      </p:par>
+    </p:tnLst>
+  </p:timing>
 </p:sld>
 </file>
 
@@ -7675,7 +7549,6 @@
               <a:rPr lang="en-US" sz="2800" dirty="0" smtClean="0"/>
               <a:t>GATK: variant discovery</a:t>
             </a:r>
-            <a:endParaRPr lang="en-US" sz="2800" dirty="0" smtClean="0"/>
           </a:p>
           <a:p>
             <a:r>
@@ -7684,13 +7557,8 @@
             </a:r>
             <a:r>
               <a:rPr lang="en-US" sz="2800" dirty="0" smtClean="0"/>
-              <a:t> to visualize </a:t>
-            </a:r>
-            <a:r>
-              <a:rPr lang="en-US" sz="2800" dirty="0" smtClean="0"/>
-              <a:t>variants</a:t>
-            </a:r>
-            <a:endParaRPr lang="en-US" sz="2800" dirty="0" smtClean="0"/>
+              <a:t> to visualize variants</a:t>
+            </a:r>
           </a:p>
           <a:p>
             <a:r>
@@ -7945,19 +7813,8 @@
                 <a:latin typeface="Courier"/>
                 <a:cs typeface="Courier"/>
               </a:rPr>
-              <a:t> </a:t>
-            </a:r>
-            <a:r>
-              <a:rPr lang="en-US" dirty="0" smtClean="0">
-                <a:latin typeface="Courier"/>
-                <a:cs typeface="Courier"/>
-              </a:rPr>
-              <a:t>data</a:t>
-            </a:r>
-            <a:endParaRPr lang="en-US" dirty="0" smtClean="0">
-              <a:latin typeface="Courier"/>
-              <a:cs typeface="Courier"/>
-            </a:endParaRPr>
+              <a:t> data</a:t>
+            </a:r>
           </a:p>
           <a:p>
             <a:pPr marL="0" indent="0">
@@ -8264,42 +8121,21 @@
                 <a:latin typeface="Courier"/>
                 <a:cs typeface="Courier"/>
               </a:rPr>
-              <a:t> </a:t>
+              <a:t> -s </a:t>
+            </a:r>
+            <a:r>
+              <a:rPr lang="en-US" sz="1600" dirty="0">
+                <a:latin typeface="Courier"/>
+                <a:cs typeface="Courier"/>
+              </a:rPr>
+              <a:t>/homes/liu3zhen/teaching/datasets/variants/</a:t>
             </a:r>
             <a:r>
               <a:rPr lang="en-US" sz="1600" dirty="0" smtClean="0">
                 <a:latin typeface="Courier"/>
                 <a:cs typeface="Courier"/>
               </a:rPr>
-              <a:t>–s </a:t>
-            </a:r>
-            <a:r>
-              <a:rPr lang="en-US" sz="1600" dirty="0">
-                <a:latin typeface="Courier"/>
-                <a:cs typeface="Courier"/>
-              </a:rPr>
-              <a:t>/homes/liu3zhen/teaching/datasets/</a:t>
-            </a:r>
-            <a:r>
-              <a:rPr lang="en-US" sz="1600" dirty="0">
-                <a:latin typeface="Courier"/>
-                <a:cs typeface="Courier"/>
-              </a:rPr>
-              <a:t>variants/</a:t>
-            </a:r>
-            <a:r>
-              <a:rPr lang="en-US" sz="1600" dirty="0" smtClean="0">
-                <a:latin typeface="Courier"/>
-                <a:cs typeface="Courier"/>
-              </a:rPr>
-              <a:t>references/</a:t>
-            </a:r>
-            <a:r>
-              <a:rPr lang="en-US" sz="1600" dirty="0" smtClean="0">
-                <a:latin typeface="Courier"/>
-                <a:cs typeface="Courier"/>
-              </a:rPr>
-              <a:t>* </a:t>
+              <a:t>references/* </a:t>
             </a:r>
             <a:r>
               <a:rPr lang="en-US" sz="1600" b="1" dirty="0" smtClean="0">
@@ -8424,14 +8260,7 @@
                 <a:latin typeface="Courier"/>
                 <a:cs typeface="Courier"/>
               </a:rPr>
-              <a:t>data/</a:t>
-            </a:r>
-            <a:r>
-              <a:rPr lang="en-US" sz="1800" dirty="0" smtClean="0">
-                <a:latin typeface="Courier"/>
-                <a:cs typeface="Courier"/>
-              </a:rPr>
-              <a:t>* </a:t>
+              <a:t>data/* </a:t>
             </a:r>
             <a:r>
               <a:rPr lang="en-US" sz="1800" b="1" dirty="0" smtClean="0">
@@ -9253,7 +9082,7 @@
         <p:spPr>
           <a:xfrm>
             <a:off x="1122213" y="1313016"/>
-            <a:ext cx="6495112" cy="707886"/>
+            <a:ext cx="6495112" cy="1015663"/>
           </a:xfrm>
           <a:prstGeom prst="rect">
             <a:avLst/>
@@ -9265,6 +9094,40 @@
             <a:spAutoFit/>
           </a:bodyPr>
           <a:lstStyle/>
+          <a:p>
+            <a:r>
+              <a:rPr lang="en-US" sz="2000" dirty="0">
+                <a:latin typeface="Courier"/>
+                <a:cs typeface="Courier"/>
+              </a:rPr>
+              <a:t>module load </a:t>
+            </a:r>
+            <a:r>
+              <a:rPr lang="en-US" sz="2000" dirty="0" err="1">
+                <a:latin typeface="Courier"/>
+                <a:cs typeface="Courier"/>
+              </a:rPr>
+              <a:t>SAMtools</a:t>
+            </a:r>
+            <a:r>
+              <a:rPr lang="en-US" sz="2000" dirty="0">
+                <a:latin typeface="Courier"/>
+                <a:cs typeface="Courier"/>
+              </a:rPr>
+              <a:t>/1.8-foss-</a:t>
+            </a:r>
+            <a:r>
+              <a:rPr lang="en-US" sz="2000" dirty="0" smtClean="0">
+                <a:latin typeface="Courier"/>
+                <a:cs typeface="Courier"/>
+              </a:rPr>
+              <a:t>2017beocatb</a:t>
+            </a:r>
+            <a:endParaRPr lang="en-US" sz="2000" dirty="0" smtClean="0">
+              <a:latin typeface="Courier New"/>
+              <a:cs typeface="Courier New"/>
+            </a:endParaRPr>
+          </a:p>
           <a:p>
             <a:r>
               <a:rPr lang="en-US" sz="2000" dirty="0" err="1" smtClean="0">
@@ -9777,13 +9640,13 @@
         </p:nvSpPr>
         <p:spPr>
           <a:xfrm>
-            <a:off x="899889" y="2170185"/>
-            <a:ext cx="7258014" cy="3022395"/>
+            <a:off x="721032" y="1794247"/>
+            <a:ext cx="7774615" cy="3669920"/>
           </a:xfrm>
         </p:spPr>
         <p:txBody>
           <a:bodyPr>
-            <a:normAutofit/>
+            <a:noAutofit/>
           </a:bodyPr>
           <a:lstStyle/>
           <a:p>
@@ -9791,7 +9654,7 @@
               <a:buNone/>
             </a:pPr>
             <a:r>
-              <a:rPr lang="en-US" sz="1800" dirty="0" smtClean="0">
+              <a:rPr lang="en-US" sz="2000" dirty="0" smtClean="0">
                 <a:latin typeface="Courier"/>
                 <a:cs typeface="Courier"/>
               </a:rPr>
@@ -9803,124 +9666,20 @@
               <a:buNone/>
             </a:pPr>
             <a:r>
-              <a:rPr lang="en-US" sz="1800" dirty="0" smtClean="0">
-                <a:latin typeface="Courier"/>
-                <a:cs typeface="Courier"/>
-              </a:rPr>
-              <a:t>java </a:t>
-            </a:r>
-            <a:r>
-              <a:rPr lang="en-US" sz="1800" dirty="0">
-                <a:latin typeface="Courier"/>
-                <a:cs typeface="Courier"/>
-              </a:rPr>
-              <a:t>-jar /homes/liu3zhen/local/jars/</a:t>
-            </a:r>
-            <a:r>
-              <a:rPr lang="en-US" sz="1800" dirty="0" err="1" smtClean="0">
-                <a:latin typeface="Courier"/>
-                <a:cs typeface="Courier"/>
-              </a:rPr>
-              <a:t>picard.jar</a:t>
-            </a:r>
-            <a:r>
-              <a:rPr lang="en-US" sz="1800" dirty="0" smtClean="0">
-                <a:latin typeface="Courier"/>
-                <a:cs typeface="Courier"/>
-              </a:rPr>
-              <a:t> \</a:t>
-            </a:r>
-          </a:p>
-          <a:p>
-            <a:pPr marL="0" indent="0">
-              <a:buNone/>
-            </a:pPr>
-            <a:r>
-              <a:rPr lang="en-US" sz="1800" dirty="0" smtClean="0">
-                <a:latin typeface="Courier"/>
-                <a:cs typeface="Courier"/>
-              </a:rPr>
-              <a:t>  </a:t>
-            </a:r>
-            <a:r>
-              <a:rPr lang="en-US" sz="1800" dirty="0" err="1" smtClean="0">
-                <a:latin typeface="Courier"/>
-                <a:cs typeface="Courier"/>
-              </a:rPr>
-              <a:t>CreateSequenceDictionary</a:t>
-            </a:r>
-            <a:r>
-              <a:rPr lang="en-US" sz="1800" dirty="0" smtClean="0">
-                <a:latin typeface="Courier"/>
-                <a:cs typeface="Courier"/>
-              </a:rPr>
-              <a:t> \</a:t>
-            </a:r>
-          </a:p>
-          <a:p>
-            <a:pPr marL="0" indent="0">
-              <a:buNone/>
-            </a:pPr>
-            <a:r>
-              <a:rPr lang="en-US" sz="1800" dirty="0" smtClean="0">
-                <a:latin typeface="Courier"/>
-                <a:cs typeface="Courier"/>
-              </a:rPr>
-              <a:t>  R=Ecoli_k12_MG1655</a:t>
-            </a:r>
-            <a:r>
-              <a:rPr lang="en-US" sz="1800" dirty="0">
-                <a:latin typeface="Courier"/>
-                <a:cs typeface="Courier"/>
-              </a:rPr>
-              <a:t>.</a:t>
-            </a:r>
-            <a:r>
-              <a:rPr lang="en-US" sz="1800" dirty="0" smtClean="0">
-                <a:latin typeface="Courier"/>
-                <a:cs typeface="Courier"/>
-              </a:rPr>
-              <a:t>fasta \</a:t>
-            </a:r>
-          </a:p>
-          <a:p>
-            <a:pPr marL="0" indent="0">
-              <a:buNone/>
-            </a:pPr>
-            <a:r>
-              <a:rPr lang="en-US" sz="1800" dirty="0">
-                <a:latin typeface="Courier"/>
-                <a:cs typeface="Courier"/>
-              </a:rPr>
-              <a:t> </a:t>
-            </a:r>
-            <a:r>
-              <a:rPr lang="en-US" sz="1800" dirty="0" smtClean="0">
-                <a:latin typeface="Courier"/>
-                <a:cs typeface="Courier"/>
-              </a:rPr>
-              <a:t> O=Ecoli_k12_MG1655</a:t>
-            </a:r>
-            <a:r>
-              <a:rPr lang="en-US" sz="1800" dirty="0">
-                <a:latin typeface="Courier"/>
-                <a:cs typeface="Courier"/>
-              </a:rPr>
-              <a:t>.</a:t>
-            </a:r>
-            <a:r>
-              <a:rPr lang="en-US" sz="1800" dirty="0" smtClean="0">
-                <a:latin typeface="Courier"/>
-                <a:cs typeface="Courier"/>
-              </a:rPr>
-              <a:t>dict</a:t>
-            </a:r>
-          </a:p>
-          <a:p>
-            <a:pPr marL="0" indent="0">
-              <a:buNone/>
-            </a:pPr>
-            <a:endParaRPr lang="en-US" sz="1800" dirty="0" smtClean="0">
+              <a:rPr lang="ro-RO" sz="2000" dirty="0">
+                <a:latin typeface="Courier"/>
+                <a:cs typeface="Courier"/>
+              </a:rPr>
+              <a:t>module load Java/</a:t>
+            </a:r>
+            <a:r>
+              <a:rPr lang="ro-RO" sz="2000" dirty="0" smtClean="0">
+                <a:latin typeface="Courier"/>
+                <a:cs typeface="Courier"/>
+              </a:rPr>
+              <a:t>1.8.0_192 # load java module</a:t>
+            </a:r>
+            <a:endParaRPr lang="en-US" sz="2000" dirty="0" smtClean="0">
               <a:latin typeface="Courier"/>
               <a:cs typeface="Courier"/>
             </a:endParaRPr>
@@ -9930,13 +9689,124 @@
               <a:buNone/>
             </a:pPr>
             <a:r>
-              <a:rPr lang="en-US" sz="1800" dirty="0" smtClean="0">
-                <a:latin typeface="Courier"/>
-                <a:cs typeface="Courier"/>
-              </a:rPr>
-              <a:t>### index 2</a:t>
-            </a:r>
-            <a:endParaRPr lang="en-US" sz="1800" dirty="0">
+              <a:rPr lang="en-US" sz="2000" dirty="0" smtClean="0">
+                <a:latin typeface="Courier"/>
+                <a:cs typeface="Courier"/>
+              </a:rPr>
+              <a:t>java </a:t>
+            </a:r>
+            <a:r>
+              <a:rPr lang="en-US" sz="2000" dirty="0">
+                <a:latin typeface="Courier"/>
+                <a:cs typeface="Courier"/>
+              </a:rPr>
+              <a:t>-jar /homes/liu3zhen/local/jars/</a:t>
+            </a:r>
+            <a:r>
+              <a:rPr lang="en-US" sz="2000" dirty="0" err="1" smtClean="0">
+                <a:latin typeface="Courier"/>
+                <a:cs typeface="Courier"/>
+              </a:rPr>
+              <a:t>picard.jar</a:t>
+            </a:r>
+            <a:r>
+              <a:rPr lang="en-US" sz="2000" dirty="0" smtClean="0">
+                <a:latin typeface="Courier"/>
+                <a:cs typeface="Courier"/>
+              </a:rPr>
+              <a:t> \</a:t>
+            </a:r>
+          </a:p>
+          <a:p>
+            <a:pPr marL="0" indent="0">
+              <a:buNone/>
+            </a:pPr>
+            <a:r>
+              <a:rPr lang="en-US" sz="2000" dirty="0" smtClean="0">
+                <a:latin typeface="Courier"/>
+                <a:cs typeface="Courier"/>
+              </a:rPr>
+              <a:t>  </a:t>
+            </a:r>
+            <a:r>
+              <a:rPr lang="en-US" sz="2000" dirty="0" err="1" smtClean="0">
+                <a:latin typeface="Courier"/>
+                <a:cs typeface="Courier"/>
+              </a:rPr>
+              <a:t>CreateSequenceDictionary</a:t>
+            </a:r>
+            <a:r>
+              <a:rPr lang="en-US" sz="2000" dirty="0" smtClean="0">
+                <a:latin typeface="Courier"/>
+                <a:cs typeface="Courier"/>
+              </a:rPr>
+              <a:t> \</a:t>
+            </a:r>
+          </a:p>
+          <a:p>
+            <a:pPr marL="0" indent="0">
+              <a:buNone/>
+            </a:pPr>
+            <a:r>
+              <a:rPr lang="en-US" sz="2000" dirty="0" smtClean="0">
+                <a:latin typeface="Courier"/>
+                <a:cs typeface="Courier"/>
+              </a:rPr>
+              <a:t>  R=Ecoli_k12_MG1655</a:t>
+            </a:r>
+            <a:r>
+              <a:rPr lang="en-US" sz="2000" dirty="0">
+                <a:latin typeface="Courier"/>
+                <a:cs typeface="Courier"/>
+              </a:rPr>
+              <a:t>.</a:t>
+            </a:r>
+            <a:r>
+              <a:rPr lang="en-US" sz="2000" dirty="0" smtClean="0">
+                <a:latin typeface="Courier"/>
+                <a:cs typeface="Courier"/>
+              </a:rPr>
+              <a:t>fasta \</a:t>
+            </a:r>
+          </a:p>
+          <a:p>
+            <a:pPr marL="0" indent="0">
+              <a:buNone/>
+            </a:pPr>
+            <a:r>
+              <a:rPr lang="en-US" sz="2000" dirty="0">
+                <a:latin typeface="Courier"/>
+                <a:cs typeface="Courier"/>
+              </a:rPr>
+              <a:t> </a:t>
+            </a:r>
+            <a:r>
+              <a:rPr lang="en-US" sz="2000" dirty="0" smtClean="0">
+                <a:latin typeface="Courier"/>
+                <a:cs typeface="Courier"/>
+              </a:rPr>
+              <a:t> O=Ecoli_k12_MG1655</a:t>
+            </a:r>
+            <a:r>
+              <a:rPr lang="en-US" sz="2000" dirty="0">
+                <a:latin typeface="Courier"/>
+                <a:cs typeface="Courier"/>
+              </a:rPr>
+              <a:t>.</a:t>
+            </a:r>
+            <a:r>
+              <a:rPr lang="en-US" sz="2000" dirty="0" smtClean="0">
+                <a:latin typeface="Courier"/>
+                <a:cs typeface="Courier"/>
+              </a:rPr>
+              <a:t>dict</a:t>
+            </a:r>
+          </a:p>
+          <a:p>
+            <a:pPr marL="0" indent="0">
+              <a:buNone/>
+            </a:pPr>
+            <a:endParaRPr lang="en-US" sz="2000" dirty="0" smtClean="0">
               <a:latin typeface="Courier"/>
               <a:cs typeface="Courier"/>
             </a:endParaRPr>
@@ -9946,42 +9816,88 @@
               <a:buNone/>
             </a:pPr>
             <a:r>
-              <a:rPr lang="en-US" sz="1800" dirty="0" err="1">
+              <a:rPr lang="en-US" sz="2000" dirty="0" smtClean="0">
+                <a:latin typeface="Courier"/>
+                <a:cs typeface="Courier"/>
+              </a:rPr>
+              <a:t>### index 2</a:t>
+            </a:r>
+            <a:endParaRPr lang="en-US" sz="2000" dirty="0">
+              <a:latin typeface="Courier"/>
+              <a:cs typeface="Courier"/>
+            </a:endParaRPr>
+          </a:p>
+          <a:p>
+            <a:pPr marL="0" indent="0">
+              <a:buNone/>
+            </a:pPr>
+            <a:r>
+              <a:rPr lang="en-US" sz="2000" dirty="0">
+                <a:latin typeface="Courier"/>
+                <a:cs typeface="Courier"/>
+              </a:rPr>
+              <a:t>module load </a:t>
+            </a:r>
+            <a:r>
+              <a:rPr lang="en-US" sz="2000" dirty="0" err="1">
+                <a:latin typeface="Courier"/>
+                <a:cs typeface="Courier"/>
+              </a:rPr>
+              <a:t>SAMtools</a:t>
+            </a:r>
+            <a:r>
+              <a:rPr lang="en-US" sz="2000" dirty="0">
+                <a:latin typeface="Courier"/>
+                <a:cs typeface="Courier"/>
+              </a:rPr>
+              <a:t>/1.8-foss-2017beocatb</a:t>
+            </a:r>
+            <a:endParaRPr lang="en-US" sz="2000" dirty="0" smtClean="0">
+              <a:latin typeface="Courier"/>
+              <a:cs typeface="Courier"/>
+            </a:endParaRPr>
+          </a:p>
+          <a:p>
+            <a:pPr marL="0" indent="0">
+              <a:buNone/>
+            </a:pPr>
+            <a:r>
+              <a:rPr lang="en-US" sz="2000" dirty="0" err="1" smtClean="0">
                 <a:latin typeface="Courier"/>
                 <a:cs typeface="Courier"/>
               </a:rPr>
               <a:t>samtools</a:t>
             </a:r>
             <a:r>
-              <a:rPr lang="en-US" sz="1800" dirty="0">
+              <a:rPr lang="en-US" sz="2000" dirty="0" smtClean="0">
                 <a:latin typeface="Courier"/>
                 <a:cs typeface="Courier"/>
               </a:rPr>
               <a:t> </a:t>
             </a:r>
             <a:r>
-              <a:rPr lang="en-US" sz="1800" dirty="0" err="1">
+              <a:rPr lang="en-US" sz="2000" dirty="0" err="1">
                 <a:latin typeface="Courier"/>
                 <a:cs typeface="Courier"/>
               </a:rPr>
               <a:t>faidx</a:t>
             </a:r>
             <a:r>
-              <a:rPr lang="en-US" sz="1800" dirty="0">
+              <a:rPr lang="en-US" sz="2000" dirty="0">
                 <a:latin typeface="Courier"/>
                 <a:cs typeface="Courier"/>
               </a:rPr>
               <a:t> </a:t>
             </a:r>
             <a:r>
-              <a:rPr lang="en-US" sz="1800" dirty="0" smtClean="0">
+              <a:rPr lang="en-US" sz="2000" dirty="0" smtClean="0">
                 <a:latin typeface="Courier"/>
                 <a:cs typeface="Courier"/>
               </a:rPr>
               <a:t>Ecoli_k12_MG1655</a:t>
             </a:r>
             <a:r>
-              <a:rPr lang="en-US" sz="1800" dirty="0">
+              <a:rPr lang="en-US" sz="2000" dirty="0">
                 <a:latin typeface="Courier"/>
                 <a:cs typeface="Courier"/>
               </a:rPr>
@@ -10031,7 +9947,7 @@
         </p:nvSpPr>
         <p:spPr>
           <a:xfrm>
-            <a:off x="586178" y="5410503"/>
+            <a:off x="586178" y="5933723"/>
             <a:ext cx="2704311" cy="523220"/>
           </a:xfrm>
           <a:prstGeom prst="rect">
@@ -10225,6 +10141,13 @@
   <p:clrMapOvr>
     <a:masterClrMapping/>
   </p:clrMapOvr>
+  <p:timing>
+    <p:tnLst>
+      <p:par>
+        <p:cTn xmlns:p14="http://schemas.microsoft.com/office/powerpoint/2010/main" id="1" dur="indefinite" restart="never" nodeType="tmRoot"/>
+      </p:par>
+    </p:tnLst>
+  </p:timing>
 </p:sld>
 </file>
 

--- a/PLPTH813Bioinformatis/2019/labs/lab07_variants.pptx
+++ b/PLPTH813Bioinformatis/2019/labs/lab07_variants.pptx
@@ -124,6 +124,22 @@
       </a:defRPr>
     </a:lvl9pPr>
   </p:defaultTextStyle>
+  <p:extLst>
+    <p:ext uri="{EFAFB233-063F-42B5-8137-9DF3F51BA10A}">
+      <p15:sldGuideLst xmlns:p15="http://schemas.microsoft.com/office/powerpoint/2012/main">
+        <p15:guide id="1" orient="horz" pos="2160">
+          <p15:clr>
+            <a:srgbClr val="A4A3A4"/>
+          </p15:clr>
+        </p15:guide>
+        <p15:guide id="2" pos="2880">
+          <p15:clr>
+            <a:srgbClr val="A4A3A4"/>
+          </p15:clr>
+        </p15:guide>
+      </p15:sldGuideLst>
+    </p:ext>
+  </p:extLst>
 </p:presentation>
 </file>
 
@@ -209,7 +225,7 @@
           <a:p>
             <a:fld id="{08E6E0A8-E17C-C949-B17E-7A1A6494483A}" type="datetimeFigureOut">
               <a:rPr lang="en-US" smtClean="0"/>
-              <a:t>3/25/19</a:t>
+              <a:t>3/21/21</a:t>
             </a:fld>
             <a:endParaRPr lang="en-US"/>
           </a:p>
@@ -273,38 +289,37 @@
           <a:p>
             <a:pPr lvl="0"/>
             <a:r>
-              <a:rPr lang="en-US" smtClean="0"/>
+              <a:rPr lang="en-US"/>
               <a:t>Click to edit Master text styles</a:t>
             </a:r>
           </a:p>
           <a:p>
             <a:pPr lvl="1"/>
             <a:r>
-              <a:rPr lang="en-US" smtClean="0"/>
+              <a:rPr lang="en-US"/>
               <a:t>Second level</a:t>
             </a:r>
           </a:p>
           <a:p>
             <a:pPr lvl="2"/>
             <a:r>
-              <a:rPr lang="en-US" smtClean="0"/>
+              <a:rPr lang="en-US"/>
               <a:t>Third level</a:t>
             </a:r>
           </a:p>
           <a:p>
             <a:pPr lvl="3"/>
             <a:r>
-              <a:rPr lang="en-US" smtClean="0"/>
+              <a:rPr lang="en-US"/>
               <a:t>Fourth level</a:t>
             </a:r>
           </a:p>
           <a:p>
             <a:pPr lvl="4"/>
             <a:r>
-              <a:rPr lang="en-US" smtClean="0"/>
+              <a:rPr lang="en-US"/>
               <a:t>Fifth level</a:t>
             </a:r>
-            <a:endParaRPr lang="en-US"/>
           </a:p>
         </p:txBody>
       </p:sp>
@@ -606,7 +621,7 @@
           <a:lstStyle/>
           <a:p>
             <a:r>
-              <a:rPr lang="en-US" dirty="0" smtClean="0"/>
+              <a:rPr lang="en-US" dirty="0"/>
               <a:t>4-5 min to finish</a:t>
             </a:r>
           </a:p>
@@ -696,7 +711,7 @@
           <a:lstStyle/>
           <a:p>
             <a:r>
-              <a:rPr lang="en-US" sz="1200" kern="1200" dirty="0" smtClean="0">
+              <a:rPr lang="en-US" sz="1200" kern="1200" dirty="0">
                 <a:solidFill>
                   <a:schemeClr val="tx1"/>
                 </a:solidFill>
@@ -707,7 +722,7 @@
               <a:t>-</a:t>
             </a:r>
             <a:r>
-              <a:rPr lang="en-US" sz="1200" kern="1200" dirty="0" err="1" smtClean="0">
+              <a:rPr lang="en-US" sz="1200" kern="1200" dirty="0" err="1">
                 <a:solidFill>
                   <a:schemeClr val="tx1"/>
                 </a:solidFill>
@@ -717,7 +732,7 @@
               </a:rPr>
               <a:t>select-type:Type</a:t>
             </a:r>
-            <a:endParaRPr lang="en-US" sz="1200" kern="1200" dirty="0" smtClean="0">
+            <a:endParaRPr lang="en-US" sz="1200" kern="1200" dirty="0">
               <a:solidFill>
                 <a:schemeClr val="tx1"/>
               </a:solidFill>
@@ -728,7 +743,7 @@
           </a:p>
           <a:p>
             <a:r>
-              <a:rPr lang="en-US" sz="1200" kern="1200" dirty="0" smtClean="0">
+              <a:rPr lang="en-US" sz="1200" kern="1200" dirty="0">
                 <a:solidFill>
                   <a:schemeClr val="tx1"/>
                 </a:solidFill>
@@ -741,7 +756,7 @@
           </a:p>
           <a:p>
             <a:r>
-              <a:rPr lang="en-US" sz="1200" kern="1200" dirty="0" smtClean="0">
+              <a:rPr lang="en-US" sz="1200" kern="1200" dirty="0">
                 <a:solidFill>
                   <a:schemeClr val="tx1"/>
                 </a:solidFill>
@@ -754,7 +769,7 @@
           </a:p>
           <a:p>
             <a:r>
-              <a:rPr lang="en-US" sz="1200" kern="1200" dirty="0" smtClean="0">
+              <a:rPr lang="en-US" sz="1200" kern="1200" dirty="0">
                 <a:solidFill>
                   <a:schemeClr val="tx1"/>
                 </a:solidFill>
@@ -766,11 +781,11 @@
             </a:r>
           </a:p>
           <a:p>
-            <a:endParaRPr lang="en-US" dirty="0" smtClean="0"/>
-          </a:p>
-          <a:p>
-            <a:r>
-              <a:rPr lang="en-US" sz="1200" dirty="0" smtClean="0">
+            <a:endParaRPr lang="en-US" dirty="0"/>
+          </a:p>
+          <a:p>
+            <a:r>
+              <a:rPr lang="en-US" sz="1200" dirty="0">
                 <a:solidFill>
                   <a:srgbClr val="FF0000"/>
                 </a:solidFill>
@@ -780,7 +795,7 @@
               <a:t>10.0</a:t>
             </a:r>
             <a:r>
-              <a:rPr lang="en-US" sz="1200" baseline="0" dirty="0" smtClean="0">
+              <a:rPr lang="en-US" sz="1200" baseline="0" dirty="0">
                 <a:solidFill>
                   <a:srgbClr val="FF0000"/>
                 </a:solidFill>
@@ -790,7 +805,7 @@
               <a:t> worked but 10 did not work; </a:t>
             </a:r>
             <a:r>
-              <a:rPr lang="en-US" sz="1200" baseline="0" dirty="0" err="1" smtClean="0">
+              <a:rPr lang="en-US" sz="1200" baseline="0" dirty="0" err="1">
                 <a:solidFill>
                   <a:srgbClr val="FF0000"/>
                 </a:solidFill>
@@ -799,10 +814,10 @@
               </a:rPr>
               <a:t>strang</a:t>
             </a:r>
-            <a:endParaRPr lang="en-US" dirty="0" smtClean="0"/>
-          </a:p>
-          <a:p>
-            <a:endParaRPr lang="en-US" sz="1200" kern="1200" dirty="0" smtClean="0">
+            <a:endParaRPr lang="en-US" dirty="0"/>
+          </a:p>
+          <a:p>
+            <a:endParaRPr lang="en-US" sz="1200" kern="1200" dirty="0">
               <a:solidFill>
                 <a:schemeClr val="tx1"/>
               </a:solidFill>
@@ -813,7 +828,7 @@
           </a:p>
           <a:p>
             <a:r>
-              <a:rPr lang="en-US" sz="1200" kern="1200" dirty="0" smtClean="0">
+              <a:rPr lang="en-US" sz="1200" kern="1200" dirty="0">
                 <a:solidFill>
                   <a:schemeClr val="tx1"/>
                 </a:solidFill>
@@ -824,7 +839,7 @@
               <a:t>--</a:t>
             </a:r>
             <a:r>
-              <a:rPr lang="en-US" sz="1200" kern="1200" dirty="0" err="1" smtClean="0">
+              <a:rPr lang="en-US" sz="1200" kern="1200" dirty="0" err="1">
                 <a:solidFill>
                   <a:schemeClr val="tx1"/>
                 </a:solidFill>
@@ -834,7 +849,7 @@
               </a:rPr>
               <a:t>restrict-alleles-to:NumberAlleleRestriction</a:t>
             </a:r>
-            <a:endParaRPr lang="en-US" sz="1200" kern="1200" dirty="0" smtClean="0">
+            <a:endParaRPr lang="en-US" sz="1200" kern="1200" dirty="0">
               <a:solidFill>
                 <a:schemeClr val="tx1"/>
               </a:solidFill>
@@ -845,7 +860,7 @@
           </a:p>
           <a:p>
             <a:r>
-              <a:rPr lang="en-US" sz="1200" kern="1200" dirty="0" smtClean="0">
+              <a:rPr lang="en-US" sz="1200" kern="1200" dirty="0">
                 <a:solidFill>
                   <a:schemeClr val="tx1"/>
                 </a:solidFill>
@@ -856,7 +871,7 @@
               <a:t>                              Select only variants of a particular </a:t>
             </a:r>
             <a:r>
-              <a:rPr lang="en-US" sz="1200" kern="1200" dirty="0" err="1" smtClean="0">
+              <a:rPr lang="en-US" sz="1200" kern="1200" dirty="0" err="1">
                 <a:solidFill>
                   <a:schemeClr val="tx1"/>
                 </a:solidFill>
@@ -867,7 +882,7 @@
               <a:t>allelicity</a:t>
             </a:r>
             <a:r>
-              <a:rPr lang="en-US" sz="1200" kern="1200" dirty="0" smtClean="0">
+              <a:rPr lang="en-US" sz="1200" kern="1200" dirty="0">
                 <a:solidFill>
                   <a:schemeClr val="tx1"/>
                 </a:solidFill>
@@ -880,7 +895,7 @@
           </a:p>
           <a:p>
             <a:r>
-              <a:rPr lang="en-US" sz="1200" kern="1200" dirty="0" smtClean="0">
+              <a:rPr lang="en-US" sz="1200" kern="1200" dirty="0">
                 <a:solidFill>
                   <a:schemeClr val="tx1"/>
                 </a:solidFill>
@@ -975,7 +990,7 @@
           <a:lstStyle/>
           <a:p>
             <a:r>
-              <a:rPr lang="en-US" sz="1200" kern="1200" dirty="0" smtClean="0">
+              <a:rPr lang="en-US" sz="1200" kern="1200" dirty="0">
                 <a:solidFill>
                   <a:schemeClr val="tx1"/>
                 </a:solidFill>
@@ -986,7 +1001,7 @@
               <a:t>--</a:t>
             </a:r>
             <a:r>
-              <a:rPr lang="en-US" sz="1200" kern="1200" dirty="0" err="1" smtClean="0">
+              <a:rPr lang="en-US" sz="1200" kern="1200" dirty="0" err="1">
                 <a:solidFill>
                   <a:schemeClr val="tx1"/>
                 </a:solidFill>
@@ -997,7 +1012,7 @@
               <a:t>fields,-F:String</a:t>
             </a:r>
             <a:r>
-              <a:rPr lang="en-US" sz="1200" kern="1200" dirty="0" smtClean="0">
+              <a:rPr lang="en-US" sz="1200" kern="1200" dirty="0">
                 <a:solidFill>
                   <a:schemeClr val="tx1"/>
                 </a:solidFill>
@@ -1010,7 +1025,7 @@
           </a:p>
           <a:p>
             <a:r>
-              <a:rPr lang="en-US" sz="1200" kern="1200" dirty="0" smtClean="0">
+              <a:rPr lang="en-US" sz="1200" kern="1200" dirty="0">
                 <a:solidFill>
                   <a:schemeClr val="tx1"/>
                 </a:solidFill>
@@ -1182,10 +1197,9 @@
           <a:lstStyle/>
           <a:p>
             <a:r>
-              <a:rPr lang="en-US" dirty="0" smtClean="0"/>
+              <a:rPr lang="en-US" dirty="0"/>
               <a:t>Click to edit Master title style</a:t>
             </a:r>
-            <a:endParaRPr lang="en-US" dirty="0"/>
           </a:p>
         </p:txBody>
       </p:sp>
@@ -1301,10 +1315,9 @@
           </a:lstStyle>
           <a:p>
             <a:r>
-              <a:rPr lang="en-US" dirty="0" smtClean="0"/>
+              <a:rPr lang="en-US" dirty="0"/>
               <a:t>Click to edit Master subtitle style</a:t>
             </a:r>
-            <a:endParaRPr lang="en-US" dirty="0"/>
           </a:p>
         </p:txBody>
       </p:sp>
@@ -1325,7 +1338,7 @@
           <a:p>
             <a:fld id="{42B8B0BE-C8D7-EB48-AD68-71DB5002F24B}" type="datetimeFigureOut">
               <a:rPr lang="en-US" smtClean="0"/>
-              <a:t>3/25/19</a:t>
+              <a:t>3/21/21</a:t>
             </a:fld>
             <a:endParaRPr lang="en-US"/>
           </a:p>
@@ -1419,10 +1432,9 @@
           <a:lstStyle/>
           <a:p>
             <a:r>
-              <a:rPr lang="en-US" smtClean="0"/>
+              <a:rPr lang="en-US"/>
               <a:t>Click to edit Master title style</a:t>
             </a:r>
-            <a:endParaRPr lang="en-US"/>
           </a:p>
         </p:txBody>
       </p:sp>
@@ -1443,38 +1455,37 @@
           <a:p>
             <a:pPr lvl="0"/>
             <a:r>
-              <a:rPr lang="en-US" smtClean="0"/>
+              <a:rPr lang="en-US"/>
               <a:t>Click to edit Master text styles</a:t>
             </a:r>
           </a:p>
           <a:p>
             <a:pPr lvl="1"/>
             <a:r>
-              <a:rPr lang="en-US" smtClean="0"/>
+              <a:rPr lang="en-US"/>
               <a:t>Second level</a:t>
             </a:r>
           </a:p>
           <a:p>
             <a:pPr lvl="2"/>
             <a:r>
-              <a:rPr lang="en-US" smtClean="0"/>
+              <a:rPr lang="en-US"/>
               <a:t>Third level</a:t>
             </a:r>
           </a:p>
           <a:p>
             <a:pPr lvl="3"/>
             <a:r>
-              <a:rPr lang="en-US" smtClean="0"/>
+              <a:rPr lang="en-US"/>
               <a:t>Fourth level</a:t>
             </a:r>
           </a:p>
           <a:p>
             <a:pPr lvl="4"/>
             <a:r>
-              <a:rPr lang="en-US" smtClean="0"/>
+              <a:rPr lang="en-US"/>
               <a:t>Fifth level</a:t>
             </a:r>
-            <a:endParaRPr lang="en-US"/>
           </a:p>
         </p:txBody>
       </p:sp>
@@ -1495,7 +1506,7 @@
           <a:p>
             <a:fld id="{42B8B0BE-C8D7-EB48-AD68-71DB5002F24B}" type="datetimeFigureOut">
               <a:rPr lang="en-US" smtClean="0"/>
-              <a:t>3/25/19</a:t>
+              <a:t>3/21/21</a:t>
             </a:fld>
             <a:endParaRPr lang="en-US"/>
           </a:p>
@@ -1594,10 +1605,9 @@
           <a:lstStyle/>
           <a:p>
             <a:r>
-              <a:rPr lang="en-US" smtClean="0"/>
+              <a:rPr lang="en-US"/>
               <a:t>Click to edit Master title style</a:t>
             </a:r>
-            <a:endParaRPr lang="en-US"/>
           </a:p>
         </p:txBody>
       </p:sp>
@@ -1623,38 +1633,37 @@
           <a:p>
             <a:pPr lvl="0"/>
             <a:r>
-              <a:rPr lang="en-US" smtClean="0"/>
+              <a:rPr lang="en-US"/>
               <a:t>Click to edit Master text styles</a:t>
             </a:r>
           </a:p>
           <a:p>
             <a:pPr lvl="1"/>
             <a:r>
-              <a:rPr lang="en-US" smtClean="0"/>
+              <a:rPr lang="en-US"/>
               <a:t>Second level</a:t>
             </a:r>
           </a:p>
           <a:p>
             <a:pPr lvl="2"/>
             <a:r>
-              <a:rPr lang="en-US" smtClean="0"/>
+              <a:rPr lang="en-US"/>
               <a:t>Third level</a:t>
             </a:r>
           </a:p>
           <a:p>
             <a:pPr lvl="3"/>
             <a:r>
-              <a:rPr lang="en-US" smtClean="0"/>
+              <a:rPr lang="en-US"/>
               <a:t>Fourth level</a:t>
             </a:r>
           </a:p>
           <a:p>
             <a:pPr lvl="4"/>
             <a:r>
-              <a:rPr lang="en-US" smtClean="0"/>
+              <a:rPr lang="en-US"/>
               <a:t>Fifth level</a:t>
             </a:r>
-            <a:endParaRPr lang="en-US"/>
           </a:p>
         </p:txBody>
       </p:sp>
@@ -1675,7 +1684,7 @@
           <a:p>
             <a:fld id="{42B8B0BE-C8D7-EB48-AD68-71DB5002F24B}" type="datetimeFigureOut">
               <a:rPr lang="en-US" smtClean="0"/>
-              <a:t>3/25/19</a:t>
+              <a:t>3/21/21</a:t>
             </a:fld>
             <a:endParaRPr lang="en-US"/>
           </a:p>
@@ -1769,10 +1778,9 @@
           <a:lstStyle/>
           <a:p>
             <a:r>
-              <a:rPr lang="en-US" smtClean="0"/>
+              <a:rPr lang="en-US"/>
               <a:t>Click to edit Master title style</a:t>
             </a:r>
-            <a:endParaRPr lang="en-US"/>
           </a:p>
         </p:txBody>
       </p:sp>
@@ -1793,38 +1801,37 @@
           <a:p>
             <a:pPr lvl="0"/>
             <a:r>
-              <a:rPr lang="en-US" smtClean="0"/>
+              <a:rPr lang="en-US"/>
               <a:t>Click to edit Master text styles</a:t>
             </a:r>
           </a:p>
           <a:p>
             <a:pPr lvl="1"/>
             <a:r>
-              <a:rPr lang="en-US" smtClean="0"/>
+              <a:rPr lang="en-US"/>
               <a:t>Second level</a:t>
             </a:r>
           </a:p>
           <a:p>
             <a:pPr lvl="2"/>
             <a:r>
-              <a:rPr lang="en-US" smtClean="0"/>
+              <a:rPr lang="en-US"/>
               <a:t>Third level</a:t>
             </a:r>
           </a:p>
           <a:p>
             <a:pPr lvl="3"/>
             <a:r>
-              <a:rPr lang="en-US" smtClean="0"/>
+              <a:rPr lang="en-US"/>
               <a:t>Fourth level</a:t>
             </a:r>
           </a:p>
           <a:p>
             <a:pPr lvl="4"/>
             <a:r>
-              <a:rPr lang="en-US" smtClean="0"/>
+              <a:rPr lang="en-US"/>
               <a:t>Fifth level</a:t>
             </a:r>
-            <a:endParaRPr lang="en-US"/>
           </a:p>
         </p:txBody>
       </p:sp>
@@ -1845,7 +1852,7 @@
           <a:p>
             <a:fld id="{42B8B0BE-C8D7-EB48-AD68-71DB5002F24B}" type="datetimeFigureOut">
               <a:rPr lang="en-US" smtClean="0"/>
-              <a:t>3/25/19</a:t>
+              <a:t>3/21/21</a:t>
             </a:fld>
             <a:endParaRPr lang="en-US"/>
           </a:p>
@@ -1948,10 +1955,9 @@
           </a:lstStyle>
           <a:p>
             <a:r>
-              <a:rPr lang="en-US" smtClean="0"/>
+              <a:rPr lang="en-US"/>
               <a:t>Click to edit Master title style</a:t>
             </a:r>
-            <a:endParaRPr lang="en-US"/>
           </a:p>
         </p:txBody>
       </p:sp>
@@ -2068,7 +2074,7 @@
           <a:p>
             <a:pPr lvl="0"/>
             <a:r>
-              <a:rPr lang="en-US" smtClean="0"/>
+              <a:rPr lang="en-US"/>
               <a:t>Click to edit Master text styles</a:t>
             </a:r>
           </a:p>
@@ -2091,7 +2097,7 @@
           <a:p>
             <a:fld id="{42B8B0BE-C8D7-EB48-AD68-71DB5002F24B}" type="datetimeFigureOut">
               <a:rPr lang="en-US" smtClean="0"/>
-              <a:t>3/25/19</a:t>
+              <a:t>3/21/21</a:t>
             </a:fld>
             <a:endParaRPr lang="en-US"/>
           </a:p>
@@ -2185,10 +2191,9 @@
           <a:lstStyle/>
           <a:p>
             <a:r>
-              <a:rPr lang="en-US" smtClean="0"/>
+              <a:rPr lang="en-US"/>
               <a:t>Click to edit Master title style</a:t>
             </a:r>
-            <a:endParaRPr lang="en-US"/>
           </a:p>
         </p:txBody>
       </p:sp>
@@ -2242,38 +2247,37 @@
           <a:p>
             <a:pPr lvl="0"/>
             <a:r>
-              <a:rPr lang="en-US" smtClean="0"/>
+              <a:rPr lang="en-US"/>
               <a:t>Click to edit Master text styles</a:t>
             </a:r>
           </a:p>
           <a:p>
             <a:pPr lvl="1"/>
             <a:r>
-              <a:rPr lang="en-US" smtClean="0"/>
+              <a:rPr lang="en-US"/>
               <a:t>Second level</a:t>
             </a:r>
           </a:p>
           <a:p>
             <a:pPr lvl="2"/>
             <a:r>
-              <a:rPr lang="en-US" smtClean="0"/>
+              <a:rPr lang="en-US"/>
               <a:t>Third level</a:t>
             </a:r>
           </a:p>
           <a:p>
             <a:pPr lvl="3"/>
             <a:r>
-              <a:rPr lang="en-US" smtClean="0"/>
+              <a:rPr lang="en-US"/>
               <a:t>Fourth level</a:t>
             </a:r>
           </a:p>
           <a:p>
             <a:pPr lvl="4"/>
             <a:r>
-              <a:rPr lang="en-US" smtClean="0"/>
+              <a:rPr lang="en-US"/>
               <a:t>Fifth level</a:t>
             </a:r>
-            <a:endParaRPr lang="en-US"/>
           </a:p>
         </p:txBody>
       </p:sp>
@@ -2327,38 +2331,37 @@
           <a:p>
             <a:pPr lvl="0"/>
             <a:r>
-              <a:rPr lang="en-US" smtClean="0"/>
+              <a:rPr lang="en-US"/>
               <a:t>Click to edit Master text styles</a:t>
             </a:r>
           </a:p>
           <a:p>
             <a:pPr lvl="1"/>
             <a:r>
-              <a:rPr lang="en-US" smtClean="0"/>
+              <a:rPr lang="en-US"/>
               <a:t>Second level</a:t>
             </a:r>
           </a:p>
           <a:p>
             <a:pPr lvl="2"/>
             <a:r>
-              <a:rPr lang="en-US" smtClean="0"/>
+              <a:rPr lang="en-US"/>
               <a:t>Third level</a:t>
             </a:r>
           </a:p>
           <a:p>
             <a:pPr lvl="3"/>
             <a:r>
-              <a:rPr lang="en-US" smtClean="0"/>
+              <a:rPr lang="en-US"/>
               <a:t>Fourth level</a:t>
             </a:r>
           </a:p>
           <a:p>
             <a:pPr lvl="4"/>
             <a:r>
-              <a:rPr lang="en-US" smtClean="0"/>
+              <a:rPr lang="en-US"/>
               <a:t>Fifth level</a:t>
             </a:r>
-            <a:endParaRPr lang="en-US"/>
           </a:p>
         </p:txBody>
       </p:sp>
@@ -2379,7 +2382,7 @@
           <a:p>
             <a:fld id="{42B8B0BE-C8D7-EB48-AD68-71DB5002F24B}" type="datetimeFigureOut">
               <a:rPr lang="en-US" smtClean="0"/>
-              <a:t>3/25/19</a:t>
+              <a:t>3/21/21</a:t>
             </a:fld>
             <a:endParaRPr lang="en-US"/>
           </a:p>
@@ -2477,10 +2480,9 @@
           </a:lstStyle>
           <a:p>
             <a:r>
-              <a:rPr lang="en-US" smtClean="0"/>
+              <a:rPr lang="en-US"/>
               <a:t>Click to edit Master title style</a:t>
             </a:r>
-            <a:endParaRPr lang="en-US"/>
           </a:p>
         </p:txBody>
       </p:sp>
@@ -2543,7 +2545,7 @@
           <a:p>
             <a:pPr lvl="0"/>
             <a:r>
-              <a:rPr lang="en-US" smtClean="0"/>
+              <a:rPr lang="en-US"/>
               <a:t>Click to edit Master text styles</a:t>
             </a:r>
           </a:p>
@@ -2599,38 +2601,37 @@
           <a:p>
             <a:pPr lvl="0"/>
             <a:r>
-              <a:rPr lang="en-US" smtClean="0"/>
+              <a:rPr lang="en-US"/>
               <a:t>Click to edit Master text styles</a:t>
             </a:r>
           </a:p>
           <a:p>
             <a:pPr lvl="1"/>
             <a:r>
-              <a:rPr lang="en-US" smtClean="0"/>
+              <a:rPr lang="en-US"/>
               <a:t>Second level</a:t>
             </a:r>
           </a:p>
           <a:p>
             <a:pPr lvl="2"/>
             <a:r>
-              <a:rPr lang="en-US" smtClean="0"/>
+              <a:rPr lang="en-US"/>
               <a:t>Third level</a:t>
             </a:r>
           </a:p>
           <a:p>
             <a:pPr lvl="3"/>
             <a:r>
-              <a:rPr lang="en-US" smtClean="0"/>
+              <a:rPr lang="en-US"/>
               <a:t>Fourth level</a:t>
             </a:r>
           </a:p>
           <a:p>
             <a:pPr lvl="4"/>
             <a:r>
-              <a:rPr lang="en-US" smtClean="0"/>
+              <a:rPr lang="en-US"/>
               <a:t>Fifth level</a:t>
             </a:r>
-            <a:endParaRPr lang="en-US"/>
           </a:p>
         </p:txBody>
       </p:sp>
@@ -2693,7 +2694,7 @@
           <a:p>
             <a:pPr lvl="0"/>
             <a:r>
-              <a:rPr lang="en-US" smtClean="0"/>
+              <a:rPr lang="en-US"/>
               <a:t>Click to edit Master text styles</a:t>
             </a:r>
           </a:p>
@@ -2749,38 +2750,37 @@
           <a:p>
             <a:pPr lvl="0"/>
             <a:r>
-              <a:rPr lang="en-US" smtClean="0"/>
+              <a:rPr lang="en-US"/>
               <a:t>Click to edit Master text styles</a:t>
             </a:r>
           </a:p>
           <a:p>
             <a:pPr lvl="1"/>
             <a:r>
-              <a:rPr lang="en-US" smtClean="0"/>
+              <a:rPr lang="en-US"/>
               <a:t>Second level</a:t>
             </a:r>
           </a:p>
           <a:p>
             <a:pPr lvl="2"/>
             <a:r>
-              <a:rPr lang="en-US" smtClean="0"/>
+              <a:rPr lang="en-US"/>
               <a:t>Third level</a:t>
             </a:r>
           </a:p>
           <a:p>
             <a:pPr lvl="3"/>
             <a:r>
-              <a:rPr lang="en-US" smtClean="0"/>
+              <a:rPr lang="en-US"/>
               <a:t>Fourth level</a:t>
             </a:r>
           </a:p>
           <a:p>
             <a:pPr lvl="4"/>
             <a:r>
-              <a:rPr lang="en-US" smtClean="0"/>
+              <a:rPr lang="en-US"/>
               <a:t>Fifth level</a:t>
             </a:r>
-            <a:endParaRPr lang="en-US"/>
           </a:p>
         </p:txBody>
       </p:sp>
@@ -2801,7 +2801,7 @@
           <a:p>
             <a:fld id="{42B8B0BE-C8D7-EB48-AD68-71DB5002F24B}" type="datetimeFigureOut">
               <a:rPr lang="en-US" smtClean="0"/>
-              <a:t>3/25/19</a:t>
+              <a:t>3/21/21</a:t>
             </a:fld>
             <a:endParaRPr lang="en-US"/>
           </a:p>
@@ -2895,10 +2895,9 @@
           <a:lstStyle/>
           <a:p>
             <a:r>
-              <a:rPr lang="en-US" smtClean="0"/>
+              <a:rPr lang="en-US"/>
               <a:t>Click to edit Master title style</a:t>
             </a:r>
-            <a:endParaRPr lang="en-US"/>
           </a:p>
         </p:txBody>
       </p:sp>
@@ -2919,7 +2918,7 @@
           <a:p>
             <a:fld id="{42B8B0BE-C8D7-EB48-AD68-71DB5002F24B}" type="datetimeFigureOut">
               <a:rPr lang="en-US" smtClean="0"/>
-              <a:t>3/25/19</a:t>
+              <a:t>3/21/21</a:t>
             </a:fld>
             <a:endParaRPr lang="en-US"/>
           </a:p>
@@ -3014,7 +3013,7 @@
           <a:p>
             <a:fld id="{42B8B0BE-C8D7-EB48-AD68-71DB5002F24B}" type="datetimeFigureOut">
               <a:rPr lang="en-US" smtClean="0"/>
-              <a:t>3/25/19</a:t>
+              <a:t>3/21/21</a:t>
             </a:fld>
             <a:endParaRPr lang="en-US"/>
           </a:p>
@@ -3117,10 +3116,9 @@
           </a:lstStyle>
           <a:p>
             <a:r>
-              <a:rPr lang="en-US" smtClean="0"/>
+              <a:rPr lang="en-US"/>
               <a:t>Click to edit Master title style</a:t>
             </a:r>
-            <a:endParaRPr lang="en-US"/>
           </a:p>
         </p:txBody>
       </p:sp>
@@ -3174,38 +3172,37 @@
           <a:p>
             <a:pPr lvl="0"/>
             <a:r>
-              <a:rPr lang="en-US" smtClean="0"/>
+              <a:rPr lang="en-US"/>
               <a:t>Click to edit Master text styles</a:t>
             </a:r>
           </a:p>
           <a:p>
             <a:pPr lvl="1"/>
             <a:r>
-              <a:rPr lang="en-US" smtClean="0"/>
+              <a:rPr lang="en-US"/>
               <a:t>Second level</a:t>
             </a:r>
           </a:p>
           <a:p>
             <a:pPr lvl="2"/>
             <a:r>
-              <a:rPr lang="en-US" smtClean="0"/>
+              <a:rPr lang="en-US"/>
               <a:t>Third level</a:t>
             </a:r>
           </a:p>
           <a:p>
             <a:pPr lvl="3"/>
             <a:r>
-              <a:rPr lang="en-US" smtClean="0"/>
+              <a:rPr lang="en-US"/>
               <a:t>Fourth level</a:t>
             </a:r>
           </a:p>
           <a:p>
             <a:pPr lvl="4"/>
             <a:r>
-              <a:rPr lang="en-US" smtClean="0"/>
+              <a:rPr lang="en-US"/>
               <a:t>Fifth level</a:t>
             </a:r>
-            <a:endParaRPr lang="en-US"/>
           </a:p>
         </p:txBody>
       </p:sp>
@@ -3268,7 +3265,7 @@
           <a:p>
             <a:pPr lvl="0"/>
             <a:r>
-              <a:rPr lang="en-US" smtClean="0"/>
+              <a:rPr lang="en-US"/>
               <a:t>Click to edit Master text styles</a:t>
             </a:r>
           </a:p>
@@ -3291,7 +3288,7 @@
           <a:p>
             <a:fld id="{42B8B0BE-C8D7-EB48-AD68-71DB5002F24B}" type="datetimeFigureOut">
               <a:rPr lang="en-US" smtClean="0"/>
-              <a:t>3/25/19</a:t>
+              <a:t>3/21/21</a:t>
             </a:fld>
             <a:endParaRPr lang="en-US"/>
           </a:p>
@@ -3394,10 +3391,9 @@
           </a:lstStyle>
           <a:p>
             <a:r>
-              <a:rPr lang="en-US" smtClean="0"/>
+              <a:rPr lang="en-US"/>
               <a:t>Click to edit Master title style</a:t>
             </a:r>
-            <a:endParaRPr lang="en-US"/>
           </a:p>
         </p:txBody>
       </p:sp>
@@ -3521,7 +3517,7 @@
           <a:p>
             <a:pPr lvl="0"/>
             <a:r>
-              <a:rPr lang="en-US" smtClean="0"/>
+              <a:rPr lang="en-US"/>
               <a:t>Click to edit Master text styles</a:t>
             </a:r>
           </a:p>
@@ -3544,7 +3540,7 @@
           <a:p>
             <a:fld id="{42B8B0BE-C8D7-EB48-AD68-71DB5002F24B}" type="datetimeFigureOut">
               <a:rPr lang="en-US" smtClean="0"/>
-              <a:t>3/25/19</a:t>
+              <a:t>3/21/21</a:t>
             </a:fld>
             <a:endParaRPr lang="en-US"/>
           </a:p>
@@ -3653,10 +3649,9 @@
           <a:lstStyle/>
           <a:p>
             <a:r>
-              <a:rPr lang="en-US" smtClean="0"/>
+              <a:rPr lang="en-US"/>
               <a:t>Click to edit Master title style</a:t>
             </a:r>
-            <a:endParaRPr lang="en-US"/>
           </a:p>
         </p:txBody>
       </p:sp>
@@ -3687,38 +3682,37 @@
           <a:p>
             <a:pPr lvl="0"/>
             <a:r>
-              <a:rPr lang="en-US" smtClean="0"/>
+              <a:rPr lang="en-US"/>
               <a:t>Click to edit Master text styles</a:t>
             </a:r>
           </a:p>
           <a:p>
             <a:pPr lvl="1"/>
             <a:r>
-              <a:rPr lang="en-US" smtClean="0"/>
+              <a:rPr lang="en-US"/>
               <a:t>Second level</a:t>
             </a:r>
           </a:p>
           <a:p>
             <a:pPr lvl="2"/>
             <a:r>
-              <a:rPr lang="en-US" smtClean="0"/>
+              <a:rPr lang="en-US"/>
               <a:t>Third level</a:t>
             </a:r>
           </a:p>
           <a:p>
             <a:pPr lvl="3"/>
             <a:r>
-              <a:rPr lang="en-US" smtClean="0"/>
+              <a:rPr lang="en-US"/>
               <a:t>Fourth level</a:t>
             </a:r>
           </a:p>
           <a:p>
             <a:pPr lvl="4"/>
             <a:r>
-              <a:rPr lang="en-US" smtClean="0"/>
+              <a:rPr lang="en-US"/>
               <a:t>Fifth level</a:t>
             </a:r>
-            <a:endParaRPr lang="en-US"/>
           </a:p>
         </p:txBody>
       </p:sp>
@@ -3757,7 +3751,7 @@
           <a:p>
             <a:fld id="{42B8B0BE-C8D7-EB48-AD68-71DB5002F24B}" type="datetimeFigureOut">
               <a:rPr lang="en-US" smtClean="0"/>
-              <a:t>3/25/19</a:t>
+              <a:t>3/21/21</a:t>
             </a:fld>
             <a:endParaRPr lang="en-US"/>
           </a:p>
@@ -4155,32 +4149,19 @@
           <a:lstStyle/>
           <a:p>
             <a:r>
-              <a:rPr lang="en-US" sz="3200" dirty="0" smtClean="0"/>
+              <a:rPr lang="en-US" sz="3200" dirty="0"/>
               <a:t>Genomic variants</a:t>
-            </a:r>
-            <a:br>
-              <a:rPr lang="en-US" sz="3200" dirty="0" smtClean="0"/>
-            </a:br>
-            <a:r>
-              <a:rPr lang="en-US" sz="3200" dirty="0"/>
-              <a:t/>
             </a:r>
             <a:br>
               <a:rPr lang="en-US" sz="3200" dirty="0"/>
             </a:br>
-            <a:r>
-              <a:rPr lang="en-US" sz="2000" dirty="0" smtClean="0"/>
-              <a:t>Bioinformatics Applications</a:t>
-            </a:r>
+            <a:br>
+              <a:rPr lang="en-US" sz="3200" dirty="0"/>
+            </a:br>
             <a:r>
               <a:rPr lang="en-US" sz="2000" dirty="0"/>
-              <a:t> </a:t>
-            </a:r>
-            <a:r>
-              <a:rPr lang="en-US" sz="2000" dirty="0" smtClean="0"/>
-              <a:t>(PLPTH813)</a:t>
-            </a:r>
-            <a:endParaRPr lang="en-US" sz="2000" dirty="0"/>
+              <a:t>Bioinformatics Applications (PLPTH813)</a:t>
+            </a:r>
           </a:p>
         </p:txBody>
       </p:sp>
@@ -4207,7 +4188,7 @@
           <a:lstStyle/>
           <a:p>
             <a:r>
-              <a:rPr lang="en-US" sz="2800" dirty="0" smtClean="0"/>
+              <a:rPr lang="en-US" sz="2800" dirty="0"/>
               <a:t>Sanzhen Liu</a:t>
             </a:r>
           </a:p>
@@ -4217,13 +4198,8 @@
           <a:p>
             <a:r>
               <a:rPr lang="en-US" sz="2800" dirty="0"/>
-              <a:t>3</a:t>
-            </a:r>
-            <a:r>
-              <a:rPr lang="en-US" sz="2800" dirty="0" smtClean="0"/>
-              <a:t>/21/2019</a:t>
-            </a:r>
-            <a:endParaRPr lang="en-US" sz="2800" dirty="0"/>
+              <a:t>3/21/2019</a:t>
+            </a:r>
           </a:p>
         </p:txBody>
       </p:sp>
@@ -4237,13 +4213,6 @@
   <p:clrMapOvr>
     <a:masterClrMapping/>
   </p:clrMapOvr>
-  <p:timing>
-    <p:tnLst>
-      <p:par>
-        <p:cTn xmlns:p14="http://schemas.microsoft.com/office/powerpoint/2010/main" id="1" dur="indefinite" restart="never" nodeType="tmRoot"/>
-      </p:par>
-    </p:tnLst>
-  </p:timing>
 </p:sld>
 </file>
 
@@ -4280,14 +4249,13 @@
           <a:lstStyle/>
           <a:p>
             <a:r>
-              <a:rPr lang="en-US" dirty="0" err="1" smtClean="0"/>
+              <a:rPr lang="en-US" dirty="0" err="1"/>
               <a:t>HaplotypeCaller</a:t>
             </a:r>
             <a:r>
-              <a:rPr lang="en-US" dirty="0" smtClean="0"/>
+              <a:rPr lang="en-US" dirty="0"/>
               <a:t> of GATK4</a:t>
             </a:r>
-            <a:endParaRPr lang="en-US" dirty="0"/>
           </a:p>
         </p:txBody>
       </p:sp>
@@ -4303,8 +4271,8 @@
         </p:nvSpPr>
         <p:spPr>
           <a:xfrm>
-            <a:off x="1004888" y="1472063"/>
-            <a:ext cx="7297738" cy="4219125"/>
+            <a:off x="573814" y="1152127"/>
+            <a:ext cx="8112986" cy="5209484"/>
           </a:xfrm>
         </p:spPr>
         <p:txBody>
@@ -4317,15 +4285,15 @@
               <a:buNone/>
             </a:pPr>
             <a:r>
-              <a:rPr lang="en-US" sz="2000" dirty="0"/>
+              <a:rPr lang="en-US" dirty="0"/>
               <a:t>USAGE: </a:t>
             </a:r>
             <a:r>
-              <a:rPr lang="en-US" sz="2000" dirty="0" err="1"/>
+              <a:rPr lang="en-US" dirty="0" err="1"/>
               <a:t>HaplotypeCaller</a:t>
             </a:r>
             <a:r>
-              <a:rPr lang="en-US" sz="2000" dirty="0"/>
+              <a:rPr lang="en-US" dirty="0"/>
               <a:t> [arguments]</a:t>
             </a:r>
           </a:p>
@@ -4334,23 +4302,23 @@
               <a:buNone/>
             </a:pPr>
             <a:r>
-              <a:rPr lang="en-US" sz="2000" dirty="0" smtClean="0"/>
+              <a:rPr lang="en-US" dirty="0"/>
               <a:t>Call </a:t>
             </a:r>
             <a:r>
-              <a:rPr lang="en-US" sz="2000" dirty="0" err="1"/>
+              <a:rPr lang="en-US" dirty="0" err="1"/>
               <a:t>germline</a:t>
             </a:r>
             <a:r>
-              <a:rPr lang="en-US" sz="2000" dirty="0"/>
+              <a:rPr lang="en-US" dirty="0"/>
               <a:t> SNPs and </a:t>
             </a:r>
             <a:r>
-              <a:rPr lang="en-US" sz="2000" dirty="0" err="1"/>
+              <a:rPr lang="en-US" dirty="0" err="1"/>
               <a:t>indels</a:t>
             </a:r>
             <a:r>
-              <a:rPr lang="en-US" sz="2000" dirty="0"/>
+              <a:rPr lang="en-US" dirty="0"/>
               <a:t> via local re-assembly of haplotypes</a:t>
             </a:r>
           </a:p>
@@ -4359,7 +4327,7 @@
               <a:buNone/>
             </a:pPr>
             <a:r>
-              <a:rPr lang="de-DE" sz="2000" dirty="0" smtClean="0"/>
+              <a:rPr lang="de-DE" dirty="0"/>
               <a:t>Version:4.1.0.0</a:t>
             </a:r>
           </a:p>
@@ -4367,142 +4335,108 @@
             <a:pPr marL="0" indent="0">
               <a:buNone/>
             </a:pPr>
-            <a:endParaRPr lang="de-DE" sz="2000" dirty="0"/>
-          </a:p>
-          <a:p>
-            <a:pPr marL="0" indent="0">
-              <a:buNone/>
-            </a:pPr>
-            <a:r>
-              <a:rPr lang="de-DE" sz="2000" dirty="0" err="1" smtClean="0"/>
+            <a:endParaRPr lang="de-DE" dirty="0"/>
+          </a:p>
+          <a:p>
+            <a:pPr marL="0" indent="0">
+              <a:buNone/>
+            </a:pPr>
+            <a:r>
+              <a:rPr lang="de-DE" dirty="0" err="1"/>
               <a:t>Required</a:t>
             </a:r>
             <a:r>
-              <a:rPr lang="de-DE" sz="2000" dirty="0" smtClean="0"/>
+              <a:rPr lang="de-DE" dirty="0"/>
+              <a:t> Arguments:</a:t>
+            </a:r>
+          </a:p>
+          <a:p>
+            <a:pPr marL="0" indent="0">
+              <a:buNone/>
+            </a:pPr>
+            <a:r>
+              <a:rPr lang="de-DE" dirty="0"/>
+              <a:t>-</a:t>
+            </a:r>
+            <a:r>
+              <a:rPr lang="de-DE" dirty="0" err="1"/>
+              <a:t>I:String</a:t>
+            </a:r>
+            <a:r>
+              <a:rPr lang="de-DE" dirty="0"/>
+              <a:t>	  BAM/SAM/CRAM </a:t>
+            </a:r>
+            <a:r>
+              <a:rPr lang="de-DE" dirty="0" err="1"/>
+              <a:t>file</a:t>
+            </a:r>
+            <a:r>
+              <a:rPr lang="de-DE" dirty="0"/>
               <a:t> </a:t>
             </a:r>
             <a:r>
-              <a:rPr lang="de-DE" sz="2000" dirty="0"/>
-              <a:t>Arguments:</a:t>
-            </a:r>
-          </a:p>
-          <a:p>
-            <a:pPr marL="0" indent="0">
-              <a:buNone/>
-            </a:pPr>
-            <a:r>
-              <a:rPr lang="de-DE" sz="2000" dirty="0" smtClean="0"/>
+              <a:rPr lang="de-DE" dirty="0" err="1"/>
+              <a:t>containing</a:t>
+            </a:r>
+            <a:r>
+              <a:rPr lang="de-DE" dirty="0"/>
+              <a:t> </a:t>
+            </a:r>
+            <a:r>
+              <a:rPr lang="de-DE" dirty="0" err="1"/>
+              <a:t>reads</a:t>
+            </a:r>
+            <a:r>
+              <a:rPr lang="de-DE" dirty="0"/>
+              <a:t>.</a:t>
+            </a:r>
+            <a:endParaRPr lang="en-US" dirty="0"/>
+          </a:p>
+          <a:p>
+            <a:pPr marL="0" indent="0">
+              <a:buNone/>
+            </a:pPr>
+            <a:endParaRPr lang="en-US" dirty="0"/>
+          </a:p>
+          <a:p>
+            <a:pPr marL="0" indent="0">
+              <a:buNone/>
+            </a:pPr>
+            <a:r>
+              <a:rPr lang="en-US" dirty="0"/>
               <a:t>-</a:t>
             </a:r>
             <a:r>
-              <a:rPr lang="de-DE" sz="2000" dirty="0" err="1" smtClean="0"/>
-              <a:t>I:String</a:t>
-            </a:r>
-            <a:r>
-              <a:rPr lang="de-DE" sz="2000" dirty="0"/>
-              <a:t>	</a:t>
-            </a:r>
-            <a:r>
-              <a:rPr lang="de-DE" sz="2000" dirty="0" smtClean="0"/>
-              <a:t>  BAM</a:t>
-            </a:r>
-            <a:r>
-              <a:rPr lang="de-DE" sz="2000" dirty="0"/>
-              <a:t>/SAM/CRAM </a:t>
-            </a:r>
-            <a:r>
-              <a:rPr lang="de-DE" sz="2000" dirty="0" err="1"/>
-              <a:t>file</a:t>
-            </a:r>
-            <a:r>
-              <a:rPr lang="de-DE" sz="2000" dirty="0"/>
-              <a:t> </a:t>
-            </a:r>
-            <a:r>
-              <a:rPr lang="de-DE" sz="2000" dirty="0" err="1"/>
-              <a:t>containing</a:t>
-            </a:r>
-            <a:r>
-              <a:rPr lang="de-DE" sz="2000" dirty="0"/>
-              <a:t> </a:t>
-            </a:r>
-            <a:r>
-              <a:rPr lang="de-DE" sz="2000" dirty="0" err="1" smtClean="0"/>
-              <a:t>reads</a:t>
-            </a:r>
-            <a:r>
-              <a:rPr lang="de-DE" sz="2000" dirty="0"/>
-              <a:t>.</a:t>
-            </a:r>
-            <a:endParaRPr lang="en-US" sz="2000" dirty="0"/>
-          </a:p>
-          <a:p>
-            <a:pPr marL="0" indent="0">
-              <a:buNone/>
-            </a:pPr>
-            <a:endParaRPr lang="en-US" sz="2000" dirty="0" smtClean="0"/>
-          </a:p>
-          <a:p>
-            <a:pPr marL="0" indent="0">
-              <a:buNone/>
-            </a:pPr>
-            <a:r>
-              <a:rPr lang="en-US" sz="2000" dirty="0" smtClean="0"/>
+              <a:rPr lang="en-US" dirty="0" err="1"/>
+              <a:t>O:String</a:t>
+            </a:r>
+            <a:r>
+              <a:rPr lang="en-US" dirty="0"/>
+              <a:t>  File to which variants should be written. </a:t>
+            </a:r>
+          </a:p>
+          <a:p>
+            <a:pPr marL="0" indent="0">
+              <a:buNone/>
+            </a:pPr>
+            <a:endParaRPr lang="en-US" dirty="0"/>
+          </a:p>
+          <a:p>
+            <a:pPr marL="0" indent="0">
+              <a:buNone/>
+            </a:pPr>
+            <a:r>
+              <a:rPr lang="en-US" dirty="0"/>
               <a:t>-</a:t>
             </a:r>
             <a:r>
-              <a:rPr lang="en-US" sz="2000" dirty="0" err="1" smtClean="0"/>
-              <a:t>O:String</a:t>
-            </a:r>
-            <a:r>
-              <a:rPr lang="en-US" sz="2000" dirty="0" smtClean="0"/>
-              <a:t>  File </a:t>
-            </a:r>
-            <a:r>
-              <a:rPr lang="en-US" sz="2000" dirty="0"/>
-              <a:t>to which variants should be </a:t>
-            </a:r>
-            <a:r>
-              <a:rPr lang="en-US" sz="2000" dirty="0" smtClean="0"/>
-              <a:t>written. </a:t>
-            </a:r>
-            <a:endParaRPr lang="en-US" sz="2000" dirty="0"/>
-          </a:p>
-          <a:p>
-            <a:pPr marL="0" indent="0">
-              <a:buNone/>
-            </a:pPr>
-            <a:endParaRPr lang="en-US" sz="2000" dirty="0" smtClean="0"/>
-          </a:p>
-          <a:p>
-            <a:pPr marL="0" indent="0">
-              <a:buNone/>
-            </a:pPr>
-            <a:r>
-              <a:rPr lang="en-US" sz="2000" dirty="0" smtClean="0"/>
-              <a:t>-</a:t>
-            </a:r>
-            <a:r>
-              <a:rPr lang="en-US" sz="2000" dirty="0" err="1" smtClean="0"/>
+              <a:rPr lang="en-US" dirty="0" err="1"/>
               <a:t>R:String</a:t>
             </a:r>
             <a:r>
-              <a:rPr lang="en-US" sz="2000" dirty="0"/>
-              <a:t>	</a:t>
-            </a:r>
-            <a:r>
-              <a:rPr lang="en-US" sz="2000" dirty="0" smtClean="0"/>
-              <a:t>  Reference </a:t>
-            </a:r>
-            <a:r>
-              <a:rPr lang="en-US" sz="2000" dirty="0"/>
-              <a:t>sequence </a:t>
-            </a:r>
-            <a:r>
-              <a:rPr lang="en-US" sz="2000" dirty="0" smtClean="0"/>
-              <a:t>file. </a:t>
-            </a:r>
-            <a:endParaRPr lang="en-US" sz="2000" dirty="0"/>
+              <a:rPr lang="en-US" dirty="0"/>
+              <a:t>	  Reference sequence file. </a:t>
+            </a:r>
           </a:p>
         </p:txBody>
       </p:sp>
@@ -4516,13 +4450,6 @@
   <p:clrMapOvr>
     <a:masterClrMapping/>
   </p:clrMapOvr>
-  <p:timing>
-    <p:tnLst>
-      <p:par>
-        <p:cTn xmlns:p14="http://schemas.microsoft.com/office/powerpoint/2010/main" id="1" dur="indefinite" restart="never" nodeType="tmRoot"/>
-      </p:par>
-    </p:tnLst>
-  </p:timing>
 </p:sld>
 </file>
 
@@ -4559,10 +4486,9 @@
           <a:lstStyle/>
           <a:p>
             <a:r>
-              <a:rPr lang="en-US" dirty="0" smtClean="0"/>
+              <a:rPr lang="en-US" dirty="0"/>
               <a:t>GATK to SNP discovery</a:t>
             </a:r>
-            <a:endParaRPr lang="en-US" dirty="0"/>
           </a:p>
         </p:txBody>
       </p:sp>
@@ -4578,8 +4504,8 @@
         </p:nvSpPr>
         <p:spPr>
           <a:xfrm>
-            <a:off x="708166" y="1874597"/>
-            <a:ext cx="7745272" cy="3705466"/>
+            <a:off x="699364" y="1461111"/>
+            <a:ext cx="8229600" cy="4848250"/>
           </a:xfrm>
         </p:spPr>
         <p:txBody>
@@ -4592,48 +4518,34 @@
               <a:buNone/>
             </a:pPr>
             <a:r>
-              <a:rPr lang="en-US" sz="1600" dirty="0" smtClean="0">
+              <a:rPr lang="en-US" dirty="0">
                 <a:latin typeface="Courier"/>
                 <a:cs typeface="Courier"/>
               </a:rPr>
               <a:t>### using </a:t>
             </a:r>
             <a:r>
-              <a:rPr lang="en-US" sz="1600" dirty="0" err="1" smtClean="0"/>
+              <a:rPr lang="en-US" dirty="0" err="1"/>
               <a:t>HaplotypeCaller</a:t>
             </a:r>
             <a:r>
-              <a:rPr lang="en-US" sz="1600" dirty="0" smtClean="0"/>
+              <a:rPr lang="en-US" dirty="0"/>
               <a:t> </a:t>
             </a:r>
             <a:r>
-              <a:rPr lang="en-US" sz="1600" dirty="0" smtClean="0">
-                <a:latin typeface="Courier"/>
-                <a:cs typeface="Courier"/>
-              </a:rPr>
-              <a:t>from GATK to call </a:t>
-            </a:r>
-            <a:r>
-              <a:rPr lang="en-US" sz="1600" dirty="0" err="1" smtClean="0">
-                <a:latin typeface="Courier"/>
-                <a:cs typeface="Courier"/>
-              </a:rPr>
-              <a:t>SNPs&amp;INDELs</a:t>
-            </a:r>
-            <a:r>
-              <a:rPr lang="en-US" sz="1600" dirty="0" smtClean="0">
-                <a:latin typeface="Courier"/>
-                <a:cs typeface="Courier"/>
-              </a:rPr>
-              <a:t>.</a:t>
-            </a:r>
-          </a:p>
-          <a:p>
-            <a:pPr marL="0" indent="0">
-              <a:buNone/>
-            </a:pPr>
-            <a:r>
-              <a:rPr lang="ro-RO" sz="1600" dirty="0">
+              <a:rPr lang="en-US" dirty="0">
+                <a:latin typeface="Courier"/>
+                <a:cs typeface="Courier"/>
+              </a:rPr>
+              <a:t>from GATK</a:t>
+            </a:r>
+          </a:p>
+          <a:p>
+            <a:pPr marL="0" indent="0">
+              <a:buNone/>
+            </a:pPr>
+            <a:r>
+              <a:rPr lang="ro-RO" dirty="0">
                 <a:latin typeface="Courier"/>
                 <a:cs typeface="Courier"/>
               </a:rPr>
@@ -4645,7 +4557,7 @@
               <a:buNone/>
             </a:pPr>
             <a:r>
-              <a:rPr lang="en-US" sz="1600" dirty="0" smtClean="0">
+              <a:rPr lang="en-US" dirty="0">
                 <a:latin typeface="Courier"/>
                 <a:cs typeface="Courier"/>
               </a:rPr>
@@ -4656,7 +4568,7 @@
             <a:pPr marL="0" indent="0">
               <a:buNone/>
             </a:pPr>
-            <a:endParaRPr lang="en-US" sz="1600" dirty="0">
+            <a:endParaRPr lang="en-US" dirty="0">
               <a:latin typeface="Courier"/>
               <a:cs typeface="Courier"/>
             </a:endParaRPr>
@@ -4666,35 +4578,35 @@
               <a:buNone/>
             </a:pPr>
             <a:r>
-              <a:rPr lang="en-US" sz="1600" dirty="0" smtClean="0">
+              <a:rPr lang="en-US" dirty="0">
                 <a:latin typeface="Courier"/>
                 <a:cs typeface="Courier"/>
               </a:rPr>
               <a:t>$</a:t>
             </a:r>
             <a:r>
-              <a:rPr lang="en-US" sz="1600" dirty="0" err="1" smtClean="0">
+              <a:rPr lang="en-US" dirty="0" err="1">
                 <a:latin typeface="Courier"/>
                 <a:cs typeface="Courier"/>
               </a:rPr>
               <a:t>gatk</a:t>
             </a:r>
             <a:r>
-              <a:rPr lang="en-US" sz="1600" dirty="0" smtClean="0">
+              <a:rPr lang="en-US" dirty="0">
                 <a:latin typeface="Courier"/>
                 <a:cs typeface="Courier"/>
               </a:rPr>
               <a:t> </a:t>
             </a:r>
             <a:r>
-              <a:rPr lang="ro-RO" sz="1600" dirty="0">
+              <a:rPr lang="ro-RO" dirty="0">
                 <a:latin typeface="Courier"/>
                 <a:cs typeface="Courier"/>
               </a:rPr>
               <a:t>HaplotypeCaller </a:t>
             </a:r>
             <a:r>
-              <a:rPr lang="en-US" sz="1600" dirty="0" smtClean="0">
+              <a:rPr lang="en-US" dirty="0">
                 <a:latin typeface="Courier"/>
                 <a:cs typeface="Courier"/>
               </a:rPr>
@@ -4706,55 +4618,20 @@
               <a:buNone/>
             </a:pPr>
             <a:r>
-              <a:rPr lang="en-US" sz="1600" dirty="0">
-                <a:latin typeface="Courier"/>
-                <a:cs typeface="Courier"/>
-              </a:rPr>
-              <a:t> </a:t>
-            </a:r>
-            <a:r>
-              <a:rPr lang="en-US" sz="1600" dirty="0" smtClean="0">
-                <a:latin typeface="Courier"/>
-                <a:cs typeface="Courier"/>
-              </a:rPr>
-              <a:t> </a:t>
-            </a:r>
-            <a:r>
-              <a:rPr lang="fr-FR" sz="1600" dirty="0" smtClean="0">
-                <a:latin typeface="Courier"/>
-                <a:cs typeface="Courier"/>
-              </a:rPr>
-              <a:t>-</a:t>
-            </a:r>
-            <a:r>
-              <a:rPr lang="fr-FR" sz="1600" dirty="0">
-                <a:latin typeface="Courier"/>
-                <a:cs typeface="Courier"/>
-              </a:rPr>
-              <a:t>-java-options '-</a:t>
-            </a:r>
-            <a:r>
-              <a:rPr lang="fr-FR" sz="1600" dirty="0" smtClean="0">
-                <a:latin typeface="Courier"/>
-                <a:cs typeface="Courier"/>
-              </a:rPr>
-              <a:t>Xmx8G</a:t>
-            </a:r>
-            <a:r>
-              <a:rPr lang="fr-FR" sz="1600" dirty="0">
-                <a:latin typeface="Courier"/>
-                <a:cs typeface="Courier"/>
-              </a:rPr>
-              <a:t>' </a:t>
-            </a:r>
-            <a:r>
-              <a:rPr lang="fr-FR" sz="1600" dirty="0" smtClean="0">
-                <a:latin typeface="Courier"/>
-                <a:cs typeface="Courier"/>
-              </a:rPr>
-              <a:t>\</a:t>
-            </a:r>
-            <a:endParaRPr lang="en-US" sz="1600" dirty="0">
+              <a:rPr lang="en-US" dirty="0">
+                <a:latin typeface="Courier"/>
+                <a:cs typeface="Courier"/>
+              </a:rPr>
+              <a:t>  </a:t>
+            </a:r>
+            <a:r>
+              <a:rPr lang="fr-FR" dirty="0">
+                <a:latin typeface="Courier"/>
+                <a:cs typeface="Courier"/>
+              </a:rPr>
+              <a:t>--java-options '-Xmx8G' \</a:t>
+            </a:r>
+            <a:endParaRPr lang="en-US" dirty="0">
               <a:latin typeface="Courier"/>
               <a:cs typeface="Courier"/>
             </a:endParaRPr>
@@ -4764,192 +4641,107 @@
               <a:buNone/>
             </a:pPr>
             <a:r>
-              <a:rPr lang="en-US" sz="1600" dirty="0">
-                <a:latin typeface="Courier"/>
-                <a:cs typeface="Courier"/>
-              </a:rPr>
-              <a:t> </a:t>
-            </a:r>
-            <a:r>
-              <a:rPr lang="en-US" sz="1600" dirty="0" smtClean="0">
-                <a:latin typeface="Courier"/>
-                <a:cs typeface="Courier"/>
-              </a:rPr>
-              <a:t> -R </a:t>
-            </a:r>
-            <a:r>
-              <a:rPr lang="en-US" sz="1600" dirty="0">
-                <a:latin typeface="Courier"/>
-                <a:cs typeface="Courier"/>
-              </a:rPr>
-              <a:t>../</a:t>
-            </a:r>
-            <a:r>
-              <a:rPr lang="en-US" sz="1600" dirty="0" smtClean="0">
-                <a:latin typeface="Courier"/>
-                <a:cs typeface="Courier"/>
-              </a:rPr>
-              <a:t>references/</a:t>
-            </a:r>
-            <a:r>
-              <a:rPr lang="en-US" sz="1600" dirty="0">
-                <a:latin typeface="Courier"/>
-                <a:cs typeface="Courier"/>
-              </a:rPr>
-              <a:t>Ecoli_k12_MG1655.</a:t>
-            </a:r>
-            <a:r>
-              <a:rPr lang="en-US" sz="1600" dirty="0" smtClean="0">
-                <a:latin typeface="Courier"/>
-                <a:cs typeface="Courier"/>
-              </a:rPr>
-              <a:t>fasta </a:t>
-            </a:r>
-            <a:r>
-              <a:rPr lang="en-US" sz="1600" dirty="0">
-                <a:latin typeface="Courier"/>
-                <a:cs typeface="Courier"/>
-              </a:rPr>
-              <a:t>\</a:t>
-            </a:r>
-          </a:p>
-          <a:p>
-            <a:pPr marL="0" indent="0">
-              <a:buNone/>
-            </a:pPr>
-            <a:r>
-              <a:rPr lang="en-US" sz="1600" dirty="0">
-                <a:latin typeface="Courier"/>
-                <a:cs typeface="Courier"/>
-              </a:rPr>
-              <a:t> </a:t>
-            </a:r>
-            <a:r>
-              <a:rPr lang="en-US" sz="1600" dirty="0" smtClean="0">
-                <a:latin typeface="Courier"/>
-                <a:cs typeface="Courier"/>
-              </a:rPr>
-              <a:t> -I ../data/DH10B.parse.bam \</a:t>
-            </a:r>
-            <a:endParaRPr lang="en-US" sz="1600" dirty="0">
+              <a:rPr lang="en-US" dirty="0">
+                <a:latin typeface="Courier"/>
+                <a:cs typeface="Courier"/>
+              </a:rPr>
+              <a:t>  -R ../references/Ecoli_k12_MG1655.fasta \</a:t>
+            </a:r>
+          </a:p>
+          <a:p>
+            <a:pPr marL="0" indent="0">
+              <a:buNone/>
+            </a:pPr>
+            <a:r>
+              <a:rPr lang="en-US" dirty="0">
+                <a:latin typeface="Courier"/>
+                <a:cs typeface="Courier"/>
+              </a:rPr>
+              <a:t>  -I ../data/DH10B.parse.bam \</a:t>
+            </a:r>
+          </a:p>
+          <a:p>
+            <a:pPr marL="0" indent="0">
+              <a:buNone/>
+            </a:pPr>
+            <a:r>
+              <a:rPr lang="en-US" dirty="0">
+                <a:latin typeface="Courier"/>
+                <a:cs typeface="Courier"/>
+              </a:rPr>
+              <a:t>  -I ../data/MG1655.parse.bam \</a:t>
+            </a:r>
+          </a:p>
+          <a:p>
+            <a:pPr marL="0" indent="0">
+              <a:buNone/>
+            </a:pPr>
+            <a:r>
+              <a:rPr lang="en-US" dirty="0">
+                <a:latin typeface="Courier"/>
+                <a:cs typeface="Courier"/>
+              </a:rPr>
+              <a:t>  </a:t>
+            </a:r>
+            <a:r>
+              <a:rPr lang="fr-FR" dirty="0">
+                <a:latin typeface="Courier"/>
+                <a:cs typeface="Courier"/>
+              </a:rPr>
+              <a:t>-</a:t>
+            </a:r>
+            <a:r>
+              <a:rPr lang="fr-FR" dirty="0" err="1">
+                <a:latin typeface="Courier"/>
+                <a:cs typeface="Courier"/>
+              </a:rPr>
+              <a:t>ploidy</a:t>
+            </a:r>
+            <a:r>
+              <a:rPr lang="fr-FR" dirty="0">
+                <a:latin typeface="Courier"/>
+                <a:cs typeface="Courier"/>
+              </a:rPr>
+              <a:t> 1 \</a:t>
+            </a:r>
+          </a:p>
+          <a:p>
+            <a:pPr marL="0" indent="0">
+              <a:buNone/>
+            </a:pPr>
+            <a:r>
+              <a:rPr lang="en-US" dirty="0">
+                <a:latin typeface="Courier"/>
+                <a:cs typeface="Courier"/>
+              </a:rPr>
+              <a:t>  -O </a:t>
+            </a:r>
+            <a:r>
+              <a:rPr lang="en-US" dirty="0" err="1">
+                <a:latin typeface="Courier"/>
+                <a:cs typeface="Courier"/>
+              </a:rPr>
+              <a:t>variants.raw.vcf</a:t>
+            </a:r>
+            <a:r>
+              <a:rPr lang="en-US" dirty="0">
+                <a:latin typeface="Courier"/>
+                <a:cs typeface="Courier"/>
+              </a:rPr>
+              <a:t> &amp;&gt;</a:t>
+            </a:r>
+            <a:r>
+              <a:rPr lang="en-US" dirty="0" err="1">
+                <a:latin typeface="Courier"/>
+                <a:cs typeface="Courier"/>
+              </a:rPr>
+              <a:t>variants.log</a:t>
+            </a:r>
+            <a:endParaRPr lang="en-US" dirty="0">
               <a:latin typeface="Courier"/>
               <a:cs typeface="Courier"/>
             </a:endParaRPr>
           </a:p>
-          <a:p>
-            <a:pPr marL="0" indent="0">
-              <a:buNone/>
-            </a:pPr>
-            <a:r>
-              <a:rPr lang="en-US" sz="1600" dirty="0">
-                <a:latin typeface="Courier"/>
-                <a:cs typeface="Courier"/>
-              </a:rPr>
-              <a:t> </a:t>
-            </a:r>
-            <a:r>
-              <a:rPr lang="en-US" sz="1600" dirty="0" smtClean="0">
-                <a:latin typeface="Courier"/>
-                <a:cs typeface="Courier"/>
-              </a:rPr>
-              <a:t> -I ../data/MG1655.parse.bam \</a:t>
-            </a:r>
-          </a:p>
-          <a:p>
-            <a:pPr marL="0" indent="0">
-              <a:buNone/>
-            </a:pPr>
-            <a:r>
-              <a:rPr lang="en-US" sz="1600" dirty="0">
-                <a:latin typeface="Courier"/>
-                <a:cs typeface="Courier"/>
-              </a:rPr>
-              <a:t> </a:t>
-            </a:r>
-            <a:r>
-              <a:rPr lang="en-US" sz="1600" dirty="0" smtClean="0">
-                <a:latin typeface="Courier"/>
-                <a:cs typeface="Courier"/>
-              </a:rPr>
-              <a:t> </a:t>
-            </a:r>
-            <a:r>
-              <a:rPr lang="fr-FR" sz="1600" dirty="0" smtClean="0">
-                <a:latin typeface="Courier"/>
-                <a:cs typeface="Courier"/>
-              </a:rPr>
-              <a:t>-</a:t>
-            </a:r>
-            <a:r>
-              <a:rPr lang="fr-FR" sz="1600" dirty="0" err="1">
-                <a:latin typeface="Courier"/>
-                <a:cs typeface="Courier"/>
-              </a:rPr>
-              <a:t>ploidy</a:t>
-            </a:r>
-            <a:r>
-              <a:rPr lang="fr-FR" sz="1600" dirty="0">
-                <a:latin typeface="Courier"/>
-                <a:cs typeface="Courier"/>
-              </a:rPr>
-              <a:t> 1 </a:t>
-            </a:r>
-            <a:r>
-              <a:rPr lang="fr-FR" sz="1600" dirty="0" smtClean="0">
-                <a:latin typeface="Courier"/>
-                <a:cs typeface="Courier"/>
-              </a:rPr>
-              <a:t>\</a:t>
-            </a:r>
-            <a:endParaRPr lang="fr-FR" sz="1600" dirty="0">
-              <a:latin typeface="Courier"/>
-              <a:cs typeface="Courier"/>
-            </a:endParaRPr>
-          </a:p>
-          <a:p>
-            <a:pPr marL="0" indent="0">
-              <a:buNone/>
-            </a:pPr>
-            <a:r>
-              <a:rPr lang="en-US" sz="1600" dirty="0">
-                <a:latin typeface="Courier"/>
-                <a:cs typeface="Courier"/>
-              </a:rPr>
-              <a:t>  </a:t>
-            </a:r>
-            <a:r>
-              <a:rPr lang="en-US" sz="1600" dirty="0" smtClean="0">
-                <a:latin typeface="Courier"/>
-                <a:cs typeface="Courier"/>
-              </a:rPr>
-              <a:t>-O </a:t>
-            </a:r>
-            <a:r>
-              <a:rPr lang="en-US" sz="1600" dirty="0" err="1" smtClean="0">
-                <a:latin typeface="Courier"/>
-                <a:cs typeface="Courier"/>
-              </a:rPr>
-              <a:t>variants.raw.vcf</a:t>
-            </a:r>
-            <a:r>
-              <a:rPr lang="en-US" sz="1600" dirty="0" smtClean="0">
-                <a:latin typeface="Courier"/>
-                <a:cs typeface="Courier"/>
-              </a:rPr>
-              <a:t> &amp;&gt;</a:t>
-            </a:r>
-            <a:r>
-              <a:rPr lang="en-US" sz="1600" dirty="0" err="1" smtClean="0">
-                <a:latin typeface="Courier"/>
-                <a:cs typeface="Courier"/>
-              </a:rPr>
-              <a:t>variants.log</a:t>
-            </a:r>
-            <a:endParaRPr lang="en-US" sz="1600" dirty="0" smtClean="0">
-              <a:latin typeface="Courier"/>
-              <a:cs typeface="Courier"/>
-            </a:endParaRPr>
-          </a:p>
         </p:txBody>
       </p:sp>
       <p:sp>
@@ -4960,7 +4752,7 @@
         </p:nvSpPr>
         <p:spPr>
           <a:xfrm>
-            <a:off x="582042" y="1217363"/>
+            <a:off x="589194" y="937891"/>
             <a:ext cx="3982806" cy="523220"/>
           </a:xfrm>
           <a:prstGeom prst="rect">
@@ -4975,7 +4767,7 @@
           <a:lstStyle/>
           <a:p>
             <a:r>
-              <a:rPr lang="en-US" sz="2800" dirty="0" smtClean="0">
+              <a:rPr lang="en-US" sz="2800" dirty="0">
                 <a:solidFill>
                   <a:srgbClr val="FF0000"/>
                 </a:solidFill>
@@ -4995,13 +4787,6 @@
   <p:clrMapOvr>
     <a:masterClrMapping/>
   </p:clrMapOvr>
-  <p:timing>
-    <p:tnLst>
-      <p:par>
-        <p:cTn xmlns:p14="http://schemas.microsoft.com/office/powerpoint/2010/main" id="1" dur="indefinite" restart="never" nodeType="tmRoot"/>
-      </p:par>
-    </p:tnLst>
-  </p:timing>
 </p:sld>
 </file>
 
@@ -5038,10 +4823,9 @@
           <a:lstStyle/>
           <a:p>
             <a:r>
-              <a:rPr lang="en-US" dirty="0" smtClean="0"/>
+              <a:rPr lang="en-US" dirty="0"/>
               <a:t>Notes</a:t>
             </a:r>
-            <a:endParaRPr lang="en-US" dirty="0"/>
           </a:p>
         </p:txBody>
       </p:sp>
@@ -5542,13 +5326,6 @@
   <p:clrMapOvr>
     <a:masterClrMapping/>
   </p:clrMapOvr>
-  <p:timing>
-    <p:tnLst>
-      <p:par>
-        <p:cTn xmlns:p14="http://schemas.microsoft.com/office/powerpoint/2010/main" id="1" dur="indefinite" restart="never" nodeType="tmRoot"/>
-      </p:par>
-    </p:tnLst>
-  </p:timing>
 </p:sld>
 </file>
 
@@ -5585,10 +5362,9 @@
           <a:lstStyle/>
           <a:p>
             <a:r>
-              <a:rPr lang="en-US" dirty="0" smtClean="0"/>
+              <a:rPr lang="en-US" dirty="0"/>
               <a:t>Variant filtering</a:t>
             </a:r>
-            <a:endParaRPr lang="en-US" dirty="0"/>
           </a:p>
         </p:txBody>
       </p:sp>
@@ -5618,14 +5394,14 @@
               <a:buNone/>
             </a:pPr>
             <a:r>
-              <a:rPr lang="en-US" sz="2000" dirty="0" smtClean="0">
+              <a:rPr lang="en-US" sz="2000" dirty="0">
                 <a:latin typeface="Courier"/>
                 <a:cs typeface="Courier"/>
               </a:rPr>
               <a:t>$</a:t>
             </a:r>
             <a:r>
-              <a:rPr lang="en-US" sz="2000" dirty="0" err="1" smtClean="0">
+              <a:rPr lang="en-US" sz="2000" dirty="0" err="1">
                 <a:latin typeface="Courier"/>
                 <a:cs typeface="Courier"/>
               </a:rPr>
@@ -5639,125 +5415,71 @@
               <a:t> </a:t>
             </a:r>
             <a:r>
-              <a:rPr lang="en-US" sz="2000" dirty="0" err="1" smtClean="0">
+              <a:rPr lang="en-US" sz="2000" dirty="0" err="1">
                 <a:latin typeface="Courier"/>
                 <a:cs typeface="Courier"/>
               </a:rPr>
               <a:t>SelectVariants</a:t>
             </a:r>
             <a:r>
-              <a:rPr lang="en-US" sz="2000" dirty="0" smtClean="0">
+              <a:rPr lang="en-US" sz="2000" dirty="0">
                 <a:latin typeface="Courier"/>
                 <a:cs typeface="Courier"/>
               </a:rPr>
               <a:t> \</a:t>
             </a:r>
-            <a:endParaRPr lang="en-US" sz="2000" dirty="0">
-              <a:latin typeface="Courier"/>
-              <a:cs typeface="Courier"/>
-            </a:endParaRPr>
-          </a:p>
-          <a:p>
-            <a:pPr marL="0" indent="0">
-              <a:buNone/>
-            </a:pPr>
-            <a:r>
-              <a:rPr lang="en-US" sz="2000" dirty="0" smtClean="0">
-                <a:latin typeface="Courier"/>
-                <a:cs typeface="Courier"/>
-              </a:rPr>
-              <a:t>  -</a:t>
-            </a:r>
+          </a:p>
+          <a:p>
+            <a:pPr marL="0" indent="0">
+              <a:buNone/>
+            </a:pPr>
             <a:r>
               <a:rPr lang="en-US" sz="2000" dirty="0">
                 <a:latin typeface="Courier"/>
                 <a:cs typeface="Courier"/>
               </a:rPr>
-              <a:t>R ../</a:t>
-            </a:r>
-            <a:r>
-              <a:rPr lang="en-US" sz="2000" dirty="0" smtClean="0">
-                <a:latin typeface="Courier"/>
-                <a:cs typeface="Courier"/>
-              </a:rPr>
-              <a:t>references/</a:t>
-            </a:r>
+              <a:t>  -R ../references/Ecoli_k12_MG1655.fasta \</a:t>
+            </a:r>
+          </a:p>
+          <a:p>
+            <a:pPr marL="0" indent="0">
+              <a:buNone/>
+            </a:pPr>
             <a:r>
               <a:rPr lang="en-US" sz="2000" dirty="0">
                 <a:latin typeface="Courier"/>
                 <a:cs typeface="Courier"/>
               </a:rPr>
-              <a:t>Ecoli_k12_MG1655.</a:t>
-            </a:r>
-            <a:r>
-              <a:rPr lang="en-US" sz="2000" dirty="0" smtClean="0">
-                <a:latin typeface="Courier"/>
-                <a:cs typeface="Courier"/>
-              </a:rPr>
-              <a:t>fasta \</a:t>
-            </a:r>
-            <a:endParaRPr lang="en-US" sz="2000" dirty="0">
-              <a:latin typeface="Courier"/>
-              <a:cs typeface="Courier"/>
-            </a:endParaRPr>
-          </a:p>
-          <a:p>
-            <a:pPr marL="0" indent="0">
-              <a:buNone/>
-            </a:pPr>
-            <a:r>
-              <a:rPr lang="en-US" sz="2000" dirty="0" smtClean="0">
-                <a:latin typeface="Courier"/>
-                <a:cs typeface="Courier"/>
-              </a:rPr>
-              <a:t>  -</a:t>
+              <a:t>  -V </a:t>
+            </a:r>
+            <a:r>
+              <a:rPr lang="en-US" sz="2000" dirty="0" err="1">
+                <a:latin typeface="Courier"/>
+                <a:cs typeface="Courier"/>
+              </a:rPr>
+              <a:t>variants.raw.vcf</a:t>
             </a:r>
             <a:r>
               <a:rPr lang="en-US" sz="2000" dirty="0">
                 <a:latin typeface="Courier"/>
                 <a:cs typeface="Courier"/>
               </a:rPr>
-              <a:t>V </a:t>
-            </a:r>
-            <a:r>
-              <a:rPr lang="en-US" sz="2000" dirty="0" err="1" smtClean="0">
-                <a:latin typeface="Courier"/>
-                <a:cs typeface="Courier"/>
-              </a:rPr>
-              <a:t>variants.raw.vcf</a:t>
-            </a:r>
-            <a:r>
-              <a:rPr lang="en-US" sz="2000" dirty="0" smtClean="0">
-                <a:latin typeface="Courier"/>
-                <a:cs typeface="Courier"/>
-              </a:rPr>
               <a:t> \</a:t>
             </a:r>
-            <a:endParaRPr lang="en-US" sz="2000" dirty="0">
-              <a:latin typeface="Courier"/>
-              <a:cs typeface="Courier"/>
-            </a:endParaRPr>
-          </a:p>
-          <a:p>
-            <a:pPr marL="0" indent="0">
-              <a:buNone/>
-            </a:pPr>
-            <a:r>
-              <a:rPr lang="en-US" sz="2000" dirty="0" smtClean="0">
-                <a:latin typeface="Courier"/>
-                <a:cs typeface="Courier"/>
-              </a:rPr>
-              <a:t>  -</a:t>
-            </a:r>
+          </a:p>
+          <a:p>
+            <a:pPr marL="0" indent="0">
+              <a:buNone/>
+            </a:pPr>
             <a:r>
               <a:rPr lang="en-US" sz="2000" dirty="0">
                 <a:latin typeface="Courier"/>
                 <a:cs typeface="Courier"/>
               </a:rPr>
-              <a:t>select 'QD &gt;= </a:t>
-            </a:r>
-            <a:r>
-              <a:rPr lang="en-US" sz="2000" dirty="0" smtClean="0">
+              <a:t>  -select 'QD &gt;= </a:t>
+            </a:r>
+            <a:r>
+              <a:rPr lang="en-US" sz="2000" dirty="0">
                 <a:solidFill>
                   <a:srgbClr val="FF0000"/>
                 </a:solidFill>
@@ -5767,40 +5489,26 @@
               <a:t>10.0</a:t>
             </a:r>
             <a:r>
-              <a:rPr lang="en-US" sz="2000" dirty="0" smtClean="0">
-                <a:latin typeface="Courier"/>
-                <a:cs typeface="Courier"/>
-              </a:rPr>
-              <a:t>' </a:t>
-            </a:r>
-            <a:r>
               <a:rPr lang="en-US" sz="2000" dirty="0">
                 <a:latin typeface="Courier"/>
                 <a:cs typeface="Courier"/>
               </a:rPr>
-              <a:t>\</a:t>
-            </a:r>
-          </a:p>
-          <a:p>
-            <a:pPr marL="0" indent="0">
-              <a:buNone/>
-            </a:pPr>
-            <a:r>
-              <a:rPr lang="en-US" sz="2000" dirty="0" smtClean="0">
-                <a:latin typeface="Courier"/>
-                <a:cs typeface="Courier"/>
-              </a:rPr>
-              <a:t>  -</a:t>
-            </a:r>
+              <a:t>' \</a:t>
+            </a:r>
+          </a:p>
+          <a:p>
+            <a:pPr marL="0" indent="0">
+              <a:buNone/>
+            </a:pPr>
             <a:r>
               <a:rPr lang="en-US" sz="2000" dirty="0">
                 <a:latin typeface="Courier"/>
                 <a:cs typeface="Courier"/>
               </a:rPr>
-              <a:t>select 'DP &gt;= </a:t>
-            </a:r>
-            <a:r>
-              <a:rPr lang="en-US" sz="2000" dirty="0" smtClean="0">
+              <a:t>  -select 'DP &gt;= </a:t>
+            </a:r>
+            <a:r>
+              <a:rPr lang="en-US" sz="2000" dirty="0">
                 <a:solidFill>
                   <a:srgbClr val="FF0000"/>
                 </a:solidFill>
@@ -5810,99 +5518,64 @@
               <a:t>10.0</a:t>
             </a:r>
             <a:r>
-              <a:rPr lang="en-US" sz="2000" dirty="0" smtClean="0">
-                <a:latin typeface="Courier"/>
-                <a:cs typeface="Courier"/>
-              </a:rPr>
-              <a:t>' </a:t>
-            </a:r>
-            <a:r>
               <a:rPr lang="en-US" sz="2000" dirty="0">
                 <a:latin typeface="Courier"/>
                 <a:cs typeface="Courier"/>
               </a:rPr>
-              <a:t>\</a:t>
-            </a:r>
-          </a:p>
-          <a:p>
-            <a:pPr marL="0" indent="0">
-              <a:buNone/>
-            </a:pPr>
-            <a:r>
-              <a:rPr lang="en-US" sz="2000" dirty="0" smtClean="0">
-                <a:latin typeface="Courier"/>
-                <a:cs typeface="Courier"/>
-              </a:rPr>
-              <a:t>  -</a:t>
-            </a:r>
+              <a:t>' \</a:t>
+            </a:r>
+          </a:p>
+          <a:p>
+            <a:pPr marL="0" indent="0">
+              <a:buNone/>
+            </a:pPr>
             <a:r>
               <a:rPr lang="en-US" sz="2000" dirty="0">
                 <a:latin typeface="Courier"/>
                 <a:cs typeface="Courier"/>
               </a:rPr>
-              <a:t>-</a:t>
-            </a:r>
-            <a:r>
-              <a:rPr lang="en-US" sz="2000" dirty="0" smtClean="0">
-                <a:latin typeface="Courier"/>
-                <a:cs typeface="Courier"/>
-              </a:rPr>
-              <a:t>restrict-alleles-to </a:t>
-            </a:r>
+              <a:t>  --restrict-alleles-to BIALLELIC \</a:t>
+            </a:r>
+          </a:p>
+          <a:p>
+            <a:pPr marL="0" indent="0">
+              <a:buNone/>
+            </a:pPr>
             <a:r>
               <a:rPr lang="en-US" sz="2000" dirty="0">
                 <a:latin typeface="Courier"/>
                 <a:cs typeface="Courier"/>
               </a:rPr>
-              <a:t>BIALLELIC \</a:t>
-            </a:r>
-          </a:p>
-          <a:p>
-            <a:pPr marL="0" indent="0">
-              <a:buNone/>
-            </a:pPr>
-            <a:r>
-              <a:rPr lang="en-US" sz="2000" dirty="0" smtClean="0">
-                <a:latin typeface="Courier"/>
-                <a:cs typeface="Courier"/>
-              </a:rPr>
-              <a:t>  -select-type SNP </a:t>
-            </a:r>
+              <a:t>  -select-type SNP \</a:t>
+            </a:r>
+          </a:p>
+          <a:p>
+            <a:pPr marL="0" indent="0">
+              <a:buNone/>
+            </a:pPr>
             <a:r>
               <a:rPr lang="en-US" sz="2000" dirty="0">
                 <a:latin typeface="Courier"/>
                 <a:cs typeface="Courier"/>
               </a:rPr>
-              <a:t>\</a:t>
-            </a:r>
-          </a:p>
-          <a:p>
-            <a:pPr marL="0" indent="0">
-              <a:buNone/>
-            </a:pPr>
-            <a:r>
-              <a:rPr lang="en-US" sz="2000" dirty="0" smtClean="0">
-                <a:latin typeface="Courier"/>
-                <a:cs typeface="Courier"/>
-              </a:rPr>
               <a:t>  -O </a:t>
             </a:r>
             <a:r>
-              <a:rPr lang="en-US" sz="2000" dirty="0" err="1" smtClean="0">
+              <a:rPr lang="en-US" sz="2000" dirty="0" err="1">
                 <a:latin typeface="Courier"/>
                 <a:cs typeface="Courier"/>
               </a:rPr>
               <a:t>selected.snp.vcf</a:t>
             </a:r>
             <a:r>
-              <a:rPr lang="en-US" sz="2000" dirty="0" smtClean="0">
+              <a:rPr lang="en-US" sz="2000" dirty="0">
                 <a:latin typeface="Courier"/>
                 <a:cs typeface="Courier"/>
               </a:rPr>
               <a:t> &amp;&gt;</a:t>
             </a:r>
             <a:r>
-              <a:rPr lang="en-US" sz="2000" dirty="0" err="1" smtClean="0">
+              <a:rPr lang="en-US" sz="2000" dirty="0" err="1">
                 <a:latin typeface="Courier"/>
                 <a:cs typeface="Courier"/>
               </a:rPr>
@@ -5938,7 +5611,7 @@
           <a:lstStyle/>
           <a:p>
             <a:r>
-              <a:rPr lang="en-US" b="1" dirty="0" smtClean="0">
+              <a:rPr lang="en-US" b="1" dirty="0">
                 <a:solidFill>
                   <a:srgbClr val="4F6228"/>
                 </a:solidFill>
@@ -5946,7 +5619,7 @@
               <a:t>INFO</a:t>
             </a:r>
             <a:r>
-              <a:rPr lang="en-US" dirty="0" smtClean="0"/>
+              <a:rPr lang="en-US" dirty="0"/>
               <a:t>:</a:t>
             </a:r>
           </a:p>
@@ -5981,12 +5654,8 @@
           <a:lstStyle/>
           <a:p>
             <a:r>
-              <a:rPr lang="en-US" dirty="0" smtClean="0"/>
-              <a:t>for example: QD: Variant </a:t>
-            </a:r>
-            <a:r>
               <a:rPr lang="en-US" dirty="0"/>
-              <a:t>Confidence/Quality by Depth</a:t>
+              <a:t>for example: QD: Variant Confidence/Quality by Depth</a:t>
             </a:r>
           </a:p>
         </p:txBody>
@@ -6001,13 +5670,6 @@
   <p:clrMapOvr>
     <a:masterClrMapping/>
   </p:clrMapOvr>
-  <p:timing>
-    <p:tnLst>
-      <p:par>
-        <p:cTn xmlns:p14="http://schemas.microsoft.com/office/powerpoint/2010/main" id="1" dur="indefinite" restart="never" nodeType="tmRoot"/>
-      </p:par>
-    </p:tnLst>
-  </p:timing>
 </p:sld>
 </file>
 
@@ -6044,10 +5706,9 @@
           <a:lstStyle/>
           <a:p>
             <a:r>
-              <a:rPr lang="en-US" dirty="0" smtClean="0"/>
+              <a:rPr lang="en-US" dirty="0"/>
               <a:t>VCF to table</a:t>
             </a:r>
-            <a:endParaRPr lang="en-US" dirty="0"/>
           </a:p>
         </p:txBody>
       </p:sp>
@@ -6077,14 +5738,14 @@
               <a:buNone/>
             </a:pPr>
             <a:r>
-              <a:rPr lang="en-US" dirty="0" smtClean="0">
+              <a:rPr lang="en-US" dirty="0">
                 <a:latin typeface="Courier"/>
                 <a:cs typeface="Courier"/>
               </a:rPr>
               <a:t>$</a:t>
             </a:r>
             <a:r>
-              <a:rPr lang="en-US" dirty="0" err="1" smtClean="0">
+              <a:rPr lang="en-US" dirty="0" err="1">
                 <a:latin typeface="Courier"/>
                 <a:cs typeface="Courier"/>
               </a:rPr>
@@ -6117,28 +5778,21 @@
               <a:buNone/>
             </a:pPr>
             <a:r>
-              <a:rPr lang="en-US" dirty="0" smtClean="0">
-                <a:latin typeface="Courier"/>
-                <a:cs typeface="Courier"/>
-              </a:rPr>
-              <a:t>  </a:t>
-            </a:r>
-            <a:r>
               <a:rPr lang="en-US" dirty="0">
                 <a:latin typeface="Courier"/>
                 <a:cs typeface="Courier"/>
               </a:rPr>
-              <a:t>-V </a:t>
-            </a:r>
-            <a:r>
-              <a:rPr lang="en-US" dirty="0" err="1" smtClean="0">
+              <a:t>  -V </a:t>
+            </a:r>
+            <a:r>
+              <a:rPr lang="en-US" dirty="0" err="1">
                 <a:latin typeface="Courier"/>
                 <a:cs typeface="Courier"/>
               </a:rPr>
               <a:t>selected.snp.vcf</a:t>
             </a:r>
             <a:r>
-              <a:rPr lang="en-US" dirty="0" smtClean="0">
+              <a:rPr lang="en-US" dirty="0">
                 <a:latin typeface="Courier"/>
                 <a:cs typeface="Courier"/>
               </a:rPr>
@@ -6150,65 +5804,35 @@
               <a:buNone/>
             </a:pPr>
             <a:r>
-              <a:rPr lang="en-US" dirty="0" smtClean="0">
-                <a:latin typeface="Courier"/>
-                <a:cs typeface="Courier"/>
-              </a:rPr>
-              <a:t>  -</a:t>
-            </a:r>
-            <a:r>
               <a:rPr lang="en-US" dirty="0">
                 <a:latin typeface="Courier"/>
                 <a:cs typeface="Courier"/>
               </a:rPr>
-              <a:t>R ../</a:t>
-            </a:r>
-            <a:r>
-              <a:rPr lang="en-US" dirty="0" smtClean="0">
-                <a:latin typeface="Courier"/>
-                <a:cs typeface="Courier"/>
-              </a:rPr>
-              <a:t>references/Ecoli_k12_MG1655</a:t>
-            </a:r>
+              <a:t>  -R ../references/Ecoli_k12_MG1655.fasta \</a:t>
+            </a:r>
+          </a:p>
+          <a:p>
+            <a:pPr marL="0" indent="0">
+              <a:buNone/>
+            </a:pPr>
             <a:r>
               <a:rPr lang="en-US" dirty="0">
                 <a:latin typeface="Courier"/>
                 <a:cs typeface="Courier"/>
               </a:rPr>
-              <a:t>.fasta </a:t>
-            </a:r>
-            <a:r>
-              <a:rPr lang="en-US" dirty="0" smtClean="0">
-                <a:latin typeface="Courier"/>
-                <a:cs typeface="Courier"/>
-              </a:rPr>
-              <a:t>\</a:t>
-            </a:r>
-          </a:p>
-          <a:p>
-            <a:pPr marL="0" indent="0">
-              <a:buNone/>
-            </a:pPr>
-            <a:r>
-              <a:rPr lang="en-US" dirty="0" smtClean="0">
-                <a:latin typeface="Courier"/>
-                <a:cs typeface="Courier"/>
-              </a:rPr>
-              <a:t>  -</a:t>
-            </a:r>
+              <a:t>  -F CHROM -F POS -F REF -F ALT -F AC -F AF \</a:t>
+            </a:r>
+          </a:p>
+          <a:p>
+            <a:pPr marL="0" indent="0">
+              <a:buNone/>
+            </a:pPr>
             <a:r>
               <a:rPr lang="en-US" dirty="0">
                 <a:latin typeface="Courier"/>
                 <a:cs typeface="Courier"/>
               </a:rPr>
-              <a:t>F CHROM -F POS -F REF -F ALT -F AC -F AF </a:t>
-            </a:r>
-            <a:r>
-              <a:rPr lang="en-US" dirty="0" smtClean="0">
-                <a:latin typeface="Courier"/>
-                <a:cs typeface="Courier"/>
-              </a:rPr>
-              <a:t>\</a:t>
+              <a:t>  --genotype-fields "GT" \</a:t>
             </a:r>
           </a:p>
           <a:p>
@@ -6220,40 +5844,17 @@
                 <a:latin typeface="Courier"/>
                 <a:cs typeface="Courier"/>
               </a:rPr>
-              <a:t>  --genotype-</a:t>
-            </a:r>
-            <a:r>
-              <a:rPr lang="en-US" dirty="0" smtClean="0">
-                <a:latin typeface="Courier"/>
-                <a:cs typeface="Courier"/>
-              </a:rPr>
-              <a:t>fields "GT" \</a:t>
-            </a:r>
-            <a:endParaRPr lang="en-US" dirty="0">
-              <a:latin typeface="Courier"/>
-              <a:cs typeface="Courier"/>
-            </a:endParaRPr>
-          </a:p>
-          <a:p>
-            <a:pPr marL="0" indent="0">
-              <a:buNone/>
-            </a:pPr>
-            <a:r>
-              <a:rPr lang="en-US" dirty="0" smtClean="0">
-                <a:latin typeface="Courier"/>
-                <a:cs typeface="Courier"/>
-              </a:rPr>
               <a:t>  -O </a:t>
             </a:r>
             <a:r>
-              <a:rPr lang="en-US" dirty="0" err="1" smtClean="0">
+              <a:rPr lang="en-US" dirty="0" err="1">
                 <a:latin typeface="Courier"/>
                 <a:cs typeface="Courier"/>
               </a:rPr>
               <a:t>selected.snp.txt</a:t>
             </a:r>
             <a:r>
-              <a:rPr lang="en-US" dirty="0" smtClean="0">
+              <a:rPr lang="en-US" dirty="0">
                 <a:latin typeface="Courier"/>
                 <a:cs typeface="Courier"/>
               </a:rPr>
@@ -6290,7 +5891,7 @@
               </a:lnSpc>
             </a:pPr>
             <a:r>
-              <a:rPr lang="en-US" sz="2000" dirty="0" smtClean="0">
+              <a:rPr lang="en-US" sz="2000" dirty="0">
                 <a:solidFill>
                   <a:srgbClr val="FF0000"/>
                 </a:solidFill>
@@ -6298,7 +5899,7 @@
               <a:t># Working directory: xxx/Lab08_variants</a:t>
             </a:r>
             <a:r>
-              <a:rPr lang="fr-FR" sz="2000" dirty="0" smtClean="0">
+              <a:rPr lang="fr-FR" sz="2000" dirty="0">
                 <a:solidFill>
                   <a:srgbClr val="FF0000"/>
                 </a:solidFill>
@@ -6308,7 +5909,7 @@
               <a:t>/</a:t>
             </a:r>
             <a:r>
-              <a:rPr lang="en-US" sz="2000" dirty="0" smtClean="0">
+              <a:rPr lang="en-US" sz="2000" dirty="0">
                 <a:solidFill>
                   <a:srgbClr val="FF0000"/>
                 </a:solidFill>
@@ -6343,28 +5944,20 @@
           <a:lstStyle/>
           <a:p>
             <a:r>
-              <a:rPr lang="en-US" dirty="0" smtClean="0"/>
+              <a:rPr lang="en-US" dirty="0"/>
               <a:t># Input: VCF</a:t>
             </a:r>
           </a:p>
           <a:p>
             <a:r>
-              <a:rPr lang="en-US" dirty="0" smtClean="0"/>
+              <a:rPr lang="en-US" dirty="0"/>
               <a:t># Output: a table format</a:t>
             </a:r>
           </a:p>
           <a:p>
             <a:r>
-              <a:rPr lang="en-US" dirty="0" smtClean="0"/>
-              <a:t># Fields: CHROM</a:t>
-            </a:r>
-            <a:r>
               <a:rPr lang="en-US" dirty="0"/>
-              <a:t>	POS	REF	ALT	AC	AF	DH10B.GT	MG1655.</a:t>
-            </a:r>
-            <a:r>
-              <a:rPr lang="en-US" dirty="0" smtClean="0"/>
-              <a:t>GT</a:t>
+              <a:t># Fields: CHROM	POS	REF	ALT	AC	AF	DH10B.GT	MG1655.GT</a:t>
             </a:r>
           </a:p>
           <a:p>
@@ -6375,25 +5968,11 @@
           </a:p>
           <a:p>
             <a:r>
-              <a:rPr lang="en-US" dirty="0" smtClean="0">
-                <a:latin typeface="Courier"/>
-                <a:cs typeface="Courier"/>
-              </a:rPr>
-              <a:t># AC</a:t>
-            </a:r>
-            <a:r>
               <a:rPr lang="en-US" dirty="0">
                 <a:latin typeface="Courier"/>
                 <a:cs typeface="Courier"/>
               </a:rPr>
-              <a:t>(allele counts) AF(Allele frequency</a:t>
-            </a:r>
-            <a:r>
-              <a:rPr lang="en-US" dirty="0" smtClean="0">
-                <a:latin typeface="Courier"/>
-                <a:cs typeface="Courier"/>
-              </a:rPr>
-              <a:t>) </a:t>
+              <a:t># AC(allele counts) AF(Allele frequency) </a:t>
             </a:r>
             <a:endParaRPr lang="en-US" dirty="0"/>
           </a:p>
@@ -6409,13 +5988,6 @@
   <p:clrMapOvr>
     <a:masterClrMapping/>
   </p:clrMapOvr>
-  <p:timing>
-    <p:tnLst>
-      <p:par>
-        <p:cTn xmlns:p14="http://schemas.microsoft.com/office/powerpoint/2010/main" id="1" dur="indefinite" restart="never" nodeType="tmRoot"/>
-      </p:par>
-    </p:tnLst>
-  </p:timing>
 </p:sld>
 </file>
 
@@ -6452,14 +6024,13 @@
           <a:lstStyle/>
           <a:p>
             <a:r>
-              <a:rPr lang="en-US" dirty="0" err="1" smtClean="0"/>
+              <a:rPr lang="en-US" dirty="0" err="1"/>
               <a:t>tview</a:t>
             </a:r>
             <a:r>
-              <a:rPr lang="en-US" dirty="0" smtClean="0"/>
+              <a:rPr lang="en-US" dirty="0"/>
               <a:t> to check SNPs</a:t>
             </a:r>
-            <a:endParaRPr lang="en-US" dirty="0"/>
           </a:p>
         </p:txBody>
       </p:sp>
@@ -6475,13 +6046,13 @@
         </p:nvSpPr>
         <p:spPr>
           <a:xfrm>
-            <a:off x="1239992" y="1377483"/>
-            <a:ext cx="6853772" cy="3942845"/>
+            <a:off x="756665" y="1312168"/>
+            <a:ext cx="8229599" cy="5101695"/>
           </a:xfrm>
         </p:spPr>
         <p:txBody>
           <a:bodyPr>
-            <a:normAutofit/>
+            <a:noAutofit/>
           </a:bodyPr>
           <a:lstStyle/>
           <a:p>
@@ -6489,112 +6060,63 @@
               <a:buNone/>
             </a:pPr>
             <a:r>
-              <a:rPr lang="en-US" sz="1800" dirty="0" err="1">
+              <a:rPr lang="en-US" dirty="0" err="1">
                 <a:latin typeface="Courier"/>
                 <a:cs typeface="Courier"/>
               </a:rPr>
               <a:t>samtools</a:t>
             </a:r>
             <a:r>
-              <a:rPr lang="en-US" sz="1800" dirty="0">
+              <a:rPr lang="en-US" dirty="0">
                 <a:latin typeface="Courier"/>
                 <a:cs typeface="Courier"/>
               </a:rPr>
               <a:t> </a:t>
             </a:r>
             <a:r>
-              <a:rPr lang="en-US" sz="1800" dirty="0" err="1">
+              <a:rPr lang="en-US" dirty="0" err="1">
                 <a:latin typeface="Courier"/>
                 <a:cs typeface="Courier"/>
               </a:rPr>
               <a:t>tview</a:t>
             </a:r>
             <a:r>
-              <a:rPr lang="en-US" sz="1800" dirty="0">
-                <a:latin typeface="Courier"/>
-                <a:cs typeface="Courier"/>
-              </a:rPr>
-              <a:t> </a:t>
-            </a:r>
-            <a:r>
-              <a:rPr lang="en-US" sz="1800" dirty="0" smtClean="0">
-                <a:latin typeface="Courier"/>
-                <a:cs typeface="Courier"/>
-              </a:rPr>
-              <a:t>./data/DH10B.parse.bam \</a:t>
-            </a:r>
-          </a:p>
-          <a:p>
-            <a:pPr marL="0" indent="0">
-              <a:buNone/>
-            </a:pPr>
-            <a:r>
-              <a:rPr lang="en-US" sz="1800" dirty="0" smtClean="0">
-                <a:latin typeface="Courier"/>
-                <a:cs typeface="Courier"/>
-              </a:rPr>
-              <a:t>	.</a:t>
-            </a:r>
-            <a:r>
-              <a:rPr lang="en-US" sz="1800" dirty="0">
-                <a:latin typeface="Courier"/>
-                <a:cs typeface="Courier"/>
-              </a:rPr>
-              <a:t>/</a:t>
-            </a:r>
-            <a:r>
-              <a:rPr lang="en-US" sz="1800" dirty="0" smtClean="0">
-                <a:latin typeface="Courier"/>
-                <a:cs typeface="Courier"/>
-              </a:rPr>
-              <a:t>references/</a:t>
-            </a:r>
-            <a:r>
-              <a:rPr lang="en-US" sz="1800" dirty="0">
-                <a:latin typeface="Courier"/>
-                <a:cs typeface="Courier"/>
-              </a:rPr>
-              <a:t>Ecoli_k12_MG1655.</a:t>
-            </a:r>
-            <a:r>
-              <a:rPr lang="en-US" sz="1800" dirty="0" smtClean="0">
-                <a:latin typeface="Courier"/>
-                <a:cs typeface="Courier"/>
-              </a:rPr>
-              <a:t>fasta \</a:t>
-            </a:r>
-          </a:p>
-          <a:p>
-            <a:pPr marL="0" indent="0">
-              <a:buNone/>
-            </a:pPr>
-            <a:r>
-              <a:rPr lang="en-US" sz="1800" dirty="0">
-                <a:latin typeface="Courier"/>
-                <a:cs typeface="Courier"/>
-              </a:rPr>
-              <a:t>	</a:t>
-            </a:r>
-            <a:r>
-              <a:rPr lang="en-US" sz="1800" dirty="0" smtClean="0">
-                <a:latin typeface="Courier"/>
-                <a:cs typeface="Courier"/>
-              </a:rPr>
-              <a:t>-p </a:t>
-            </a:r>
-            <a:r>
-              <a:rPr lang="en-US" sz="1800" dirty="0">
-                <a:latin typeface="Courier"/>
-                <a:cs typeface="Courier"/>
-              </a:rPr>
-              <a:t>U00096:1643679</a:t>
-            </a:r>
-          </a:p>
-          <a:p>
-            <a:pPr marL="0" indent="0">
-              <a:buNone/>
-            </a:pPr>
-            <a:endParaRPr lang="en-US" sz="1800" dirty="0" smtClean="0">
+              <a:rPr lang="en-US" dirty="0">
+                <a:latin typeface="Courier"/>
+                <a:cs typeface="Courier"/>
+              </a:rPr>
+              <a:t> ./data/DH10B.parse.bam \</a:t>
+            </a:r>
+          </a:p>
+          <a:p>
+            <a:pPr marL="0" indent="0">
+              <a:buNone/>
+            </a:pPr>
+            <a:r>
+              <a:rPr lang="en-US" dirty="0">
+                <a:latin typeface="Courier"/>
+                <a:cs typeface="Courier"/>
+              </a:rPr>
+              <a:t>	./references/Ecoli_k12_MG1655.fasta \</a:t>
+            </a:r>
+          </a:p>
+          <a:p>
+            <a:pPr marL="0" indent="0">
+              <a:buNone/>
+            </a:pPr>
+            <a:r>
+              <a:rPr lang="en-US" dirty="0">
+                <a:latin typeface="Courier"/>
+                <a:cs typeface="Courier"/>
+              </a:rPr>
+              <a:t>	-p U00096:1643679</a:t>
+            </a:r>
+          </a:p>
+          <a:p>
+            <a:pPr marL="0" indent="0">
+              <a:buNone/>
+            </a:pPr>
+            <a:endParaRPr lang="en-US" dirty="0">
               <a:latin typeface="Courier"/>
               <a:cs typeface="Courier"/>
             </a:endParaRPr>
@@ -6604,181 +6126,79 @@
               <a:buNone/>
             </a:pPr>
             <a:r>
-              <a:rPr lang="en-US" sz="1800" dirty="0" err="1" smtClean="0">
+              <a:rPr lang="en-US" dirty="0" err="1">
                 <a:latin typeface="Courier"/>
                 <a:cs typeface="Courier"/>
               </a:rPr>
               <a:t>samtools</a:t>
             </a:r>
             <a:r>
-              <a:rPr lang="en-US" sz="1800" dirty="0" smtClean="0">
+              <a:rPr lang="en-US" dirty="0">
                 <a:latin typeface="Courier"/>
                 <a:cs typeface="Courier"/>
               </a:rPr>
               <a:t> </a:t>
             </a:r>
             <a:r>
-              <a:rPr lang="en-US" sz="1800" dirty="0" err="1">
+              <a:rPr lang="en-US" dirty="0" err="1">
                 <a:latin typeface="Courier"/>
                 <a:cs typeface="Courier"/>
               </a:rPr>
               <a:t>tview</a:t>
             </a:r>
             <a:r>
-              <a:rPr lang="en-US" sz="1800" dirty="0">
-                <a:latin typeface="Courier"/>
-                <a:cs typeface="Courier"/>
-              </a:rPr>
-              <a:t> </a:t>
-            </a:r>
-            <a:r>
-              <a:rPr lang="en-US" sz="1800" dirty="0" smtClean="0">
-                <a:latin typeface="Courier"/>
-                <a:cs typeface="Courier"/>
-              </a:rPr>
-              <a:t>./</a:t>
-            </a:r>
-            <a:r>
-              <a:rPr lang="en-US" sz="1800" dirty="0">
-                <a:latin typeface="Courier"/>
-                <a:cs typeface="Courier"/>
-              </a:rPr>
-              <a:t>data</a:t>
-            </a:r>
-            <a:r>
-              <a:rPr lang="en-US" sz="1800" dirty="0" smtClean="0">
-                <a:latin typeface="Courier"/>
-                <a:cs typeface="Courier"/>
-              </a:rPr>
-              <a:t>/</a:t>
-            </a:r>
-            <a:r>
-              <a:rPr lang="en-US" sz="1800" dirty="0">
-                <a:latin typeface="Courier"/>
-                <a:cs typeface="Courier"/>
-              </a:rPr>
-              <a:t>MG1655</a:t>
-            </a:r>
-            <a:r>
-              <a:rPr lang="en-US" sz="1800" dirty="0" smtClean="0">
-                <a:latin typeface="Courier"/>
-                <a:cs typeface="Courier"/>
-              </a:rPr>
-              <a:t>.</a:t>
-            </a:r>
-            <a:r>
-              <a:rPr lang="en-US" sz="1800" dirty="0">
-                <a:latin typeface="Courier"/>
-                <a:cs typeface="Courier"/>
-              </a:rPr>
-              <a:t>parse.bam </a:t>
-            </a:r>
-            <a:r>
-              <a:rPr lang="en-US" sz="1800" dirty="0" smtClean="0">
-                <a:latin typeface="Courier"/>
-                <a:cs typeface="Courier"/>
-              </a:rPr>
-              <a:t>\</a:t>
-            </a:r>
-          </a:p>
-          <a:p>
-            <a:pPr marL="0" indent="0">
-              <a:buNone/>
-            </a:pPr>
-            <a:r>
-              <a:rPr lang="en-US" sz="1800" dirty="0">
-                <a:latin typeface="Courier"/>
-                <a:cs typeface="Courier"/>
-              </a:rPr>
-              <a:t>	</a:t>
-            </a:r>
-            <a:r>
-              <a:rPr lang="en-US" sz="1800" dirty="0" smtClean="0">
-                <a:latin typeface="Courier"/>
-                <a:cs typeface="Courier"/>
-              </a:rPr>
-              <a:t>.</a:t>
-            </a:r>
-            <a:r>
-              <a:rPr lang="en-US" sz="1800" dirty="0">
-                <a:latin typeface="Courier"/>
-                <a:cs typeface="Courier"/>
-              </a:rPr>
-              <a:t>/</a:t>
-            </a:r>
-            <a:r>
-              <a:rPr lang="en-US" sz="1800" dirty="0" smtClean="0">
-                <a:latin typeface="Courier"/>
-                <a:cs typeface="Courier"/>
-              </a:rPr>
-              <a:t>references/</a:t>
-            </a:r>
-            <a:r>
-              <a:rPr lang="en-US" sz="1800" dirty="0">
-                <a:latin typeface="Courier"/>
-                <a:cs typeface="Courier"/>
-              </a:rPr>
-              <a:t>Ecoli_k12_MG1655.</a:t>
-            </a:r>
-            <a:r>
-              <a:rPr lang="en-US" sz="1800" dirty="0" smtClean="0">
-                <a:latin typeface="Courier"/>
-                <a:cs typeface="Courier"/>
-              </a:rPr>
-              <a:t>fasta \</a:t>
-            </a:r>
-          </a:p>
-          <a:p>
-            <a:pPr marL="0" indent="0">
-              <a:buNone/>
-            </a:pPr>
-            <a:r>
-              <a:rPr lang="en-US" sz="1800" dirty="0">
-                <a:latin typeface="Courier"/>
-                <a:cs typeface="Courier"/>
-              </a:rPr>
-              <a:t>	</a:t>
-            </a:r>
-            <a:r>
-              <a:rPr lang="en-US" sz="1800" dirty="0" smtClean="0">
-                <a:latin typeface="Courier"/>
-                <a:cs typeface="Courier"/>
-              </a:rPr>
-              <a:t>-p </a:t>
-            </a:r>
-            <a:r>
-              <a:rPr lang="en-US" sz="1800" dirty="0">
-                <a:latin typeface="Courier"/>
-                <a:cs typeface="Courier"/>
-              </a:rPr>
-              <a:t>U00096:1643679</a:t>
-            </a:r>
-          </a:p>
-          <a:p>
-            <a:endParaRPr lang="en-US" sz="1800" dirty="0" smtClean="0">
+              <a:rPr lang="en-US" dirty="0">
+                <a:latin typeface="Courier"/>
+                <a:cs typeface="Courier"/>
+              </a:rPr>
+              <a:t> ./data/MG1655.parse.bam \</a:t>
+            </a:r>
+          </a:p>
+          <a:p>
+            <a:pPr marL="0" indent="0">
+              <a:buNone/>
+            </a:pPr>
+            <a:r>
+              <a:rPr lang="en-US" dirty="0">
+                <a:latin typeface="Courier"/>
+                <a:cs typeface="Courier"/>
+              </a:rPr>
+              <a:t>	./references/Ecoli_k12_MG1655.fasta \</a:t>
+            </a:r>
+          </a:p>
+          <a:p>
+            <a:pPr marL="0" indent="0">
+              <a:buNone/>
+            </a:pPr>
+            <a:r>
+              <a:rPr lang="en-US" dirty="0">
+                <a:latin typeface="Courier"/>
+                <a:cs typeface="Courier"/>
+              </a:rPr>
+              <a:t>	-p U00096:1643679</a:t>
+            </a:r>
+          </a:p>
+          <a:p>
+            <a:endParaRPr lang="en-US" dirty="0">
               <a:latin typeface="Courier"/>
               <a:cs typeface="Courier"/>
             </a:endParaRPr>
           </a:p>
           <a:p>
             <a:r>
-              <a:rPr lang="en-US" sz="1800" dirty="0" smtClean="0">
+              <a:rPr lang="en-US" dirty="0">
                 <a:latin typeface="Courier"/>
                 <a:cs typeface="Courier"/>
               </a:rPr>
               <a:t>try  more sites:</a:t>
             </a:r>
-            <a:endParaRPr lang="en-US" sz="1800" dirty="0">
-              <a:latin typeface="Courier"/>
-              <a:cs typeface="Courier"/>
-            </a:endParaRPr>
-          </a:p>
-          <a:p>
-            <a:pPr marL="0" indent="0">
-              <a:buNone/>
-            </a:pPr>
-            <a:r>
-              <a:rPr lang="en-US" sz="1800" dirty="0">
+          </a:p>
+          <a:p>
+            <a:pPr marL="0" indent="0">
+              <a:buNone/>
+            </a:pPr>
+            <a:r>
+              <a:rPr lang="en-US" dirty="0">
                 <a:latin typeface="Courier"/>
                 <a:cs typeface="Courier"/>
               </a:rPr>
@@ -6790,23 +6210,12 @@
               <a:buNone/>
             </a:pPr>
             <a:r>
-              <a:rPr lang="en-US" sz="1800" dirty="0">
-                <a:latin typeface="Courier"/>
-                <a:cs typeface="Courier"/>
-              </a:rPr>
-              <a:t>2. U00096:</a:t>
-            </a:r>
-            <a:r>
-              <a:rPr lang="en-US" sz="1800" dirty="0" smtClean="0">
-                <a:latin typeface="Courier"/>
-                <a:cs typeface="Courier"/>
-              </a:rPr>
-              <a:t>4296380</a:t>
-            </a:r>
-            <a:endParaRPr lang="en-US" sz="1800" dirty="0">
-              <a:latin typeface="Courier"/>
-              <a:cs typeface="Courier"/>
-            </a:endParaRPr>
+              <a:rPr lang="en-US" dirty="0">
+                <a:latin typeface="Courier"/>
+                <a:cs typeface="Courier"/>
+              </a:rPr>
+              <a:t>2. U00096:4296380</a:t>
+            </a:r>
           </a:p>
         </p:txBody>
       </p:sp>
@@ -6820,13 +6229,6 @@
   <p:clrMapOvr>
     <a:masterClrMapping/>
   </p:clrMapOvr>
-  <p:timing>
-    <p:tnLst>
-      <p:par>
-        <p:cTn xmlns:p14="http://schemas.microsoft.com/office/powerpoint/2010/main" id="1" dur="indefinite" restart="never" nodeType="tmRoot"/>
-      </p:par>
-    </p:tnLst>
-  </p:timing>
 </p:sld>
 </file>
 
@@ -6863,19 +6265,19 @@
           <a:lstStyle/>
           <a:p>
             <a:r>
-              <a:rPr lang="en-US" dirty="0" smtClean="0"/>
+              <a:rPr lang="en-US" dirty="0"/>
               <a:t>use </a:t>
             </a:r>
             <a:r>
-              <a:rPr lang="en-US" dirty="0" err="1" smtClean="0"/>
+              <a:rPr lang="en-US" dirty="0" err="1"/>
               <a:t>Beocat</a:t>
             </a:r>
             <a:r>
-              <a:rPr lang="en-US" dirty="0" smtClean="0"/>
+              <a:rPr lang="en-US" dirty="0"/>
               <a:t> version's </a:t>
             </a:r>
             <a:r>
-              <a:rPr lang="en-US" dirty="0" err="1" smtClean="0"/>
+              <a:rPr lang="en-US" dirty="0" err="1"/>
               <a:t>samtools</a:t>
             </a:r>
             <a:endParaRPr lang="en-US" dirty="0"/>
@@ -6894,44 +6296,34 @@
         </p:nvSpPr>
         <p:spPr>
           <a:xfrm>
-            <a:off x="290091" y="1340914"/>
-            <a:ext cx="8483136" cy="3277645"/>
+            <a:off x="117566" y="1340914"/>
+            <a:ext cx="8655661" cy="3277645"/>
           </a:xfrm>
         </p:spPr>
         <p:txBody>
-          <a:bodyPr/>
-          <a:lstStyle/>
-          <a:p>
-            <a:pPr marL="0" indent="0">
-              <a:buNone/>
-            </a:pPr>
-            <a:r>
-              <a:rPr lang="en-US" dirty="0">
-                <a:latin typeface="Courier"/>
-                <a:cs typeface="Courier"/>
-              </a:rPr>
-              <a:t>module load  </a:t>
-            </a:r>
-            <a:r>
-              <a:rPr lang="en-US" dirty="0" err="1">
+          <a:bodyPr>
+            <a:noAutofit/>
+          </a:bodyPr>
+          <a:lstStyle/>
+          <a:p>
+            <a:pPr marL="0" indent="0">
+              <a:buNone/>
+            </a:pPr>
+            <a:r>
+              <a:rPr lang="en-US" sz="2800" dirty="0">
+                <a:latin typeface="Courier"/>
+                <a:cs typeface="Courier"/>
+              </a:rPr>
+              <a:t>module load </a:t>
+            </a:r>
+            <a:r>
+              <a:rPr lang="en-US" sz="2800" dirty="0" err="1">
                 <a:latin typeface="Courier"/>
                 <a:cs typeface="Courier"/>
               </a:rPr>
               <a:t>SAMtools</a:t>
             </a:r>
-            <a:r>
-              <a:rPr lang="en-US" dirty="0">
-                <a:latin typeface="Courier"/>
-                <a:cs typeface="Courier"/>
-              </a:rPr>
-              <a:t>/1.8-foss-2017beocatb</a:t>
-            </a:r>
-          </a:p>
-          <a:p>
-            <a:pPr marL="0" indent="0">
-              <a:buNone/>
-            </a:pPr>
-            <a:endParaRPr lang="en-US" sz="1600" dirty="0" smtClean="0">
+            <a:endParaRPr lang="en-US" sz="2800" dirty="0">
               <a:latin typeface="Courier"/>
               <a:cs typeface="Courier"/>
             </a:endParaRPr>
@@ -6940,56 +6332,7 @@
             <a:pPr marL="0" indent="0">
               <a:buNone/>
             </a:pPr>
-            <a:r>
-              <a:rPr lang="en-US" sz="1600" dirty="0" err="1" smtClean="0">
-                <a:latin typeface="Courier"/>
-                <a:cs typeface="Courier"/>
-              </a:rPr>
-              <a:t>st</a:t>
-            </a:r>
-            <a:r>
-              <a:rPr lang="en-US" sz="1600" dirty="0">
-                <a:latin typeface="Courier"/>
-                <a:cs typeface="Courier"/>
-              </a:rPr>
-              <a:t>=</a:t>
-            </a:r>
-            <a:r>
-              <a:rPr lang="en-US" sz="1600" dirty="0" smtClean="0">
-                <a:latin typeface="Courier"/>
-                <a:cs typeface="Courier"/>
-              </a:rPr>
-              <a:t>/</a:t>
-            </a:r>
-            <a:r>
-              <a:rPr lang="en-US" sz="1600" dirty="0">
-                <a:latin typeface="Courier"/>
-                <a:cs typeface="Courier"/>
-              </a:rPr>
-              <a:t>opt/software/software/</a:t>
-            </a:r>
-            <a:r>
-              <a:rPr lang="en-US" sz="1600" dirty="0" err="1">
-                <a:latin typeface="Courier"/>
-                <a:cs typeface="Courier"/>
-              </a:rPr>
-              <a:t>SAMtools</a:t>
-            </a:r>
-            <a:r>
-              <a:rPr lang="en-US" sz="1600" dirty="0">
-                <a:latin typeface="Courier"/>
-                <a:cs typeface="Courier"/>
-              </a:rPr>
-              <a:t>/1.8-foss-2017beocatb/bin/</a:t>
-            </a:r>
-            <a:r>
-              <a:rPr lang="en-US" sz="1600" dirty="0" err="1" smtClean="0">
-                <a:latin typeface="Courier"/>
-                <a:cs typeface="Courier"/>
-              </a:rPr>
-              <a:t>samtools</a:t>
-            </a:r>
-            <a:endParaRPr lang="en-US" sz="1600" dirty="0" smtClean="0">
+            <a:endParaRPr lang="en-US" sz="2800" dirty="0">
               <a:latin typeface="Courier"/>
               <a:cs typeface="Courier"/>
             </a:endParaRPr>
@@ -6998,7 +6341,21 @@
             <a:pPr marL="0" indent="0">
               <a:buNone/>
             </a:pPr>
-            <a:endParaRPr lang="en-US" sz="1600" dirty="0" smtClean="0">
+            <a:r>
+              <a:rPr lang="en-US" sz="2800" dirty="0">
+                <a:latin typeface="Courier"/>
+                <a:cs typeface="Courier"/>
+              </a:rPr>
+              <a:t># </a:t>
+            </a:r>
+            <a:r>
+              <a:rPr lang="en-US" sz="2800" dirty="0" err="1">
+                <a:latin typeface="Courier"/>
+                <a:cs typeface="Courier"/>
+              </a:rPr>
+              <a:t>tview</a:t>
+            </a:r>
+            <a:endParaRPr lang="en-US" sz="2800" dirty="0">
               <a:latin typeface="Courier"/>
               <a:cs typeface="Courier"/>
             </a:endParaRPr>
@@ -7008,77 +6365,40 @@
               <a:buNone/>
             </a:pPr>
             <a:r>
-              <a:rPr lang="en-US" sz="1600" dirty="0" smtClean="0">
-                <a:latin typeface="Courier"/>
-                <a:cs typeface="Courier"/>
-              </a:rPr>
-              <a:t># </a:t>
-            </a:r>
-            <a:r>
-              <a:rPr lang="en-US" sz="1600" dirty="0" err="1" smtClean="0">
+              <a:rPr lang="en-US" sz="2800" dirty="0" err="1">
+                <a:latin typeface="Courier"/>
+                <a:cs typeface="Courier"/>
+              </a:rPr>
+              <a:t>samtools</a:t>
+            </a:r>
+            <a:r>
+              <a:rPr lang="en-US" sz="2800" dirty="0">
+                <a:latin typeface="Courier"/>
+                <a:cs typeface="Courier"/>
+              </a:rPr>
+              <a:t> </a:t>
+            </a:r>
+            <a:r>
+              <a:rPr lang="en-US" sz="2800" dirty="0" err="1">
                 <a:latin typeface="Courier"/>
                 <a:cs typeface="Courier"/>
               </a:rPr>
               <a:t>tview</a:t>
             </a:r>
-            <a:endParaRPr lang="en-US" sz="1600" dirty="0">
-              <a:latin typeface="Courier"/>
-              <a:cs typeface="Courier"/>
-            </a:endParaRPr>
-          </a:p>
-          <a:p>
-            <a:pPr marL="0" indent="0">
-              <a:buNone/>
-            </a:pPr>
-            <a:r>
-              <a:rPr lang="en-US" dirty="0" smtClean="0">
-                <a:latin typeface="Courier"/>
-                <a:cs typeface="Courier"/>
-              </a:rPr>
-              <a:t>$</a:t>
-            </a:r>
-            <a:r>
-              <a:rPr lang="en-US" dirty="0" err="1" smtClean="0">
-                <a:latin typeface="Courier"/>
-                <a:cs typeface="Courier"/>
-              </a:rPr>
-              <a:t>st</a:t>
-            </a:r>
-            <a:r>
-              <a:rPr lang="en-US" dirty="0" smtClean="0">
-                <a:latin typeface="Courier"/>
-                <a:cs typeface="Courier"/>
-              </a:rPr>
-              <a:t> </a:t>
-            </a:r>
-            <a:r>
-              <a:rPr lang="en-US" dirty="0" err="1" smtClean="0">
-                <a:latin typeface="Courier"/>
-                <a:cs typeface="Courier"/>
-              </a:rPr>
-              <a:t>tview</a:t>
-            </a:r>
-            <a:r>
-              <a:rPr lang="en-US" dirty="0" smtClean="0">
-                <a:latin typeface="Courier"/>
-                <a:cs typeface="Courier"/>
-              </a:rPr>
-              <a:t> </a:t>
-            </a:r>
-            <a:r>
-              <a:rPr lang="en-US" dirty="0">
-                <a:latin typeface="Courier"/>
-                <a:cs typeface="Courier"/>
-              </a:rPr>
-              <a:t>./data/DH10B.parse.bam \</a:t>
-            </a:r>
-          </a:p>
-          <a:p>
-            <a:pPr marL="0" indent="0">
-              <a:buNone/>
-            </a:pPr>
-            <a:r>
-              <a:rPr lang="en-US" dirty="0">
+            <a:r>
+              <a:rPr lang="en-US" sz="2800" dirty="0">
+                <a:latin typeface="Courier"/>
+                <a:cs typeface="Courier"/>
+              </a:rPr>
+              <a:t> ./data/DH10B.parse.bam \</a:t>
+            </a:r>
+          </a:p>
+          <a:p>
+            <a:pPr marL="0" indent="0">
+              <a:buNone/>
+            </a:pPr>
+            <a:r>
+              <a:rPr lang="en-US" sz="2800" dirty="0">
                 <a:latin typeface="Courier"/>
                 <a:cs typeface="Courier"/>
               </a:rPr>
@@ -7090,7 +6410,7 @@
               <a:buNone/>
             </a:pPr>
             <a:r>
-              <a:rPr lang="en-US" dirty="0">
+              <a:rPr lang="en-US" sz="2800" dirty="0">
                 <a:latin typeface="Courier"/>
                 <a:cs typeface="Courier"/>
               </a:rPr>
@@ -7101,7 +6421,7 @@
             <a:pPr marL="0" indent="0">
               <a:buNone/>
             </a:pPr>
-            <a:endParaRPr lang="en-US" sz="1600" dirty="0">
+            <a:endParaRPr lang="en-US" sz="2800" dirty="0">
               <a:latin typeface="Courier"/>
               <a:cs typeface="Courier"/>
             </a:endParaRPr>
@@ -7118,13 +6438,6 @@
   <p:clrMapOvr>
     <a:masterClrMapping/>
   </p:clrMapOvr>
-  <p:timing>
-    <p:tnLst>
-      <p:par>
-        <p:cTn xmlns:p14="http://schemas.microsoft.com/office/powerpoint/2010/main" id="1" dur="indefinite" restart="never" nodeType="tmRoot"/>
-      </p:par>
-    </p:tnLst>
-  </p:timing>
 </p:sld>
 </file>
 
@@ -7161,10 +6474,9 @@
           <a:lstStyle/>
           <a:p>
             <a:r>
-              <a:rPr lang="en-US" dirty="0" smtClean="0"/>
+              <a:rPr lang="en-US" dirty="0"/>
               <a:t>IGV installation</a:t>
             </a:r>
-            <a:endParaRPr lang="en-US" dirty="0"/>
           </a:p>
         </p:txBody>
       </p:sp>
@@ -7189,7 +6501,7 @@
           <a:lstStyle/>
           <a:p>
             <a:r>
-              <a:rPr lang="en-US" dirty="0" smtClean="0"/>
+              <a:rPr lang="en-US" dirty="0"/>
               <a:t>Download the software:</a:t>
             </a:r>
           </a:p>
@@ -7198,12 +6510,8 @@
               <a:buNone/>
             </a:pPr>
             <a:r>
-              <a:rPr lang="en-US" dirty="0" smtClean="0"/>
-              <a:t>https</a:t>
-            </a:r>
-            <a:r>
               <a:rPr lang="en-US" dirty="0"/>
-              <a:t>://</a:t>
+              <a:t>https://</a:t>
             </a:r>
             <a:r>
               <a:rPr lang="en-US" dirty="0" err="1"/>
@@ -7219,11 +6527,7 @@
             </a:r>
             <a:r>
               <a:rPr lang="en-US" dirty="0"/>
-              <a:t>/</a:t>
-            </a:r>
-            <a:r>
-              <a:rPr lang="en-US" dirty="0" smtClean="0"/>
-              <a:t>download</a:t>
+              <a:t>/download</a:t>
             </a:r>
           </a:p>
           <a:p>
@@ -7249,7 +6553,7 @@
         <p:spPr>
           <a:xfrm>
             <a:off x="557465" y="2999722"/>
-            <a:ext cx="5109091" cy="2146228"/>
+            <a:ext cx="8229600" cy="2146228"/>
           </a:xfrm>
           <a:prstGeom prst="rect">
             <a:avLst/>
@@ -7257,7 +6561,7 @@
           <a:noFill/>
         </p:spPr>
         <p:txBody>
-          <a:bodyPr wrap="none" rtlCol="0">
+          <a:bodyPr wrap="square" rtlCol="0">
             <a:spAutoFit/>
           </a:bodyPr>
           <a:lstStyle/>
@@ -7285,7 +6589,7 @@
               </a:lnSpc>
             </a:pPr>
             <a:r>
-              <a:rPr lang="en-US" sz="2800" dirty="0" smtClean="0"/>
+              <a:rPr lang="en-US" sz="2800" dirty="0"/>
               <a:t>- reference genome</a:t>
             </a:r>
           </a:p>
@@ -7296,15 +6600,15 @@
               </a:lnSpc>
             </a:pPr>
             <a:r>
-              <a:rPr lang="en-US" sz="2800" dirty="0" smtClean="0"/>
+              <a:rPr lang="en-US" sz="2800" dirty="0"/>
               <a:t>- bam (</a:t>
             </a:r>
             <a:r>
-              <a:rPr lang="en-US" sz="2800" dirty="0" err="1" smtClean="0"/>
+              <a:rPr lang="en-US" sz="2800" dirty="0" err="1"/>
               <a:t>bam.bai</a:t>
             </a:r>
             <a:r>
-              <a:rPr lang="en-US" sz="2800" dirty="0" smtClean="0"/>
+              <a:rPr lang="en-US" sz="2800" dirty="0"/>
               <a:t>) files</a:t>
             </a:r>
           </a:p>
@@ -7315,18 +6619,17 @@
               </a:lnSpc>
             </a:pPr>
             <a:r>
-              <a:rPr lang="en-US" sz="2800" dirty="0" smtClean="0"/>
+              <a:rPr lang="en-US" sz="2800" dirty="0"/>
               <a:t>- </a:t>
             </a:r>
             <a:r>
-              <a:rPr lang="en-US" sz="2800" dirty="0" err="1" smtClean="0"/>
+              <a:rPr lang="en-US" sz="2800" dirty="0" err="1"/>
               <a:t>vcf</a:t>
             </a:r>
             <a:r>
-              <a:rPr lang="en-US" sz="2800" dirty="0" smtClean="0"/>
+              <a:rPr lang="en-US" sz="2800" dirty="0"/>
               <a:t> files</a:t>
             </a:r>
-            <a:endParaRPr lang="en-US" sz="2800" dirty="0"/>
           </a:p>
         </p:txBody>
       </p:sp>
@@ -7340,13 +6643,6 @@
   <p:clrMapOvr>
     <a:masterClrMapping/>
   </p:clrMapOvr>
-  <p:timing>
-    <p:tnLst>
-      <p:par>
-        <p:cTn xmlns:p14="http://schemas.microsoft.com/office/powerpoint/2010/main" id="1" dur="indefinite" restart="never" nodeType="tmRoot"/>
-      </p:par>
-    </p:tnLst>
-  </p:timing>
 </p:sld>
 </file>
 
@@ -7383,10 +6679,9 @@
           <a:lstStyle/>
           <a:p>
             <a:r>
-              <a:rPr lang="en-US" dirty="0" smtClean="0"/>
+              <a:rPr lang="en-US" dirty="0"/>
               <a:t>IGV to check SNPs</a:t>
             </a:r>
-            <a:endParaRPr lang="en-US" dirty="0"/>
           </a:p>
         </p:txBody>
       </p:sp>
@@ -7443,18 +6738,17 @@
           <a:lstStyle/>
           <a:p>
             <a:r>
-              <a:rPr lang="en-US" dirty="0" smtClean="0"/>
+              <a:rPr lang="en-US" dirty="0"/>
               <a:t>U00096:xxxxxx U00096: </a:t>
             </a:r>
             <a:r>
-              <a:rPr lang="en-US" dirty="0" err="1" smtClean="0"/>
+              <a:rPr lang="en-US" dirty="0" err="1"/>
               <a:t>xxxxxxx</a:t>
             </a:r>
             <a:r>
-              <a:rPr lang="en-US" dirty="0" smtClean="0"/>
+              <a:rPr lang="en-US" dirty="0"/>
               <a:t> (separated by a blank space)</a:t>
             </a:r>
-            <a:endParaRPr lang="en-US" dirty="0"/>
           </a:p>
         </p:txBody>
       </p:sp>
@@ -7468,13 +6762,6 @@
   <p:clrMapOvr>
     <a:masterClrMapping/>
   </p:clrMapOvr>
-  <p:timing>
-    <p:tnLst>
-      <p:par>
-        <p:cTn xmlns:p14="http://schemas.microsoft.com/office/powerpoint/2010/main" id="1" dur="indefinite" restart="never" nodeType="tmRoot"/>
-      </p:par>
-    </p:tnLst>
-  </p:timing>
 </p:sld>
 </file>
 
@@ -7516,10 +6803,9 @@
           <a:lstStyle/>
           <a:p>
             <a:r>
-              <a:rPr lang="en-US" dirty="0" smtClean="0"/>
+              <a:rPr lang="en-US" dirty="0"/>
               <a:t>Goal of today’s lab</a:t>
             </a:r>
-            <a:endParaRPr lang="en-US" dirty="0"/>
           </a:p>
         </p:txBody>
       </p:sp>
@@ -7546,36 +6832,28 @@
           <a:lstStyle/>
           <a:p>
             <a:r>
-              <a:rPr lang="en-US" sz="2800" dirty="0" smtClean="0"/>
+              <a:rPr lang="en-US" sz="2800" dirty="0"/>
               <a:t>GATK: variant discovery</a:t>
             </a:r>
           </a:p>
           <a:p>
             <a:r>
-              <a:rPr lang="en-US" sz="2800" dirty="0" err="1" smtClean="0"/>
+              <a:rPr lang="en-US" sz="2800" dirty="0" err="1"/>
               <a:t>tview</a:t>
             </a:r>
             <a:r>
-              <a:rPr lang="en-US" sz="2800" dirty="0" smtClean="0"/>
+              <a:rPr lang="en-US" sz="2800" dirty="0"/>
               <a:t> to visualize variants</a:t>
             </a:r>
           </a:p>
           <a:p>
             <a:r>
-              <a:rPr lang="en-US" sz="2800" dirty="0" err="1" smtClean="0"/>
+              <a:rPr lang="en-US" sz="2800" dirty="0" err="1"/>
               <a:t>Cyberduck</a:t>
             </a:r>
             <a:r>
-              <a:rPr lang="en-US" sz="2800" dirty="0" smtClean="0"/>
-              <a:t> </a:t>
-            </a:r>
-            <a:r>
               <a:rPr lang="en-US" sz="2800" dirty="0"/>
-              <a:t>for data </a:t>
-            </a:r>
-            <a:r>
-              <a:rPr lang="en-US" sz="2800" dirty="0" smtClean="0"/>
-              <a:t>transferring</a:t>
+              <a:t> for data transferring</a:t>
             </a:r>
           </a:p>
           <a:p>
@@ -7588,7 +6866,7 @@
             <a:endParaRPr lang="en-US" sz="2800" dirty="0"/>
           </a:p>
           <a:p>
-            <a:endParaRPr lang="en-US" sz="2800" dirty="0" smtClean="0"/>
+            <a:endParaRPr lang="en-US" sz="2800" dirty="0"/>
           </a:p>
         </p:txBody>
       </p:sp>
@@ -7602,13 +6880,6 @@
   <p:clrMapOvr>
     <a:masterClrMapping/>
   </p:clrMapOvr>
-  <p:timing>
-    <p:tnLst>
-      <p:par>
-        <p:cTn xmlns:p14="http://schemas.microsoft.com/office/powerpoint/2010/main" id="1" dur="indefinite" restart="never" nodeType="tmRoot"/>
-      </p:par>
-    </p:tnLst>
-  </p:timing>
 </p:sld>
 </file>
 
@@ -7645,10 +6916,9 @@
           <a:lstStyle/>
           <a:p>
             <a:r>
-              <a:rPr lang="en-US" dirty="0" smtClean="0"/>
+              <a:rPr lang="en-US" dirty="0"/>
               <a:t>directories</a:t>
             </a:r>
-            <a:endParaRPr lang="en-US" dirty="0"/>
           </a:p>
         </p:txBody>
       </p:sp>
@@ -7681,23 +6951,23 @@
               <a:buNone/>
             </a:pPr>
             <a:r>
-              <a:rPr lang="fr-FR" dirty="0" smtClean="0"/>
+              <a:rPr lang="fr-FR" dirty="0"/>
               <a:t># </a:t>
             </a:r>
             <a:r>
-              <a:rPr lang="fr-FR" dirty="0" err="1" smtClean="0"/>
+              <a:rPr lang="fr-FR" dirty="0" err="1"/>
               <a:t>create</a:t>
             </a:r>
             <a:r>
-              <a:rPr lang="fr-FR" dirty="0" smtClean="0"/>
+              <a:rPr lang="fr-FR" dirty="0"/>
               <a:t> a new directory for </a:t>
             </a:r>
             <a:r>
-              <a:rPr lang="fr-FR" dirty="0" err="1" smtClean="0"/>
+              <a:rPr lang="fr-FR" dirty="0" err="1"/>
               <a:t>today's</a:t>
             </a:r>
             <a:r>
-              <a:rPr lang="fr-FR" dirty="0" smtClean="0"/>
+              <a:rPr lang="fr-FR" dirty="0"/>
               <a:t> practice</a:t>
             </a:r>
           </a:p>
@@ -7709,21 +6979,21 @@
               <a:buNone/>
             </a:pPr>
             <a:r>
-              <a:rPr lang="fr-FR" dirty="0" err="1" smtClean="0">
+              <a:rPr lang="fr-FR" dirty="0" err="1">
                 <a:latin typeface="Courier"/>
                 <a:cs typeface="Courier"/>
               </a:rPr>
               <a:t>mkdir</a:t>
             </a:r>
             <a:r>
-              <a:rPr lang="fr-FR" dirty="0" smtClean="0">
+              <a:rPr lang="fr-FR" dirty="0">
                 <a:latin typeface="Courier"/>
                 <a:cs typeface="Courier"/>
               </a:rPr>
               <a:t> </a:t>
             </a:r>
             <a:r>
-              <a:rPr lang="en-US" dirty="0" smtClean="0"/>
+              <a:rPr lang="en-US" dirty="0"/>
               <a:t>Lab08_variants</a:t>
             </a:r>
           </a:p>
@@ -7735,7 +7005,7 @@
               <a:buNone/>
             </a:pPr>
             <a:r>
-              <a:rPr lang="fr-FR" dirty="0" smtClean="0">
+              <a:rPr lang="fr-FR" dirty="0">
                 <a:latin typeface="Courier"/>
                 <a:cs typeface="Courier"/>
               </a:rPr>
@@ -7745,7 +7015,7 @@
               <a:rPr lang="en-US" dirty="0"/>
               <a:t>Lab08_variants</a:t>
             </a:r>
-            <a:endParaRPr lang="fr-FR" dirty="0" smtClean="0">
+            <a:endParaRPr lang="fr-FR" dirty="0">
               <a:latin typeface="Courier"/>
               <a:cs typeface="Courier"/>
             </a:endParaRPr>
@@ -7758,14 +7028,14 @@
               <a:buNone/>
             </a:pPr>
             <a:r>
-              <a:rPr lang="en-US" dirty="0" err="1" smtClean="0">
+              <a:rPr lang="en-US" dirty="0" err="1">
                 <a:latin typeface="Courier"/>
                 <a:cs typeface="Courier"/>
               </a:rPr>
               <a:t>mkdir</a:t>
             </a:r>
             <a:r>
-              <a:rPr lang="en-US" dirty="0" smtClean="0">
+              <a:rPr lang="en-US" dirty="0">
                 <a:latin typeface="Courier"/>
                 <a:cs typeface="Courier"/>
               </a:rPr>
@@ -7780,14 +7050,14 @@
               <a:buNone/>
             </a:pPr>
             <a:r>
-              <a:rPr lang="en-US" dirty="0" err="1" smtClean="0">
+              <a:rPr lang="en-US" dirty="0" err="1">
                 <a:latin typeface="Courier"/>
                 <a:cs typeface="Courier"/>
               </a:rPr>
               <a:t>mkdir</a:t>
             </a:r>
             <a:r>
-              <a:rPr lang="en-US" dirty="0" smtClean="0">
+              <a:rPr lang="en-US" dirty="0">
                 <a:latin typeface="Courier"/>
                 <a:cs typeface="Courier"/>
               </a:rPr>
@@ -7802,14 +7072,14 @@
               <a:buNone/>
             </a:pPr>
             <a:r>
-              <a:rPr lang="en-US" dirty="0" err="1" smtClean="0">
+              <a:rPr lang="en-US" dirty="0" err="1">
                 <a:latin typeface="Courier"/>
                 <a:cs typeface="Courier"/>
               </a:rPr>
               <a:t>mkdir</a:t>
             </a:r>
             <a:r>
-              <a:rPr lang="en-US" dirty="0" smtClean="0">
+              <a:rPr lang="en-US" dirty="0">
                 <a:latin typeface="Courier"/>
                 <a:cs typeface="Courier"/>
               </a:rPr>
@@ -7823,7 +7093,7 @@
               </a:lnSpc>
               <a:buNone/>
             </a:pPr>
-            <a:endParaRPr lang="en-US" dirty="0" smtClean="0">
+            <a:endParaRPr lang="en-US" dirty="0">
               <a:latin typeface="Courier"/>
               <a:cs typeface="Courier"/>
             </a:endParaRPr>
@@ -7840,13 +7110,6 @@
   <p:clrMapOvr>
     <a:masterClrMapping/>
   </p:clrMapOvr>
-  <p:timing>
-    <p:tnLst>
-      <p:par>
-        <p:cTn xmlns:p14="http://schemas.microsoft.com/office/powerpoint/2010/main" id="1" dur="indefinite" restart="never" nodeType="tmRoot"/>
-      </p:par>
-    </p:tnLst>
-  </p:timing>
 </p:sld>
 </file>
 
@@ -7883,10 +7146,9 @@
           <a:lstStyle/>
           <a:p>
             <a:r>
-              <a:rPr lang="en-US" dirty="0" smtClean="0"/>
+              <a:rPr lang="en-US" dirty="0"/>
               <a:t>To-do analysis</a:t>
             </a:r>
-            <a:endParaRPr lang="en-US" dirty="0"/>
           </a:p>
         </p:txBody>
       </p:sp>
@@ -7913,24 +7175,16 @@
           <a:lstStyle/>
           <a:p>
             <a:r>
-              <a:rPr lang="en-US" dirty="0" smtClean="0"/>
+              <a:rPr lang="en-US" dirty="0"/>
               <a:t>Discover variants of two </a:t>
             </a:r>
             <a:r>
-              <a:rPr lang="en-US" dirty="0" err="1" smtClean="0"/>
+              <a:rPr lang="en-US" dirty="0" err="1"/>
               <a:t>E.coli</a:t>
             </a:r>
             <a:r>
-              <a:rPr lang="en-US" dirty="0" smtClean="0"/>
-              <a:t> strains </a:t>
-            </a:r>
-            <a:r>
               <a:rPr lang="en-US" dirty="0"/>
-              <a:t>DH10B and </a:t>
-            </a:r>
-            <a:r>
-              <a:rPr lang="en-US" dirty="0" smtClean="0"/>
-              <a:t>MG1655 relative to a reference genome</a:t>
+              <a:t> strains DH10B and MG1655 relative to a reference genome</a:t>
             </a:r>
             <a:endParaRPr lang="en-US" sz="1800" dirty="0">
               <a:latin typeface="Courier"/>
@@ -7938,7 +7192,7 @@
             </a:endParaRPr>
           </a:p>
           <a:p>
-            <a:endParaRPr lang="en-US" dirty="0" smtClean="0"/>
+            <a:endParaRPr lang="en-US" dirty="0"/>
           </a:p>
           <a:p>
             <a:r>
@@ -7960,15 +7214,15 @@
             <a:endParaRPr lang="en-US" dirty="0"/>
           </a:p>
           <a:p>
-            <a:endParaRPr lang="en-US" dirty="0" smtClean="0"/>
-          </a:p>
-          <a:p>
-            <a:r>
-              <a:rPr lang="en-US" dirty="0" err="1" smtClean="0"/>
+            <a:endParaRPr lang="en-US" dirty="0"/>
+          </a:p>
+          <a:p>
+            <a:r>
+              <a:rPr lang="en-US" dirty="0" err="1"/>
               <a:t>Illumina</a:t>
             </a:r>
             <a:r>
-              <a:rPr lang="en-US" dirty="0" smtClean="0"/>
+              <a:rPr lang="en-US" dirty="0"/>
               <a:t> data sets: DH10B and MG1655</a:t>
             </a:r>
           </a:p>
@@ -7984,13 +7238,6 @@
   <p:clrMapOvr>
     <a:masterClrMapping/>
   </p:clrMapOvr>
-  <p:timing>
-    <p:tnLst>
-      <p:par>
-        <p:cTn xmlns:p14="http://schemas.microsoft.com/office/powerpoint/2010/main" id="1" dur="indefinite" restart="never" nodeType="tmRoot"/>
-      </p:par>
-    </p:tnLst>
-  </p:timing>
 </p:sld>
 </file>
 
@@ -8027,10 +7274,9 @@
           <a:lstStyle/>
           <a:p>
             <a:r>
-              <a:rPr lang="en-US" dirty="0" smtClean="0"/>
+              <a:rPr lang="en-US" dirty="0"/>
               <a:t>Make links to data</a:t>
             </a:r>
-            <a:endParaRPr lang="en-US" dirty="0"/>
           </a:p>
         </p:txBody>
       </p:sp>
@@ -8063,26 +7309,26 @@
               <a:buNone/>
             </a:pPr>
             <a:r>
-              <a:rPr lang="en-US" dirty="0" smtClean="0"/>
+              <a:rPr lang="en-US" dirty="0"/>
               <a:t># </a:t>
             </a:r>
             <a:r>
-              <a:rPr lang="en-US" dirty="0" err="1" smtClean="0"/>
+              <a:rPr lang="en-US" dirty="0" err="1"/>
               <a:t>E.coli</a:t>
             </a:r>
             <a:r>
-              <a:rPr lang="en-US" dirty="0" smtClean="0"/>
+              <a:rPr lang="en-US" dirty="0"/>
               <a:t> K-12 </a:t>
             </a:r>
             <a:r>
-              <a:rPr lang="fr-FR" dirty="0" smtClean="0"/>
+              <a:rPr lang="fr-FR" dirty="0"/>
               <a:t>MG1655 </a:t>
             </a:r>
             <a:r>
-              <a:rPr lang="fr-FR" dirty="0" err="1" smtClean="0"/>
+              <a:rPr lang="fr-FR" dirty="0" err="1"/>
               <a:t>reference</a:t>
             </a:r>
-            <a:endParaRPr lang="en-US" sz="1800" dirty="0" smtClean="0">
+            <a:endParaRPr lang="en-US" sz="1800" dirty="0">
               <a:latin typeface="Courier"/>
               <a:cs typeface="Courier"/>
             </a:endParaRPr>
@@ -8095,7 +7341,7 @@
               <a:buNone/>
             </a:pPr>
             <a:r>
-              <a:rPr lang="en-US" sz="1800" dirty="0" smtClean="0">
+              <a:rPr lang="en-US" sz="1800" dirty="0">
                 <a:latin typeface="Courier"/>
                 <a:cs typeface="Courier"/>
               </a:rPr>
@@ -8110,35 +7356,21 @@
               <a:buNone/>
             </a:pPr>
             <a:r>
-              <a:rPr lang="en-US" sz="1600" dirty="0" err="1" smtClean="0">
+              <a:rPr lang="en-US" sz="1600" dirty="0" err="1">
                 <a:latin typeface="Courier"/>
                 <a:cs typeface="Courier"/>
               </a:rPr>
               <a:t>ln</a:t>
             </a:r>
             <a:r>
-              <a:rPr lang="en-US" sz="1600" dirty="0" smtClean="0">
-                <a:latin typeface="Courier"/>
-                <a:cs typeface="Courier"/>
-              </a:rPr>
-              <a:t> -s </a:t>
-            </a:r>
-            <a:r>
               <a:rPr lang="en-US" sz="1600" dirty="0">
                 <a:latin typeface="Courier"/>
                 <a:cs typeface="Courier"/>
               </a:rPr>
-              <a:t>/homes/liu3zhen/teaching/datasets/variants/</a:t>
-            </a:r>
-            <a:r>
-              <a:rPr lang="en-US" sz="1600" dirty="0" smtClean="0">
-                <a:latin typeface="Courier"/>
-                <a:cs typeface="Courier"/>
-              </a:rPr>
-              <a:t>references/* </a:t>
-            </a:r>
-            <a:r>
-              <a:rPr lang="en-US" sz="1600" b="1" dirty="0" smtClean="0">
+              <a:t> -s /homes/liu3zhen/teaching/datasets/variants/references/* </a:t>
+            </a:r>
+            <a:r>
+              <a:rPr lang="en-US" sz="1600" b="1" dirty="0">
                 <a:solidFill>
                   <a:srgbClr val="FF0000"/>
                 </a:solidFill>
@@ -8147,10 +7379,30 @@
               </a:rPr>
               <a:t>.</a:t>
             </a:r>
-            <a:endParaRPr lang="en-US" sz="1600" b="1" dirty="0">
-              <a:solidFill>
-                <a:srgbClr val="FF0000"/>
-              </a:solidFill>
+          </a:p>
+          <a:p>
+            <a:pPr marL="0" indent="0">
+              <a:lnSpc>
+                <a:spcPct val="120000"/>
+              </a:lnSpc>
+              <a:buNone/>
+            </a:pPr>
+            <a:r>
+              <a:rPr lang="en-US" sz="1800" dirty="0">
+                <a:latin typeface="Courier"/>
+                <a:cs typeface="Courier"/>
+              </a:rPr>
+              <a:t>cd ..</a:t>
+            </a:r>
+          </a:p>
+          <a:p>
+            <a:pPr marL="0" indent="0">
+              <a:lnSpc>
+                <a:spcPct val="120000"/>
+              </a:lnSpc>
+              <a:buNone/>
+            </a:pPr>
+            <a:endParaRPr lang="en-US" sz="1800" dirty="0">
               <a:latin typeface="Courier"/>
               <a:cs typeface="Courier"/>
             </a:endParaRPr>
@@ -8163,18 +7415,19 @@
               <a:buNone/>
             </a:pPr>
             <a:r>
+              <a:rPr lang="en-US" dirty="0">
+                <a:solidFill>
+                  <a:prstClr val="black"/>
+                </a:solidFill>
+              </a:rPr>
+              <a:t># Alignment data</a:t>
+            </a:r>
+            <a:r>
               <a:rPr lang="en-US" sz="1800" dirty="0">
                 <a:latin typeface="Courier"/>
                 <a:cs typeface="Courier"/>
               </a:rPr>
-              <a:t>c</a:t>
-            </a:r>
-            <a:r>
-              <a:rPr lang="en-US" sz="1800" dirty="0" smtClean="0">
-                <a:latin typeface="Courier"/>
-                <a:cs typeface="Courier"/>
-              </a:rPr>
-              <a:t>d ..</a:t>
+              <a:t>:</a:t>
             </a:r>
           </a:p>
           <a:p>
@@ -8184,144 +7437,72 @@
               </a:lnSpc>
               <a:buNone/>
             </a:pPr>
-            <a:endParaRPr lang="en-US" sz="1800" dirty="0" smtClean="0">
+            <a:r>
+              <a:rPr lang="en-US" sz="1800" dirty="0">
+                <a:latin typeface="Courier"/>
+                <a:cs typeface="Courier"/>
+              </a:rPr>
+              <a:t>cd data</a:t>
+            </a:r>
+          </a:p>
+          <a:p>
+            <a:pPr marL="0" indent="0">
+              <a:lnSpc>
+                <a:spcPct val="120000"/>
+              </a:lnSpc>
+              <a:buNone/>
+            </a:pPr>
+            <a:r>
+              <a:rPr lang="en-US" sz="1800" dirty="0" err="1">
+                <a:latin typeface="Courier"/>
+                <a:cs typeface="Courier"/>
+              </a:rPr>
+              <a:t>ln</a:t>
+            </a:r>
+            <a:r>
+              <a:rPr lang="en-US" sz="1800" dirty="0">
+                <a:latin typeface="Courier"/>
+                <a:cs typeface="Courier"/>
+              </a:rPr>
+              <a:t> -s /homes/liu3zhen/teaching/datasets/variants/data/* </a:t>
+            </a:r>
+            <a:r>
+              <a:rPr lang="en-US" sz="1800" b="1" dirty="0">
+                <a:solidFill>
+                  <a:srgbClr val="FF0000"/>
+                </a:solidFill>
+                <a:latin typeface="Courier"/>
+                <a:cs typeface="Courier"/>
+              </a:rPr>
+              <a:t>.</a:t>
+            </a:r>
+          </a:p>
+          <a:p>
+            <a:pPr marL="0" indent="0">
+              <a:lnSpc>
+                <a:spcPct val="120000"/>
+              </a:lnSpc>
+              <a:buNone/>
+            </a:pPr>
+            <a:r>
+              <a:rPr lang="en-US" sz="1800" dirty="0">
+                <a:latin typeface="Courier"/>
+                <a:cs typeface="Courier"/>
+              </a:rPr>
+              <a:t>cd ..</a:t>
+            </a:r>
+          </a:p>
+          <a:p>
+            <a:pPr marL="0" indent="0">
+              <a:lnSpc>
+                <a:spcPct val="120000"/>
+              </a:lnSpc>
+              <a:buNone/>
+            </a:pPr>
+            <a:endParaRPr lang="en-US" sz="1800" dirty="0">
               <a:latin typeface="Courier"/>
               <a:cs typeface="Courier"/>
             </a:endParaRPr>
-          </a:p>
-          <a:p>
-            <a:pPr marL="0" indent="0">
-              <a:lnSpc>
-                <a:spcPct val="120000"/>
-              </a:lnSpc>
-              <a:buNone/>
-            </a:pPr>
-            <a:r>
-              <a:rPr lang="en-US" dirty="0" smtClean="0">
-                <a:solidFill>
-                  <a:prstClr val="black"/>
-                </a:solidFill>
-              </a:rPr>
-              <a:t># Alignment data</a:t>
-            </a:r>
-            <a:r>
-              <a:rPr lang="en-US" sz="1800" dirty="0" smtClean="0">
-                <a:latin typeface="Courier"/>
-                <a:cs typeface="Courier"/>
-              </a:rPr>
-              <a:t>:</a:t>
-            </a:r>
-          </a:p>
-          <a:p>
-            <a:pPr marL="0" indent="0">
-              <a:lnSpc>
-                <a:spcPct val="120000"/>
-              </a:lnSpc>
-              <a:buNone/>
-            </a:pPr>
-            <a:r>
-              <a:rPr lang="en-US" sz="1800" dirty="0" smtClean="0">
-                <a:latin typeface="Courier"/>
-                <a:cs typeface="Courier"/>
-              </a:rPr>
-              <a:t>cd data</a:t>
-            </a:r>
-          </a:p>
-          <a:p>
-            <a:pPr marL="0" indent="0">
-              <a:lnSpc>
-                <a:spcPct val="120000"/>
-              </a:lnSpc>
-              <a:buNone/>
-            </a:pPr>
-            <a:r>
-              <a:rPr lang="en-US" sz="1800" dirty="0" err="1" smtClean="0">
-                <a:latin typeface="Courier"/>
-                <a:cs typeface="Courier"/>
-              </a:rPr>
-              <a:t>ln</a:t>
-            </a:r>
-            <a:r>
-              <a:rPr lang="en-US" sz="1800" dirty="0" smtClean="0">
-                <a:latin typeface="Courier"/>
-                <a:cs typeface="Courier"/>
-              </a:rPr>
-              <a:t> -s </a:t>
-            </a:r>
-            <a:r>
-              <a:rPr lang="en-US" sz="1800" dirty="0">
-                <a:latin typeface="Courier"/>
-                <a:cs typeface="Courier"/>
-              </a:rPr>
-              <a:t>/homes/liu3zhen/teaching/datasets/variants/</a:t>
-            </a:r>
-            <a:r>
-              <a:rPr lang="en-US" sz="1800" dirty="0" smtClean="0">
-                <a:latin typeface="Courier"/>
-                <a:cs typeface="Courier"/>
-              </a:rPr>
-              <a:t>data/* </a:t>
-            </a:r>
-            <a:r>
-              <a:rPr lang="en-US" sz="1800" b="1" dirty="0" smtClean="0">
-                <a:solidFill>
-                  <a:srgbClr val="FF0000"/>
-                </a:solidFill>
-                <a:latin typeface="Courier"/>
-                <a:cs typeface="Courier"/>
-              </a:rPr>
-              <a:t>.</a:t>
-            </a:r>
-          </a:p>
-          <a:p>
-            <a:pPr marL="0" indent="0">
-              <a:lnSpc>
-                <a:spcPct val="120000"/>
-              </a:lnSpc>
-              <a:buNone/>
-            </a:pPr>
-            <a:r>
-              <a:rPr lang="en-US" sz="1800" dirty="0">
-                <a:latin typeface="Courier"/>
-                <a:cs typeface="Courier"/>
-              </a:rPr>
-              <a:t>c</a:t>
-            </a:r>
-            <a:r>
-              <a:rPr lang="en-US" sz="1800" dirty="0" smtClean="0">
-                <a:latin typeface="Courier"/>
-                <a:cs typeface="Courier"/>
-              </a:rPr>
-              <a:t>d ..</a:t>
-            </a:r>
-          </a:p>
-          <a:p>
-            <a:pPr marL="0" indent="0">
-              <a:lnSpc>
-                <a:spcPct val="120000"/>
-              </a:lnSpc>
-              <a:buNone/>
-            </a:pPr>
-            <a:endParaRPr lang="en-US" sz="1800" dirty="0" smtClean="0">
-              <a:latin typeface="Courier"/>
-              <a:cs typeface="Courier"/>
-            </a:endParaRPr>
-          </a:p>
-          <a:p>
-            <a:pPr marL="0" indent="0">
-              <a:buNone/>
-            </a:pPr>
-            <a:r>
-              <a:rPr lang="en-US" sz="1800" dirty="0" smtClean="0">
-                <a:solidFill>
-                  <a:schemeClr val="tx1">
-                    <a:lumMod val="65000"/>
-                    <a:lumOff val="35000"/>
-                  </a:schemeClr>
-                </a:solidFill>
-              </a:rPr>
-              <a:t># DH10B.parse.bam</a:t>
-            </a:r>
           </a:p>
           <a:p>
             <a:pPr marL="0" indent="0">
@@ -8336,43 +7517,13 @@
                   </a:schemeClr>
                 </a:solidFill>
               </a:rPr>
-              <a:t># </a:t>
-            </a:r>
-            <a:r>
-              <a:rPr lang="en-US" sz="1800" dirty="0" smtClean="0">
-                <a:solidFill>
-                  <a:schemeClr val="tx1">
-                    <a:lumMod val="65000"/>
-                    <a:lumOff val="35000"/>
-                  </a:schemeClr>
-                </a:solidFill>
-              </a:rPr>
-              <a:t>DH10B.parse.bam.bai</a:t>
-            </a:r>
-            <a:endParaRPr lang="en-US" sz="1800" dirty="0">
-              <a:solidFill>
-                <a:schemeClr val="tx1">
-                  <a:lumMod val="65000"/>
-                  <a:lumOff val="35000"/>
-                </a:schemeClr>
-              </a:solidFill>
-            </a:endParaRPr>
-          </a:p>
-          <a:p>
-            <a:pPr marL="0" indent="0">
-              <a:buNone/>
-            </a:pPr>
-            <a:r>
-              <a:rPr lang="en-US" sz="1800" dirty="0" smtClean="0">
-                <a:solidFill>
-                  <a:schemeClr val="tx1">
-                    <a:lumMod val="65000"/>
-                    <a:lumOff val="35000"/>
-                  </a:schemeClr>
-                </a:solidFill>
-              </a:rPr>
-              <a:t># MG1655</a:t>
-            </a:r>
+              <a:t># DH10B.parse.bam</a:t>
+            </a:r>
+          </a:p>
+          <a:p>
+            <a:pPr marL="0" indent="0">
+              <a:buNone/>
+            </a:pPr>
             <a:r>
               <a:rPr lang="en-US" sz="1800" dirty="0">
                 <a:solidFill>
@@ -8382,18 +7533,7 @@
                   </a:schemeClr>
                 </a:solidFill>
               </a:rPr>
-              <a:t>.</a:t>
-            </a:r>
-            <a:r>
-              <a:rPr lang="en-US" sz="1800" dirty="0" smtClean="0">
-                <a:solidFill>
-                  <a:schemeClr val="tx1">
-                    <a:lumMod val="65000"/>
-                    <a:lumOff val="35000"/>
-                  </a:schemeClr>
-                </a:solidFill>
-              </a:rPr>
-              <a:t>parse.bam</a:t>
+              <a:t># DH10B.parse.bam.bai</a:t>
             </a:r>
           </a:p>
           <a:p>
@@ -8409,10 +7549,15 @@
                   </a:schemeClr>
                 </a:solidFill>
               </a:rPr>
-              <a:t># MG1655.</a:t>
-            </a:r>
-            <a:r>
-              <a:rPr lang="en-US" sz="1800" dirty="0" smtClean="0">
+              <a:t># MG1655.parse.bam</a:t>
+            </a:r>
+          </a:p>
+          <a:p>
+            <a:pPr marL="0" indent="0">
+              <a:buNone/>
+            </a:pPr>
+            <a:r>
+              <a:rPr lang="en-US" sz="1800" dirty="0">
                 <a:solidFill>
                   <a:schemeClr val="tx1">
                     <a:lumMod val="65000"/>
@@ -8420,7 +7565,7 @@
                   </a:schemeClr>
                 </a:solidFill>
               </a:rPr>
-              <a:t>parse.bam.bai</a:t>
+              <a:t># MG1655.parse.bam.bai</a:t>
             </a:r>
             <a:endParaRPr lang="en-US" sz="1800" dirty="0">
               <a:solidFill>
@@ -8454,13 +7599,6 @@
   <p:clrMapOvr>
     <a:masterClrMapping/>
   </p:clrMapOvr>
-  <p:timing>
-    <p:tnLst>
-      <p:par>
-        <p:cTn xmlns:p14="http://schemas.microsoft.com/office/powerpoint/2010/main" id="1" dur="indefinite" restart="never" nodeType="tmRoot"/>
-      </p:par>
-    </p:tnLst>
-  </p:timing>
 </p:sld>
 </file>
 
@@ -8497,10 +7635,9 @@
           <a:lstStyle/>
           <a:p>
             <a:r>
-              <a:rPr lang="en-US" dirty="0" smtClean="0"/>
+              <a:rPr lang="en-US" dirty="0"/>
               <a:t>BWA alignment (show scripts)</a:t>
             </a:r>
-            <a:endParaRPr lang="en-US" dirty="0"/>
           </a:p>
         </p:txBody>
       </p:sp>
@@ -8530,30 +7667,23 @@
               <a:buNone/>
             </a:pPr>
             <a:r>
-              <a:rPr lang="en-US" sz="1800" dirty="0" smtClean="0">
-                <a:latin typeface="Courier New"/>
-                <a:cs typeface="Courier New"/>
-              </a:rPr>
-              <a:t>######################################</a:t>
-            </a:r>
-          </a:p>
-          <a:p>
-            <a:pPr marL="0" indent="0">
-              <a:buNone/>
-            </a:pPr>
-            <a:r>
-              <a:rPr lang="en-US" sz="1800" dirty="0" smtClean="0">
-                <a:latin typeface="Courier New"/>
-                <a:cs typeface="Courier New"/>
-              </a:rPr>
-              <a:t>#</a:t>
-            </a:r>
-            <a:r>
               <a:rPr lang="en-US" sz="1800" dirty="0">
                 <a:latin typeface="Courier New"/>
                 <a:cs typeface="Courier New"/>
               </a:rPr>
-              <a:t>## index</a:t>
+              <a:t>######################################</a:t>
+            </a:r>
+          </a:p>
+          <a:p>
+            <a:pPr marL="0" indent="0">
+              <a:buNone/>
+            </a:pPr>
+            <a:r>
+              <a:rPr lang="en-US" sz="1800" dirty="0">
+                <a:latin typeface="Courier New"/>
+                <a:cs typeface="Courier New"/>
+              </a:rPr>
+              <a:t>### index</a:t>
             </a:r>
           </a:p>
           <a:p>
@@ -8580,7 +7710,7 @@
               <a:buNone/>
             </a:pPr>
             <a:r>
-              <a:rPr lang="en-US" sz="1800" dirty="0" smtClean="0">
+              <a:rPr lang="en-US" sz="1800" dirty="0">
                 <a:latin typeface="Courier New"/>
                 <a:cs typeface="Courier New"/>
               </a:rPr>
@@ -8613,69 +7743,77 @@
               <a:buNone/>
             </a:pPr>
             <a:r>
-              <a:rPr lang="en-US" sz="1800" dirty="0" smtClean="0">
-                <a:latin typeface="Courier New"/>
-                <a:cs typeface="Courier New"/>
-              </a:rPr>
-              <a:t>### alignment</a:t>
-            </a:r>
-          </a:p>
-          <a:p>
-            <a:pPr marL="0" indent="0">
-              <a:buNone/>
-            </a:pPr>
-            <a:r>
-              <a:rPr lang="en-US" sz="1800" dirty="0" smtClean="0">
-                <a:latin typeface="Courier New"/>
-                <a:cs typeface="Courier New"/>
-              </a:rPr>
-              <a:t>#</a:t>
-            </a:r>
-            <a:r>
               <a:rPr lang="en-US" sz="1800" dirty="0">
                 <a:latin typeface="Courier New"/>
                 <a:cs typeface="Courier New"/>
               </a:rPr>
-              <a:t>#####################################</a:t>
-            </a:r>
-          </a:p>
-          <a:p>
-            <a:pPr marL="0" indent="0">
-              <a:buNone/>
-            </a:pPr>
-            <a:r>
-              <a:rPr lang="en-US" sz="1800" dirty="0" smtClean="0">
-                <a:latin typeface="Courier New"/>
-                <a:cs typeface="Courier New"/>
-              </a:rPr>
-              <a:t>### specify input files</a:t>
-            </a:r>
-          </a:p>
-          <a:p>
-            <a:pPr marL="0" indent="0">
-              <a:buNone/>
-            </a:pPr>
-            <a:r>
-              <a:rPr lang="en-US" sz="1800" dirty="0" smtClean="0">
-                <a:latin typeface="Courier New"/>
-                <a:cs typeface="Courier New"/>
-              </a:rPr>
-              <a:t>ref=MG1655</a:t>
-            </a:r>
+              <a:t>### alignment</a:t>
+            </a:r>
+          </a:p>
+          <a:p>
+            <a:pPr marL="0" indent="0">
+              <a:buNone/>
+            </a:pPr>
             <a:r>
               <a:rPr lang="en-US" sz="1800" dirty="0">
                 <a:latin typeface="Courier New"/>
                 <a:cs typeface="Courier New"/>
               </a:rPr>
-              <a:t>.</a:t>
-            </a:r>
-            <a:r>
-              <a:rPr lang="en-US" sz="1800" dirty="0" smtClean="0">
+              <a:t>######################################</a:t>
+            </a:r>
+          </a:p>
+          <a:p>
+            <a:pPr marL="0" indent="0">
+              <a:buNone/>
+            </a:pPr>
+            <a:r>
+              <a:rPr lang="en-US" sz="1800" dirty="0">
                 <a:latin typeface="Courier New"/>
                 <a:cs typeface="Courier New"/>
               </a:rPr>
-              <a:t>fasta</a:t>
-            </a:r>
+              <a:t>### specify input files</a:t>
+            </a:r>
+          </a:p>
+          <a:p>
+            <a:pPr marL="0" indent="0">
+              <a:buNone/>
+            </a:pPr>
+            <a:r>
+              <a:rPr lang="en-US" sz="1800" dirty="0">
+                <a:latin typeface="Courier New"/>
+                <a:cs typeface="Courier New"/>
+              </a:rPr>
+              <a:t>ref=MG1655.fasta</a:t>
+            </a:r>
+          </a:p>
+          <a:p>
+            <a:pPr marL="0" indent="0">
+              <a:buNone/>
+            </a:pPr>
+            <a:r>
+              <a:rPr lang="en-US" sz="1800" dirty="0">
+                <a:latin typeface="Courier New"/>
+                <a:cs typeface="Courier New"/>
+              </a:rPr>
+              <a:t>pe1=x.pair1.fq</a:t>
+            </a:r>
+          </a:p>
+          <a:p>
+            <a:pPr marL="0" indent="0">
+              <a:buNone/>
+            </a:pPr>
+            <a:r>
+              <a:rPr lang="en-US" sz="1800" dirty="0">
+                <a:latin typeface="Courier New"/>
+                <a:cs typeface="Courier New"/>
+              </a:rPr>
+              <a:t>pe2=x.pair2.fq</a:t>
+            </a:r>
+          </a:p>
+          <a:p>
+            <a:pPr marL="0" indent="0">
+              <a:buNone/>
+            </a:pPr>
             <a:endParaRPr lang="en-US" sz="1800" dirty="0">
               <a:latin typeface="Courier New"/>
               <a:cs typeface="Courier New"/>
@@ -8690,181 +7828,70 @@
                 <a:latin typeface="Courier New"/>
                 <a:cs typeface="Courier New"/>
               </a:rPr>
-              <a:t>pe1</a:t>
-            </a:r>
-            <a:r>
-              <a:rPr lang="en-US" sz="1800" dirty="0" smtClean="0">
-                <a:latin typeface="Courier New"/>
-                <a:cs typeface="Courier New"/>
-              </a:rPr>
-              <a:t>=x.pair1</a:t>
-            </a:r>
+              <a:t>### alignment</a:t>
+            </a:r>
+          </a:p>
+          <a:p>
+            <a:pPr marL="0" indent="0">
+              <a:buNone/>
+            </a:pPr>
             <a:r>
               <a:rPr lang="en-US" sz="1800" dirty="0">
                 <a:latin typeface="Courier New"/>
                 <a:cs typeface="Courier New"/>
               </a:rPr>
-              <a:t>.</a:t>
-            </a:r>
-            <a:r>
-              <a:rPr lang="en-US" sz="1800" dirty="0" smtClean="0">
+              <a:t># </a:t>
+            </a:r>
+            <a:r>
+              <a:rPr lang="en-US" sz="1800" dirty="0" err="1">
                 <a:latin typeface="Courier New"/>
                 <a:cs typeface="Courier New"/>
               </a:rPr>
-              <a:t>fq</a:t>
-            </a:r>
-            <a:endParaRPr lang="en-US" sz="1800" dirty="0">
-              <a:latin typeface="Courier New"/>
-              <a:cs typeface="Courier New"/>
-            </a:endParaRPr>
-          </a:p>
-          <a:p>
-            <a:pPr marL="0" indent="0">
-              <a:buNone/>
-            </a:pPr>
+              <a:t>bwa</a:t>
+            </a:r>
             <a:r>
               <a:rPr lang="en-US" sz="1800" dirty="0">
                 <a:latin typeface="Courier New"/>
                 <a:cs typeface="Courier New"/>
               </a:rPr>
-              <a:t>pe2</a:t>
-            </a:r>
-            <a:r>
-              <a:rPr lang="en-US" sz="1800" dirty="0" smtClean="0">
+              <a:t> </a:t>
+            </a:r>
+            <a:r>
+              <a:rPr lang="en-US" sz="1800" dirty="0" err="1">
                 <a:latin typeface="Courier New"/>
                 <a:cs typeface="Courier New"/>
               </a:rPr>
-              <a:t>=x.pair2</a:t>
+              <a:t>mem</a:t>
             </a:r>
             <a:r>
               <a:rPr lang="en-US" sz="1800" dirty="0">
                 <a:latin typeface="Courier New"/>
                 <a:cs typeface="Courier New"/>
               </a:rPr>
-              <a:t>.</a:t>
-            </a:r>
-            <a:r>
-              <a:rPr lang="en-US" sz="1800" dirty="0" smtClean="0">
+              <a:t> -T 40 $ref $pe1 $pe2 1&gt;</a:t>
+            </a:r>
+            <a:r>
+              <a:rPr lang="en-US" sz="1800" dirty="0" err="1">
                 <a:latin typeface="Courier New"/>
                 <a:cs typeface="Courier New"/>
               </a:rPr>
-              <a:t>fq</a:t>
-            </a:r>
-            <a:endParaRPr lang="en-US" sz="1800" dirty="0">
-              <a:latin typeface="Courier New"/>
-              <a:cs typeface="Courier New"/>
-            </a:endParaRPr>
-          </a:p>
-          <a:p>
-            <a:pPr marL="0" indent="0">
-              <a:buNone/>
-            </a:pPr>
-            <a:endParaRPr lang="en-US" sz="1800" dirty="0" smtClean="0">
-              <a:latin typeface="Courier New"/>
-              <a:cs typeface="Courier New"/>
-            </a:endParaRPr>
-          </a:p>
-          <a:p>
-            <a:pPr marL="0" indent="0">
-              <a:buNone/>
-            </a:pPr>
-            <a:r>
-              <a:rPr lang="en-US" sz="1800" dirty="0" smtClean="0">
-                <a:latin typeface="Courier New"/>
-                <a:cs typeface="Courier New"/>
-              </a:rPr>
-              <a:t>#</a:t>
+              <a:t>aln.sam</a:t>
             </a:r>
             <a:r>
               <a:rPr lang="en-US" sz="1800" dirty="0">
                 <a:latin typeface="Courier New"/>
                 <a:cs typeface="Courier New"/>
               </a:rPr>
-              <a:t>## alignment</a:t>
-            </a:r>
-          </a:p>
-          <a:p>
-            <a:pPr marL="0" indent="0">
-              <a:buNone/>
-            </a:pPr>
-            <a:r>
-              <a:rPr lang="en-US" sz="1800" dirty="0" smtClean="0">
-                <a:latin typeface="Courier New"/>
-                <a:cs typeface="Courier New"/>
-              </a:rPr>
-              <a:t># </a:t>
-            </a:r>
-            <a:r>
-              <a:rPr lang="en-US" sz="1800" dirty="0" err="1" smtClean="0">
-                <a:latin typeface="Courier New"/>
-                <a:cs typeface="Courier New"/>
-              </a:rPr>
-              <a:t>bwa</a:t>
-            </a:r>
-            <a:r>
-              <a:rPr lang="en-US" sz="1800" dirty="0" smtClean="0">
-                <a:latin typeface="Courier New"/>
-                <a:cs typeface="Courier New"/>
-              </a:rPr>
-              <a:t> </a:t>
+              <a:t> 2&gt;</a:t>
             </a:r>
             <a:r>
               <a:rPr lang="en-US" sz="1800" dirty="0" err="1">
                 <a:latin typeface="Courier New"/>
                 <a:cs typeface="Courier New"/>
               </a:rPr>
-              <a:t>mem</a:t>
-            </a:r>
-            <a:r>
-              <a:rPr lang="en-US" sz="1800" dirty="0">
-                <a:latin typeface="Courier New"/>
-                <a:cs typeface="Courier New"/>
-              </a:rPr>
-              <a:t> -T 40 $ref $pe1 $pe2 1</a:t>
-            </a:r>
-            <a:r>
-              <a:rPr lang="en-US" sz="1800" dirty="0" smtClean="0">
-                <a:latin typeface="Courier New"/>
-                <a:cs typeface="Courier New"/>
-              </a:rPr>
-              <a:t>&gt;</a:t>
-            </a:r>
-            <a:r>
-              <a:rPr lang="en-US" sz="1800" dirty="0" err="1" smtClean="0">
-                <a:latin typeface="Courier New"/>
-                <a:cs typeface="Courier New"/>
-              </a:rPr>
-              <a:t>aln.sam</a:t>
-            </a:r>
-            <a:r>
-              <a:rPr lang="en-US" sz="1800" dirty="0" smtClean="0">
-                <a:latin typeface="Courier New"/>
-                <a:cs typeface="Courier New"/>
-              </a:rPr>
-              <a:t> </a:t>
-            </a:r>
-            <a:r>
-              <a:rPr lang="en-US" sz="1800" dirty="0">
-                <a:latin typeface="Courier New"/>
-                <a:cs typeface="Courier New"/>
-              </a:rPr>
-              <a:t>2</a:t>
-            </a:r>
-            <a:r>
-              <a:rPr lang="en-US" sz="1800" dirty="0" smtClean="0">
-                <a:latin typeface="Courier New"/>
-                <a:cs typeface="Courier New"/>
-              </a:rPr>
-              <a:t>&gt;</a:t>
-            </a:r>
-            <a:r>
-              <a:rPr lang="en-US" sz="1800" dirty="0" err="1" smtClean="0">
-                <a:latin typeface="Courier New"/>
-                <a:cs typeface="Courier New"/>
-              </a:rPr>
               <a:t>aln.log</a:t>
             </a:r>
-            <a:endParaRPr lang="en-US" sz="1800" dirty="0" smtClean="0">
+            <a:endParaRPr lang="en-US" sz="1800" dirty="0">
               <a:latin typeface="Courier New"/>
               <a:cs typeface="Courier New"/>
             </a:endParaRPr>
@@ -8914,7 +7941,7 @@
               <a:t> -T 40 </a:t>
             </a:r>
             <a:r>
-              <a:rPr lang="en-US" sz="1800" b="1" dirty="0" smtClean="0">
+              <a:rPr lang="en-US" sz="1800" b="1" dirty="0">
                 <a:solidFill>
                   <a:srgbClr val="FF0000"/>
                 </a:solidFill>
@@ -8924,7 +7951,7 @@
               <a:t>–R </a:t>
             </a:r>
             <a:r>
-              <a:rPr lang="fr-FR" sz="1800" dirty="0" smtClean="0">
+              <a:rPr lang="fr-FR" sz="1800" dirty="0">
                 <a:solidFill>
                   <a:srgbClr val="FF0000"/>
                 </a:solidFill>
@@ -8954,16 +7981,6 @@
               <a:t>' </a:t>
             </a:r>
             <a:r>
-              <a:rPr lang="en-US" sz="1800" dirty="0" smtClean="0">
-                <a:solidFill>
-                  <a:srgbClr val="FF0000"/>
-                </a:solidFill>
-                <a:latin typeface="Courier New"/>
-                <a:cs typeface="Courier New"/>
-              </a:rPr>
-              <a:t>$</a:t>
-            </a:r>
-            <a:r>
               <a:rPr lang="en-US" sz="1800" dirty="0">
                 <a:solidFill>
                   <a:srgbClr val="FF0000"/>
@@ -8971,7 +7988,7 @@
                 <a:latin typeface="Courier New"/>
                 <a:cs typeface="Courier New"/>
               </a:rPr>
-              <a:t>ref $pe1 $pe2 1&gt;</a:t>
+              <a:t>$ref $pe1 $pe2 1&gt;</a:t>
             </a:r>
             <a:r>
               <a:rPr lang="en-US" sz="1800" dirty="0" err="1">
@@ -8994,7 +8011,7 @@
               <a:t> 2&gt;</a:t>
             </a:r>
             <a:r>
-              <a:rPr lang="en-US" sz="1800" dirty="0" err="1" smtClean="0">
+              <a:rPr lang="en-US" sz="1800" dirty="0" err="1">
                 <a:solidFill>
                   <a:srgbClr val="FF0000"/>
                 </a:solidFill>
@@ -9023,13 +8040,6 @@
   <p:clrMapOvr>
     <a:masterClrMapping/>
   </p:clrMapOvr>
-  <p:timing>
-    <p:tnLst>
-      <p:par>
-        <p:cTn xmlns:p14="http://schemas.microsoft.com/office/powerpoint/2010/main" id="1" dur="indefinite" restart="never" nodeType="tmRoot"/>
-      </p:par>
-    </p:tnLst>
-  </p:timing>
 </p:sld>
 </file>
 
@@ -9066,10 +8076,9 @@
           <a:lstStyle/>
           <a:p>
             <a:r>
-              <a:rPr lang="en-US" dirty="0" smtClean="0"/>
+              <a:rPr lang="en-US" dirty="0"/>
               <a:t>Examine alignments</a:t>
             </a:r>
-            <a:endParaRPr lang="en-US" dirty="0"/>
           </a:p>
         </p:txBody>
       </p:sp>
@@ -9109,46 +8118,18 @@
               </a:rPr>
               <a:t>SAMtools</a:t>
             </a:r>
-            <a:r>
-              <a:rPr lang="en-US" sz="2000" dirty="0">
-                <a:latin typeface="Courier"/>
-                <a:cs typeface="Courier"/>
-              </a:rPr>
-              <a:t>/1.8-foss-</a:t>
-            </a:r>
-            <a:r>
-              <a:rPr lang="en-US" sz="2000" dirty="0" smtClean="0">
-                <a:latin typeface="Courier"/>
-                <a:cs typeface="Courier"/>
-              </a:rPr>
-              <a:t>2017beocatb</a:t>
-            </a:r>
-            <a:endParaRPr lang="en-US" sz="2000" dirty="0" smtClean="0">
+            <a:endParaRPr lang="en-US" sz="2000" dirty="0">
               <a:latin typeface="Courier New"/>
               <a:cs typeface="Courier New"/>
             </a:endParaRPr>
           </a:p>
           <a:p>
             <a:r>
-              <a:rPr lang="en-US" sz="2000" dirty="0" err="1" smtClean="0">
-                <a:latin typeface="Courier New"/>
-                <a:cs typeface="Courier New"/>
-              </a:rPr>
-              <a:t>samtools</a:t>
-            </a:r>
-            <a:r>
-              <a:rPr lang="en-US" sz="2000" dirty="0" smtClean="0">
-                <a:latin typeface="Courier New"/>
-                <a:cs typeface="Courier New"/>
-              </a:rPr>
-              <a:t> </a:t>
-            </a:r>
-            <a:r>
               <a:rPr lang="en-US" sz="2000" dirty="0" err="1">
                 <a:latin typeface="Courier New"/>
                 <a:cs typeface="Courier New"/>
               </a:rPr>
-              <a:t>flagstat</a:t>
+              <a:t>samtools</a:t>
             </a:r>
             <a:r>
               <a:rPr lang="en-US" sz="2000" dirty="0">
@@ -9158,34 +8139,27 @@
               <a:t> </a:t>
             </a:r>
             <a:r>
-              <a:rPr lang="en-US" sz="2000" dirty="0" smtClean="0">
-                <a:latin typeface="Courier New"/>
-                <a:cs typeface="Courier New"/>
-              </a:rPr>
-              <a:t>./data/DH10B.parse.bam</a:t>
-            </a:r>
-          </a:p>
-          <a:p>
-            <a:r>
               <a:rPr lang="en-US" sz="2000" dirty="0" err="1">
                 <a:latin typeface="Courier New"/>
                 <a:cs typeface="Courier New"/>
               </a:rPr>
-              <a:t>samtools</a:t>
+              <a:t>flagstat</a:t>
             </a:r>
             <a:r>
               <a:rPr lang="en-US" sz="2000" dirty="0">
                 <a:latin typeface="Courier New"/>
                 <a:cs typeface="Courier New"/>
               </a:rPr>
-              <a:t> </a:t>
-            </a:r>
+              <a:t> ./data/DH10B.parse.bam</a:t>
+            </a:r>
+          </a:p>
+          <a:p>
             <a:r>
               <a:rPr lang="en-US" sz="2000" dirty="0" err="1">
                 <a:latin typeface="Courier New"/>
                 <a:cs typeface="Courier New"/>
               </a:rPr>
-              <a:t>flagstat</a:t>
+              <a:t>samtools</a:t>
             </a:r>
             <a:r>
               <a:rPr lang="en-US" sz="2000" dirty="0">
@@ -9195,25 +8169,18 @@
               <a:t> </a:t>
             </a:r>
             <a:r>
-              <a:rPr lang="en-US" sz="2000" dirty="0" smtClean="0">
+              <a:rPr lang="en-US" sz="2000" dirty="0" err="1">
                 <a:latin typeface="Courier New"/>
                 <a:cs typeface="Courier New"/>
               </a:rPr>
-              <a:t>./data/MG1655</a:t>
+              <a:t>flagstat</a:t>
             </a:r>
             <a:r>
               <a:rPr lang="en-US" sz="2000" dirty="0">
                 <a:latin typeface="Courier New"/>
                 <a:cs typeface="Courier New"/>
               </a:rPr>
-              <a:t>.</a:t>
-            </a:r>
-            <a:r>
-              <a:rPr lang="en-US" sz="2000" dirty="0" smtClean="0">
-                <a:latin typeface="Courier New"/>
-                <a:cs typeface="Courier New"/>
-              </a:rPr>
-              <a:t>parse.bam</a:t>
+              <a:t> ./data/MG1655.parse.bam</a:t>
             </a:r>
           </a:p>
         </p:txBody>
@@ -9420,7 +8387,7 @@
           <a:lstStyle/>
           <a:p>
             <a:r>
-              <a:rPr lang="en-US" b="1" dirty="0" smtClean="0">
+              <a:rPr lang="en-US" b="1" dirty="0">
                 <a:solidFill>
                   <a:schemeClr val="accent3">
                     <a:lumMod val="50000"/>
@@ -9430,11 +8397,11 @@
               <a:t>tips: </a:t>
             </a:r>
             <a:r>
-              <a:rPr lang="en-US" dirty="0" err="1" smtClean="0"/>
+              <a:rPr lang="en-US" dirty="0" err="1"/>
               <a:t>samtools</a:t>
             </a:r>
             <a:r>
-              <a:rPr lang="en-US" dirty="0" smtClean="0"/>
+              <a:rPr lang="en-US" dirty="0"/>
               <a:t> flags 147</a:t>
             </a:r>
           </a:p>
@@ -9459,7 +8426,7 @@
   <p:timing>
     <p:tnLst>
       <p:par>
-        <p:cTn xmlns:p14="http://schemas.microsoft.com/office/powerpoint/2010/main" id="1" dur="indefinite" restart="never" nodeType="tmRoot">
+        <p:cTn id="1" dur="indefinite" restart="never" nodeType="tmRoot">
           <p:childTnLst>
             <p:seq concurrent="1" nextAc="seek">
               <p:cTn id="2" dur="indefinite" nodeType="mainSeq">
@@ -9621,10 +8588,9 @@
           <a:lstStyle/>
           <a:p>
             <a:r>
-              <a:rPr lang="en-US" dirty="0" smtClean="0"/>
+              <a:rPr lang="en-US" dirty="0"/>
               <a:t>Prior to GATK, the reference genome needs to be indexed</a:t>
             </a:r>
-            <a:endParaRPr lang="en-US" dirty="0"/>
           </a:p>
         </p:txBody>
       </p:sp>
@@ -9640,8 +8606,8 @@
         </p:nvSpPr>
         <p:spPr>
           <a:xfrm>
-            <a:off x="721032" y="1794247"/>
-            <a:ext cx="7774615" cy="3669920"/>
+            <a:off x="210255" y="2002193"/>
+            <a:ext cx="8607174" cy="3669920"/>
           </a:xfrm>
         </p:spPr>
         <p:txBody>
@@ -9654,32 +8620,32 @@
               <a:buNone/>
             </a:pPr>
             <a:r>
-              <a:rPr lang="en-US" sz="2000" dirty="0" smtClean="0">
-                <a:latin typeface="Courier"/>
-                <a:cs typeface="Courier"/>
-              </a:rPr>
-              <a:t>### index 1</a:t>
-            </a:r>
-          </a:p>
-          <a:p>
-            <a:pPr marL="0" indent="0">
-              <a:buNone/>
-            </a:pPr>
-            <a:r>
-              <a:rPr lang="ro-RO" sz="2000" dirty="0">
-                <a:latin typeface="Courier"/>
-                <a:cs typeface="Courier"/>
-              </a:rPr>
-              <a:t>module load Java/</a:t>
-            </a:r>
-            <a:r>
-              <a:rPr lang="ro-RO" sz="2000" dirty="0" smtClean="0">
-                <a:latin typeface="Courier"/>
-                <a:cs typeface="Courier"/>
-              </a:rPr>
-              <a:t>1.8.0_192 # load java module</a:t>
-            </a:r>
-            <a:endParaRPr lang="en-US" sz="2000" dirty="0" smtClean="0">
+              <a:rPr lang="en-US" sz="2800" dirty="0">
+                <a:latin typeface="Courier"/>
+                <a:cs typeface="Courier"/>
+              </a:rPr>
+              <a:t>### indexing</a:t>
+            </a:r>
+          </a:p>
+          <a:p>
+            <a:pPr marL="0" indent="0">
+              <a:buNone/>
+            </a:pPr>
+            <a:r>
+              <a:rPr lang="en-US" sz="2800" dirty="0">
+                <a:latin typeface="Courier"/>
+                <a:cs typeface="Courier"/>
+              </a:rPr>
+              <a:t>module load </a:t>
+            </a:r>
+            <a:r>
+              <a:rPr lang="en-US" sz="2800" dirty="0" err="1">
+                <a:latin typeface="Courier"/>
+                <a:cs typeface="Courier"/>
+              </a:rPr>
+              <a:t>SAMtools</a:t>
+            </a:r>
+            <a:endParaRPr lang="en-US" sz="2800" dirty="0">
               <a:latin typeface="Courier"/>
               <a:cs typeface="Courier"/>
             </a:endParaRPr>
@@ -9689,124 +8655,51 @@
               <a:buNone/>
             </a:pPr>
             <a:r>
-              <a:rPr lang="en-US" sz="2000" dirty="0" smtClean="0">
-                <a:latin typeface="Courier"/>
-                <a:cs typeface="Courier"/>
-              </a:rPr>
-              <a:t>java </a:t>
-            </a:r>
-            <a:r>
-              <a:rPr lang="en-US" sz="2000" dirty="0">
-                <a:latin typeface="Courier"/>
-                <a:cs typeface="Courier"/>
-              </a:rPr>
-              <a:t>-jar /homes/liu3zhen/local/jars/</a:t>
-            </a:r>
-            <a:r>
-              <a:rPr lang="en-US" sz="2000" dirty="0" err="1" smtClean="0">
-                <a:latin typeface="Courier"/>
-                <a:cs typeface="Courier"/>
-              </a:rPr>
-              <a:t>picard.jar</a:t>
-            </a:r>
-            <a:r>
-              <a:rPr lang="en-US" sz="2000" dirty="0" smtClean="0">
-                <a:latin typeface="Courier"/>
-                <a:cs typeface="Courier"/>
-              </a:rPr>
-              <a:t> \</a:t>
-            </a:r>
-          </a:p>
-          <a:p>
-            <a:pPr marL="0" indent="0">
-              <a:buNone/>
-            </a:pPr>
-            <a:r>
-              <a:rPr lang="en-US" sz="2000" dirty="0" smtClean="0">
-                <a:latin typeface="Courier"/>
-                <a:cs typeface="Courier"/>
-              </a:rPr>
-              <a:t>  </a:t>
-            </a:r>
-            <a:r>
-              <a:rPr lang="en-US" sz="2000" dirty="0" err="1" smtClean="0">
-                <a:latin typeface="Courier"/>
-                <a:cs typeface="Courier"/>
-              </a:rPr>
-              <a:t>CreateSequenceDictionary</a:t>
-            </a:r>
-            <a:r>
-              <a:rPr lang="en-US" sz="2000" dirty="0" smtClean="0">
-                <a:latin typeface="Courier"/>
-                <a:cs typeface="Courier"/>
-              </a:rPr>
-              <a:t> \</a:t>
-            </a:r>
-          </a:p>
-          <a:p>
-            <a:pPr marL="0" indent="0">
-              <a:buNone/>
-            </a:pPr>
-            <a:r>
-              <a:rPr lang="en-US" sz="2000" dirty="0" smtClean="0">
-                <a:latin typeface="Courier"/>
-                <a:cs typeface="Courier"/>
-              </a:rPr>
-              <a:t>  R=Ecoli_k12_MG1655</a:t>
-            </a:r>
-            <a:r>
-              <a:rPr lang="en-US" sz="2000" dirty="0">
-                <a:latin typeface="Courier"/>
-                <a:cs typeface="Courier"/>
-              </a:rPr>
-              <a:t>.</a:t>
-            </a:r>
-            <a:r>
-              <a:rPr lang="en-US" sz="2000" dirty="0" smtClean="0">
-                <a:latin typeface="Courier"/>
-                <a:cs typeface="Courier"/>
-              </a:rPr>
-              <a:t>fasta \</a:t>
-            </a:r>
-          </a:p>
-          <a:p>
-            <a:pPr marL="0" indent="0">
-              <a:buNone/>
-            </a:pPr>
-            <a:r>
-              <a:rPr lang="en-US" sz="2000" dirty="0">
+              <a:rPr lang="en-US" sz="2800" dirty="0" err="1">
+                <a:latin typeface="Courier"/>
+                <a:cs typeface="Courier"/>
+              </a:rPr>
+              <a:t>samtools</a:t>
+            </a:r>
+            <a:r>
+              <a:rPr lang="en-US" sz="2800" dirty="0">
                 <a:latin typeface="Courier"/>
                 <a:cs typeface="Courier"/>
               </a:rPr>
               <a:t> </a:t>
             </a:r>
             <a:r>
-              <a:rPr lang="en-US" sz="2000" dirty="0" smtClean="0">
-                <a:latin typeface="Courier"/>
-                <a:cs typeface="Courier"/>
-              </a:rPr>
-              <a:t> O=Ecoli_k12_MG1655</a:t>
-            </a:r>
-            <a:r>
-              <a:rPr lang="en-US" sz="2000" dirty="0">
-                <a:latin typeface="Courier"/>
-                <a:cs typeface="Courier"/>
-              </a:rPr>
-              <a:t>.</a:t>
-            </a:r>
-            <a:r>
-              <a:rPr lang="en-US" sz="2000" dirty="0" smtClean="0">
+              <a:rPr lang="en-US" sz="2800" dirty="0" err="1">
                 <a:latin typeface="Courier"/>
                 <a:cs typeface="Courier"/>
               </a:rPr>
               <a:t>dict</a:t>
             </a:r>
-          </a:p>
-          <a:p>
-            <a:pPr marL="0" indent="0">
-              <a:buNone/>
-            </a:pPr>
-            <a:endParaRPr lang="en-US" sz="2000" dirty="0" smtClean="0">
+            <a:r>
+              <a:rPr lang="en-US" sz="2800" dirty="0">
+                <a:latin typeface="Courier"/>
+                <a:cs typeface="Courier"/>
+              </a:rPr>
+              <a:t> Ecoli_k12_MG1655.fasta \</a:t>
+            </a:r>
+          </a:p>
+          <a:p>
+            <a:pPr marL="0" indent="0">
+              <a:buNone/>
+            </a:pPr>
+            <a:r>
+              <a:rPr lang="en-US" sz="2800" dirty="0">
+                <a:latin typeface="Courier"/>
+                <a:cs typeface="Courier"/>
+              </a:rPr>
+              <a:t>	&gt; Ecoli_k12_MG1655.dict</a:t>
+            </a:r>
+          </a:p>
+          <a:p>
+            <a:pPr marL="0" indent="0">
+              <a:buNone/>
+            </a:pPr>
+            <a:endParaRPr lang="en-US" sz="2800" dirty="0">
               <a:latin typeface="Courier"/>
               <a:cs typeface="Courier"/>
             </a:endParaRPr>
@@ -9816,92 +8709,32 @@
               <a:buNone/>
             </a:pPr>
             <a:r>
-              <a:rPr lang="en-US" sz="2000" dirty="0" smtClean="0">
-                <a:latin typeface="Courier"/>
-                <a:cs typeface="Courier"/>
-              </a:rPr>
-              <a:t>### index 2</a:t>
-            </a:r>
-            <a:endParaRPr lang="en-US" sz="2000" dirty="0">
-              <a:latin typeface="Courier"/>
-              <a:cs typeface="Courier"/>
-            </a:endParaRPr>
-          </a:p>
-          <a:p>
-            <a:pPr marL="0" indent="0">
-              <a:buNone/>
-            </a:pPr>
-            <a:r>
-              <a:rPr lang="en-US" sz="2000" dirty="0">
-                <a:latin typeface="Courier"/>
-                <a:cs typeface="Courier"/>
-              </a:rPr>
-              <a:t>module load </a:t>
-            </a:r>
-            <a:r>
-              <a:rPr lang="en-US" sz="2000" dirty="0" err="1">
-                <a:latin typeface="Courier"/>
-                <a:cs typeface="Courier"/>
-              </a:rPr>
-              <a:t>SAMtools</a:t>
-            </a:r>
-            <a:r>
-              <a:rPr lang="en-US" sz="2000" dirty="0">
-                <a:latin typeface="Courier"/>
-                <a:cs typeface="Courier"/>
-              </a:rPr>
-              <a:t>/1.8-foss-2017beocatb</a:t>
-            </a:r>
-            <a:endParaRPr lang="en-US" sz="2000" dirty="0" smtClean="0">
-              <a:latin typeface="Courier"/>
-              <a:cs typeface="Courier"/>
-            </a:endParaRPr>
-          </a:p>
-          <a:p>
-            <a:pPr marL="0" indent="0">
-              <a:buNone/>
-            </a:pPr>
-            <a:r>
-              <a:rPr lang="en-US" sz="2000" dirty="0" err="1" smtClean="0">
+              <a:rPr lang="en-US" sz="2800" dirty="0" err="1">
                 <a:latin typeface="Courier"/>
                 <a:cs typeface="Courier"/>
               </a:rPr>
               <a:t>samtools</a:t>
             </a:r>
             <a:r>
-              <a:rPr lang="en-US" sz="2000" dirty="0" smtClean="0">
+              <a:rPr lang="en-US" sz="2800" dirty="0">
                 <a:latin typeface="Courier"/>
                 <a:cs typeface="Courier"/>
               </a:rPr>
               <a:t> </a:t>
             </a:r>
             <a:r>
-              <a:rPr lang="en-US" sz="2000" dirty="0" err="1">
+              <a:rPr lang="en-US" sz="2800" dirty="0" err="1">
                 <a:latin typeface="Courier"/>
                 <a:cs typeface="Courier"/>
               </a:rPr>
               <a:t>faidx</a:t>
             </a:r>
             <a:r>
-              <a:rPr lang="en-US" sz="2000" dirty="0">
-                <a:latin typeface="Courier"/>
-                <a:cs typeface="Courier"/>
-              </a:rPr>
-              <a:t> </a:t>
-            </a:r>
-            <a:r>
-              <a:rPr lang="en-US" sz="2000" dirty="0" smtClean="0">
-                <a:latin typeface="Courier"/>
-                <a:cs typeface="Courier"/>
-              </a:rPr>
-              <a:t>Ecoli_k12_MG1655</a:t>
-            </a:r>
-            <a:r>
-              <a:rPr lang="en-US" sz="2000" dirty="0">
-                <a:latin typeface="Courier"/>
-                <a:cs typeface="Courier"/>
-              </a:rPr>
-              <a:t>.fasta</a:t>
+              <a:rPr lang="en-US" sz="2800" dirty="0">
+                <a:latin typeface="Courier"/>
+                <a:cs typeface="Courier"/>
+              </a:rPr>
+              <a:t> Ecoli_k12_MG1655.fasta</a:t>
             </a:r>
           </a:p>
         </p:txBody>
@@ -9929,7 +8762,7 @@
           <a:lstStyle/>
           <a:p>
             <a:r>
-              <a:rPr lang="en-US" sz="2800" dirty="0" smtClean="0">
+              <a:rPr lang="en-US" sz="2800" dirty="0">
                 <a:solidFill>
                   <a:srgbClr val="FF0000"/>
                 </a:solidFill>
@@ -9962,18 +8795,13 @@
           <a:lstStyle/>
           <a:p>
             <a:r>
-              <a:rPr lang="en-US" sz="2800" dirty="0" smtClean="0">
+              <a:rPr lang="en-US" sz="2800" dirty="0">
                 <a:solidFill>
                   <a:srgbClr val="FF0000"/>
                 </a:solidFill>
               </a:rPr>
               <a:t>Check the output</a:t>
             </a:r>
-            <a:endParaRPr lang="en-US" sz="2800" dirty="0">
-              <a:solidFill>
-                <a:srgbClr val="FF0000"/>
-              </a:solidFill>
-            </a:endParaRPr>
           </a:p>
         </p:txBody>
       </p:sp>
@@ -9987,13 +8815,6 @@
   <p:clrMapOvr>
     <a:masterClrMapping/>
   </p:clrMapOvr>
-  <p:timing>
-    <p:tnLst>
-      <p:par>
-        <p:cTn xmlns:p14="http://schemas.microsoft.com/office/powerpoint/2010/main" id="1" dur="indefinite" restart="never" nodeType="tmRoot"/>
-      </p:par>
-    </p:tnLst>
-  </p:timing>
 </p:sld>
 </file>
 
@@ -10030,10 +8851,9 @@
           <a:lstStyle/>
           <a:p>
             <a:r>
-              <a:rPr lang="en-US" dirty="0" smtClean="0"/>
+              <a:rPr lang="en-US" dirty="0"/>
               <a:t>GATK</a:t>
             </a:r>
-            <a:endParaRPr lang="en-US" dirty="0"/>
           </a:p>
         </p:txBody>
       </p:sp>
@@ -10090,7 +8910,7 @@
             <a:pPr marL="0" indent="0">
               <a:buNone/>
             </a:pPr>
-            <a:endParaRPr lang="en-US" dirty="0" smtClean="0">
+            <a:endParaRPr lang="en-US" dirty="0">
               <a:latin typeface="Courier"/>
               <a:cs typeface="Courier"/>
             </a:endParaRPr>
@@ -10100,14 +8920,14 @@
               <a:buNone/>
             </a:pPr>
             <a:r>
-              <a:rPr lang="en-US" sz="3600" dirty="0" smtClean="0">
+              <a:rPr lang="en-US" sz="3600" dirty="0">
                 <a:latin typeface="Courier"/>
                 <a:cs typeface="Courier"/>
               </a:rPr>
               <a:t>$</a:t>
             </a:r>
             <a:r>
-              <a:rPr lang="en-US" sz="3600" dirty="0" err="1" smtClean="0">
+              <a:rPr lang="en-US" sz="3600" dirty="0" err="1">
                 <a:latin typeface="Courier"/>
                 <a:cs typeface="Courier"/>
               </a:rPr>
@@ -10118,14 +8938,7 @@
                 <a:latin typeface="Courier"/>
                 <a:cs typeface="Courier"/>
               </a:rPr>
-              <a:t> </a:t>
-            </a:r>
-            <a:r>
-              <a:rPr lang="en-US" sz="3600" dirty="0" smtClean="0">
-                <a:latin typeface="Courier"/>
-                <a:cs typeface="Courier"/>
-              </a:rPr>
-              <a:t>--list</a:t>
+              <a:t> --list</a:t>
             </a:r>
             <a:endParaRPr lang="en-US" sz="3600" dirty="0"/>
           </a:p>
@@ -10141,13 +8954,6 @@
   <p:clrMapOvr>
     <a:masterClrMapping/>
   </p:clrMapOvr>
-  <p:timing>
-    <p:tnLst>
-      <p:par>
-        <p:cTn xmlns:p14="http://schemas.microsoft.com/office/powerpoint/2010/main" id="1" dur="indefinite" restart="never" nodeType="tmRoot"/>
-      </p:par>
-    </p:tnLst>
-  </p:timing>
 </p:sld>
 </file>
 
